--- a/assets/Presentation.pptx
+++ b/assets/Presentation.pptx
@@ -20,6 +20,7 @@
     <p:sldId id="263" r:id="rId13"/>
     <p:sldId id="264" r:id="rId14"/>
     <p:sldId id="265" r:id="rId15"/>
+    <p:sldId id="266" r:id="rId16"/>
   </p:sldIdLst>
   <p:sldSz cx="12192000" cy="6858000"/>
   <p:notesSz cx="6858000" cy="9144000"/>
@@ -4147,7 +4148,7 @@
       </p:grpSpPr>
       <p:sp>
         <p:nvSpPr>
-          <p:cNvPr id="123" name="PlaceHolder 1"/>
+          <p:cNvPr id="114" name="PlaceHolder 1"/>
           <p:cNvSpPr>
             <a:spLocks noGrp="1"/>
           </p:cNvSpPr>
@@ -4169,27 +4170,22 @@
             <a:noAutofit/>
           </a:bodyPr>
           <a:p>
+            <a:pPr algn="ctr"/>
             <a:r>
-              <a:rPr b="0" lang="en-US" sz="1800" spc="-1" strike="noStrike">
-                <a:solidFill>
-                  <a:srgbClr val="000000"/>
-                </a:solidFill>
-                <a:latin typeface="Calibri"/>
+              <a:rPr b="0" lang="en-IN" sz="4400" spc="-1" strike="noStrike">
+                <a:latin typeface="Arial"/>
               </a:rPr>
               <a:t>Click to move the slide</a:t>
             </a:r>
-            <a:endParaRPr b="0" lang="en-US" sz="1800" spc="-1" strike="noStrike">
-              <a:solidFill>
-                <a:srgbClr val="000000"/>
-              </a:solidFill>
-              <a:latin typeface="Calibri"/>
-            </a:endParaRPr>
-          </a:p>
-        </p:txBody>
-      </p:sp>
-      <p:sp>
-        <p:nvSpPr>
-          <p:cNvPr id="124" name="PlaceHolder 2"/>
+            <a:endParaRPr b="0" lang="en-IN" sz="4400" spc="-1" strike="noStrike">
+              <a:latin typeface="Arial"/>
+            </a:endParaRPr>
+          </a:p>
+        </p:txBody>
+      </p:sp>
+      <p:sp>
+        <p:nvSpPr>
+          <p:cNvPr id="115" name="PlaceHolder 2"/>
           <p:cNvSpPr>
             <a:spLocks noGrp="1"/>
           </p:cNvSpPr>
@@ -4225,7 +4221,7 @@
       </p:sp>
       <p:sp>
         <p:nvSpPr>
-          <p:cNvPr id="125" name="PlaceHolder 3"/>
+          <p:cNvPr id="116" name="PlaceHolder 3"/>
           <p:cNvSpPr>
             <a:spLocks noGrp="1"/>
           </p:cNvSpPr>
@@ -4261,7 +4257,7 @@
       </p:sp>
       <p:sp>
         <p:nvSpPr>
-          <p:cNvPr id="126" name="PlaceHolder 4"/>
+          <p:cNvPr id="117" name="PlaceHolder 4"/>
           <p:cNvSpPr>
             <a:spLocks noGrp="1"/>
           </p:cNvSpPr>
@@ -4298,7 +4294,7 @@
       </p:sp>
       <p:sp>
         <p:nvSpPr>
-          <p:cNvPr id="127" name="PlaceHolder 5"/>
+          <p:cNvPr id="118" name="PlaceHolder 5"/>
           <p:cNvSpPr>
             <a:spLocks noGrp="1"/>
           </p:cNvSpPr>
@@ -4334,7 +4330,7 @@
       </p:sp>
       <p:sp>
         <p:nvSpPr>
-          <p:cNvPr id="128" name="PlaceHolder 6"/>
+          <p:cNvPr id="119" name="PlaceHolder 6"/>
           <p:cNvSpPr>
             <a:spLocks noGrp="1"/>
           </p:cNvSpPr>
@@ -4357,7 +4353,7 @@
           </a:bodyPr>
           <a:p>
             <a:pPr algn="r"/>
-            <a:fld id="{04C24C27-4931-4A48-BDC8-1EF074759702}" type="slidenum">
+            <a:fld id="{7D0EF210-D34E-4A67-88ED-1BEC17DB4821}" type="slidenum">
               <a:rPr b="0" lang="en-IN" sz="1400" spc="-1" strike="noStrike">
                 <a:latin typeface="Times New Roman"/>
               </a:rPr>
@@ -4394,7 +4390,7 @@
       </p:grpSpPr>
       <p:sp>
         <p:nvSpPr>
-          <p:cNvPr id="170" name="PlaceHolder 1"/>
+          <p:cNvPr id="164" name="PlaceHolder 1"/>
           <p:cNvSpPr>
             <a:spLocks noGrp="1"/>
           </p:cNvSpPr>
@@ -4405,16 +4401,16 @@
         <p:spPr>
           <a:xfrm>
             <a:off x="685800" y="1143000"/>
-            <a:ext cx="5486040" cy="3085920"/>
-          </a:xfrm>
-          <a:prstGeom prst="rect">
-            <a:avLst/>
-          </a:prstGeom>
-        </p:spPr>
-      </p:sp>
-      <p:sp>
-        <p:nvSpPr>
-          <p:cNvPr id="171" name="PlaceHolder 2"/>
+            <a:ext cx="5484960" cy="3084840"/>
+          </a:xfrm>
+          <a:prstGeom prst="rect">
+            <a:avLst/>
+          </a:prstGeom>
+        </p:spPr>
+      </p:sp>
+      <p:sp>
+        <p:nvSpPr>
+          <p:cNvPr id="165" name="PlaceHolder 2"/>
           <p:cNvSpPr>
             <a:spLocks noGrp="1"/>
           </p:cNvSpPr>
@@ -4425,14 +4421,14 @@
         <p:spPr>
           <a:xfrm>
             <a:off x="685800" y="4400640"/>
-            <a:ext cx="5486040" cy="3600000"/>
-          </a:xfrm>
-          <a:prstGeom prst="rect">
-            <a:avLst/>
-          </a:prstGeom>
-        </p:spPr>
-        <p:txBody>
-          <a:bodyPr>
+            <a:ext cx="5484960" cy="3598920"/>
+          </a:xfrm>
+          <a:prstGeom prst="rect">
+            <a:avLst/>
+          </a:prstGeom>
+        </p:spPr>
+        <p:txBody>
+          <a:bodyPr lIns="0" rIns="0" tIns="0" bIns="0">
             <a:noAutofit/>
           </a:bodyPr>
           <a:p>
@@ -4444,14 +4440,14 @@
       </p:sp>
       <p:sp>
         <p:nvSpPr>
-          <p:cNvPr id="172" name="Slide Number Placeholder 3"/>
-          <p:cNvSpPr txBox="1"/>
+          <p:cNvPr id="166" name="Slide Number Placeholder 3"/>
+          <p:cNvSpPr/>
           <p:nvPr/>
         </p:nvSpPr>
         <p:spPr>
           <a:xfrm>
             <a:off x="3884760" y="8685360"/>
-            <a:ext cx="2971440" cy="458280"/>
+            <a:ext cx="2970360" cy="457200"/>
           </a:xfrm>
           <a:prstGeom prst="rect">
             <a:avLst/>
@@ -4461,8 +4457,14 @@
             <a:noFill/>
           </a:ln>
         </p:spPr>
-        <p:txBody>
-          <a:bodyPr anchor="b">
+        <p:style>
+          <a:lnRef idx="0"/>
+          <a:fillRef idx="0"/>
+          <a:effectRef idx="0"/>
+          <a:fontRef idx="minor"/>
+        </p:style>
+        <p:txBody>
+          <a:bodyPr lIns="90000" rIns="90000" tIns="45000" bIns="45000" anchor="b">
             <a:noAutofit/>
           </a:bodyPr>
           <a:p>
@@ -4471,7 +4473,7 @@
                 <a:spcPct val="100000"/>
               </a:lnSpc>
             </a:pPr>
-            <a:fld id="{9848A6E5-3CE6-4505-99EB-C08B39E676B4}" type="slidenum">
+            <a:fld id="{604367C1-E945-4D1C-83AE-2FFA291E987A}" type="slidenum">
               <a:rPr b="0" lang="en-US" sz="1200" spc="-1" strike="noStrike">
                 <a:solidFill>
                   <a:srgbClr val="000000"/>
@@ -4481,7 +4483,7 @@
               <a:t>&lt;number&gt;</a:t>
             </a:fld>
             <a:endParaRPr b="0" lang="en-IN" sz="1200" spc="-1" strike="noStrike">
-              <a:latin typeface="Times New Roman"/>
+              <a:latin typeface="Arial"/>
             </a:endParaRPr>
           </a:p>
         </p:txBody>
@@ -4510,7 +4512,7 @@
       </p:grpSpPr>
       <p:sp>
         <p:nvSpPr>
-          <p:cNvPr id="173" name="PlaceHolder 1"/>
+          <p:cNvPr id="167" name="PlaceHolder 1"/>
           <p:cNvSpPr>
             <a:spLocks noGrp="1"/>
           </p:cNvSpPr>
@@ -4521,16 +4523,16 @@
         <p:spPr>
           <a:xfrm>
             <a:off x="685800" y="1143000"/>
-            <a:ext cx="5486040" cy="3085920"/>
-          </a:xfrm>
-          <a:prstGeom prst="rect">
-            <a:avLst/>
-          </a:prstGeom>
-        </p:spPr>
-      </p:sp>
-      <p:sp>
-        <p:nvSpPr>
-          <p:cNvPr id="174" name="PlaceHolder 2"/>
+            <a:ext cx="5484960" cy="3084840"/>
+          </a:xfrm>
+          <a:prstGeom prst="rect">
+            <a:avLst/>
+          </a:prstGeom>
+        </p:spPr>
+      </p:sp>
+      <p:sp>
+        <p:nvSpPr>
+          <p:cNvPr id="168" name="PlaceHolder 2"/>
           <p:cNvSpPr>
             <a:spLocks noGrp="1"/>
           </p:cNvSpPr>
@@ -4541,14 +4543,14 @@
         <p:spPr>
           <a:xfrm>
             <a:off x="685800" y="4400640"/>
-            <a:ext cx="5486040" cy="3600000"/>
-          </a:xfrm>
-          <a:prstGeom prst="rect">
-            <a:avLst/>
-          </a:prstGeom>
-        </p:spPr>
-        <p:txBody>
-          <a:bodyPr>
+            <a:ext cx="5484960" cy="3598920"/>
+          </a:xfrm>
+          <a:prstGeom prst="rect">
+            <a:avLst/>
+          </a:prstGeom>
+        </p:spPr>
+        <p:txBody>
+          <a:bodyPr lIns="0" rIns="0" tIns="0" bIns="0">
             <a:noAutofit/>
           </a:bodyPr>
           <a:p>
@@ -4560,14 +4562,14 @@
       </p:sp>
       <p:sp>
         <p:nvSpPr>
-          <p:cNvPr id="175" name="Slide Number Placeholder 3"/>
-          <p:cNvSpPr txBox="1"/>
+          <p:cNvPr id="169" name="Slide Number Placeholder 3"/>
+          <p:cNvSpPr/>
           <p:nvPr/>
         </p:nvSpPr>
         <p:spPr>
           <a:xfrm>
             <a:off x="3884760" y="8685360"/>
-            <a:ext cx="2971440" cy="458280"/>
+            <a:ext cx="2970360" cy="457200"/>
           </a:xfrm>
           <a:prstGeom prst="rect">
             <a:avLst/>
@@ -4577,8 +4579,14 @@
             <a:noFill/>
           </a:ln>
         </p:spPr>
-        <p:txBody>
-          <a:bodyPr anchor="b">
+        <p:style>
+          <a:lnRef idx="0"/>
+          <a:fillRef idx="0"/>
+          <a:effectRef idx="0"/>
+          <a:fontRef idx="minor"/>
+        </p:style>
+        <p:txBody>
+          <a:bodyPr lIns="90000" rIns="90000" tIns="45000" bIns="45000" anchor="b">
             <a:noAutofit/>
           </a:bodyPr>
           <a:p>
@@ -4587,7 +4595,7 @@
                 <a:spcPct val="100000"/>
               </a:lnSpc>
             </a:pPr>
-            <a:fld id="{279FB42E-3DE4-4BC4-A4D4-4D1111B3954A}" type="slidenum">
+            <a:fld id="{A78E481A-010C-4B7D-BDF0-EC5F6F48048B}" type="slidenum">
               <a:rPr b="0" lang="en-US" sz="1200" spc="-1" strike="noStrike">
                 <a:solidFill>
                   <a:srgbClr val="000000"/>
@@ -4597,7 +4605,7 @@
               <a:t>&lt;number&gt;</a:t>
             </a:fld>
             <a:endParaRPr b="0" lang="en-IN" sz="1200" spc="-1" strike="noStrike">
-              <a:latin typeface="Times New Roman"/>
+              <a:latin typeface="Arial"/>
             </a:endParaRPr>
           </a:p>
         </p:txBody>
@@ -4626,7 +4634,7 @@
       </p:grpSpPr>
       <p:sp>
         <p:nvSpPr>
-          <p:cNvPr id="176" name="PlaceHolder 1"/>
+          <p:cNvPr id="170" name="PlaceHolder 1"/>
           <p:cNvSpPr>
             <a:spLocks noGrp="1"/>
           </p:cNvSpPr>
@@ -4637,16 +4645,16 @@
         <p:spPr>
           <a:xfrm>
             <a:off x="685800" y="1143000"/>
-            <a:ext cx="5486040" cy="3085920"/>
-          </a:xfrm>
-          <a:prstGeom prst="rect">
-            <a:avLst/>
-          </a:prstGeom>
-        </p:spPr>
-      </p:sp>
-      <p:sp>
-        <p:nvSpPr>
-          <p:cNvPr id="177" name="PlaceHolder 2"/>
+            <a:ext cx="5484960" cy="3084840"/>
+          </a:xfrm>
+          <a:prstGeom prst="rect">
+            <a:avLst/>
+          </a:prstGeom>
+        </p:spPr>
+      </p:sp>
+      <p:sp>
+        <p:nvSpPr>
+          <p:cNvPr id="171" name="PlaceHolder 2"/>
           <p:cNvSpPr>
             <a:spLocks noGrp="1"/>
           </p:cNvSpPr>
@@ -4657,14 +4665,14 @@
         <p:spPr>
           <a:xfrm>
             <a:off x="685800" y="4400640"/>
-            <a:ext cx="5486040" cy="3600000"/>
-          </a:xfrm>
-          <a:prstGeom prst="rect">
-            <a:avLst/>
-          </a:prstGeom>
-        </p:spPr>
-        <p:txBody>
-          <a:bodyPr>
+            <a:ext cx="5484960" cy="3598920"/>
+          </a:xfrm>
+          <a:prstGeom prst="rect">
+            <a:avLst/>
+          </a:prstGeom>
+        </p:spPr>
+        <p:txBody>
+          <a:bodyPr lIns="0" rIns="0" tIns="0" bIns="0">
             <a:noAutofit/>
           </a:bodyPr>
           <a:p>
@@ -4676,14 +4684,14 @@
       </p:sp>
       <p:sp>
         <p:nvSpPr>
-          <p:cNvPr id="178" name="Slide Number Placeholder 3"/>
-          <p:cNvSpPr txBox="1"/>
+          <p:cNvPr id="172" name="Slide Number Placeholder 3"/>
+          <p:cNvSpPr/>
           <p:nvPr/>
         </p:nvSpPr>
         <p:spPr>
           <a:xfrm>
             <a:off x="3884760" y="8685360"/>
-            <a:ext cx="2971440" cy="458280"/>
+            <a:ext cx="2970360" cy="457200"/>
           </a:xfrm>
           <a:prstGeom prst="rect">
             <a:avLst/>
@@ -4693,8 +4701,14 @@
             <a:noFill/>
           </a:ln>
         </p:spPr>
-        <p:txBody>
-          <a:bodyPr anchor="b">
+        <p:style>
+          <a:lnRef idx="0"/>
+          <a:fillRef idx="0"/>
+          <a:effectRef idx="0"/>
+          <a:fontRef idx="minor"/>
+        </p:style>
+        <p:txBody>
+          <a:bodyPr lIns="90000" rIns="90000" tIns="45000" bIns="45000" anchor="b">
             <a:noAutofit/>
           </a:bodyPr>
           <a:p>
@@ -4703,7 +4717,7 @@
                 <a:spcPct val="100000"/>
               </a:lnSpc>
             </a:pPr>
-            <a:fld id="{3616269F-E53A-4D23-AAD0-A334AED45D17}" type="slidenum">
+            <a:fld id="{29769366-D1DF-44D6-A4C8-44177D7A4709}" type="slidenum">
               <a:rPr b="0" lang="en-US" sz="1200" spc="-1" strike="noStrike">
                 <a:solidFill>
                   <a:srgbClr val="000000"/>
@@ -4713,7 +4727,7 @@
               <a:t>&lt;number&gt;</a:t>
             </a:fld>
             <a:endParaRPr b="0" lang="en-IN" sz="1200" spc="-1" strike="noStrike">
-              <a:latin typeface="Times New Roman"/>
+              <a:latin typeface="Arial"/>
             </a:endParaRPr>
           </a:p>
         </p:txBody>
@@ -4742,7 +4756,7 @@
       </p:grpSpPr>
       <p:sp>
         <p:nvSpPr>
-          <p:cNvPr id="179" name="PlaceHolder 1"/>
+          <p:cNvPr id="173" name="PlaceHolder 1"/>
           <p:cNvSpPr>
             <a:spLocks noGrp="1"/>
           </p:cNvSpPr>
@@ -4753,16 +4767,16 @@
         <p:spPr>
           <a:xfrm>
             <a:off x="685800" y="1143000"/>
-            <a:ext cx="5486040" cy="3085920"/>
-          </a:xfrm>
-          <a:prstGeom prst="rect">
-            <a:avLst/>
-          </a:prstGeom>
-        </p:spPr>
-      </p:sp>
-      <p:sp>
-        <p:nvSpPr>
-          <p:cNvPr id="180" name="PlaceHolder 2"/>
+            <a:ext cx="5484960" cy="3084840"/>
+          </a:xfrm>
+          <a:prstGeom prst="rect">
+            <a:avLst/>
+          </a:prstGeom>
+        </p:spPr>
+      </p:sp>
+      <p:sp>
+        <p:nvSpPr>
+          <p:cNvPr id="174" name="PlaceHolder 2"/>
           <p:cNvSpPr>
             <a:spLocks noGrp="1"/>
           </p:cNvSpPr>
@@ -4773,14 +4787,14 @@
         <p:spPr>
           <a:xfrm>
             <a:off x="685800" y="4400640"/>
-            <a:ext cx="5486040" cy="3600000"/>
-          </a:xfrm>
-          <a:prstGeom prst="rect">
-            <a:avLst/>
-          </a:prstGeom>
-        </p:spPr>
-        <p:txBody>
-          <a:bodyPr>
+            <a:ext cx="5484960" cy="3598920"/>
+          </a:xfrm>
+          <a:prstGeom prst="rect">
+            <a:avLst/>
+          </a:prstGeom>
+        </p:spPr>
+        <p:txBody>
+          <a:bodyPr lIns="0" rIns="0" tIns="0" bIns="0">
             <a:noAutofit/>
           </a:bodyPr>
           <a:p>
@@ -4792,14 +4806,14 @@
       </p:sp>
       <p:sp>
         <p:nvSpPr>
-          <p:cNvPr id="181" name="Slide Number Placeholder 3"/>
-          <p:cNvSpPr txBox="1"/>
+          <p:cNvPr id="175" name="Slide Number Placeholder 3"/>
+          <p:cNvSpPr/>
           <p:nvPr/>
         </p:nvSpPr>
         <p:spPr>
           <a:xfrm>
             <a:off x="3884760" y="8685360"/>
-            <a:ext cx="2971440" cy="458280"/>
+            <a:ext cx="2970360" cy="457200"/>
           </a:xfrm>
           <a:prstGeom prst="rect">
             <a:avLst/>
@@ -4809,8 +4823,14 @@
             <a:noFill/>
           </a:ln>
         </p:spPr>
-        <p:txBody>
-          <a:bodyPr anchor="b">
+        <p:style>
+          <a:lnRef idx="0"/>
+          <a:fillRef idx="0"/>
+          <a:effectRef idx="0"/>
+          <a:fontRef idx="minor"/>
+        </p:style>
+        <p:txBody>
+          <a:bodyPr lIns="90000" rIns="90000" tIns="45000" bIns="45000" anchor="b">
             <a:noAutofit/>
           </a:bodyPr>
           <a:p>
@@ -4819,7 +4839,7 @@
                 <a:spcPct val="100000"/>
               </a:lnSpc>
             </a:pPr>
-            <a:fld id="{7586694C-B6E2-41EC-A6AB-A6B38D7E9C7A}" type="slidenum">
+            <a:fld id="{89342135-6F27-417E-936E-198F71E49608}" type="slidenum">
               <a:rPr b="0" lang="en-US" sz="1200" spc="-1" strike="noStrike">
                 <a:solidFill>
                   <a:srgbClr val="000000"/>
@@ -4829,7 +4849,7 @@
               <a:t>&lt;number&gt;</a:t>
             </a:fld>
             <a:endParaRPr b="0" lang="en-IN" sz="1200" spc="-1" strike="noStrike">
-              <a:latin typeface="Times New Roman"/>
+              <a:latin typeface="Arial"/>
             </a:endParaRPr>
           </a:p>
         </p:txBody>
@@ -4880,7 +4900,7 @@
       </p:grpSpPr>
       <p:sp>
         <p:nvSpPr>
-          <p:cNvPr id="26" name="PlaceHolder 1"/>
+          <p:cNvPr id="23" name="PlaceHolder 1"/>
           <p:cNvSpPr>
             <a:spLocks noGrp="1"/>
           </p:cNvSpPr>
@@ -4902,18 +4922,16 @@
             <a:noAutofit/>
           </a:bodyPr>
           <a:p>
-            <a:endParaRPr b="0" lang="en-US" sz="1800" spc="-1" strike="noStrike">
-              <a:solidFill>
-                <a:srgbClr val="000000"/>
-              </a:solidFill>
-              <a:latin typeface="Calibri"/>
-            </a:endParaRPr>
-          </a:p>
-        </p:txBody>
-      </p:sp>
-      <p:sp>
-        <p:nvSpPr>
-          <p:cNvPr id="27" name="PlaceHolder 2"/>
+            <a:pPr algn="ctr"/>
+            <a:endParaRPr b="0" lang="en-IN" sz="4400" spc="-1" strike="noStrike">
+              <a:latin typeface="Arial"/>
+            </a:endParaRPr>
+          </a:p>
+        </p:txBody>
+      </p:sp>
+      <p:sp>
+        <p:nvSpPr>
+          <p:cNvPr id="24" name="PlaceHolder 2"/>
           <p:cNvSpPr>
             <a:spLocks noGrp="1"/>
           </p:cNvSpPr>
@@ -4935,18 +4953,15 @@
             <a:normAutofit/>
           </a:bodyPr>
           <a:p>
-            <a:endParaRPr b="0" lang="en-US" sz="2800" spc="-1" strike="noStrike">
-              <a:solidFill>
-                <a:srgbClr val="000000"/>
-              </a:solidFill>
-              <a:latin typeface="Calibri"/>
-            </a:endParaRPr>
-          </a:p>
-        </p:txBody>
-      </p:sp>
-      <p:sp>
-        <p:nvSpPr>
-          <p:cNvPr id="28" name="PlaceHolder 3"/>
+            <a:endParaRPr b="0" lang="en-IN" sz="3200" spc="-1" strike="noStrike">
+              <a:latin typeface="Arial"/>
+            </a:endParaRPr>
+          </a:p>
+        </p:txBody>
+      </p:sp>
+      <p:sp>
+        <p:nvSpPr>
+          <p:cNvPr id="25" name="PlaceHolder 3"/>
           <p:cNvSpPr>
             <a:spLocks noGrp="1"/>
           </p:cNvSpPr>
@@ -4968,11 +4983,8 @@
             <a:normAutofit/>
           </a:bodyPr>
           <a:p>
-            <a:endParaRPr b="0" lang="en-US" sz="2800" spc="-1" strike="noStrike">
-              <a:solidFill>
-                <a:srgbClr val="000000"/>
-              </a:solidFill>
-              <a:latin typeface="Calibri"/>
+            <a:endParaRPr b="0" lang="en-IN" sz="3200" spc="-1" strike="noStrike">
+              <a:latin typeface="Arial"/>
             </a:endParaRPr>
           </a:p>
         </p:txBody>
@@ -5001,7 +5013,7 @@
       </p:grpSpPr>
       <p:sp>
         <p:nvSpPr>
-          <p:cNvPr id="29" name="PlaceHolder 1"/>
+          <p:cNvPr id="26" name="PlaceHolder 1"/>
           <p:cNvSpPr>
             <a:spLocks noGrp="1"/>
           </p:cNvSpPr>
@@ -5023,18 +5035,16 @@
             <a:noAutofit/>
           </a:bodyPr>
           <a:p>
-            <a:endParaRPr b="0" lang="en-US" sz="1800" spc="-1" strike="noStrike">
-              <a:solidFill>
-                <a:srgbClr val="000000"/>
-              </a:solidFill>
-              <a:latin typeface="Calibri"/>
-            </a:endParaRPr>
-          </a:p>
-        </p:txBody>
-      </p:sp>
-      <p:sp>
-        <p:nvSpPr>
-          <p:cNvPr id="30" name="PlaceHolder 2"/>
+            <a:pPr algn="ctr"/>
+            <a:endParaRPr b="0" lang="en-IN" sz="4400" spc="-1" strike="noStrike">
+              <a:latin typeface="Arial"/>
+            </a:endParaRPr>
+          </a:p>
+        </p:txBody>
+      </p:sp>
+      <p:sp>
+        <p:nvSpPr>
+          <p:cNvPr id="27" name="PlaceHolder 2"/>
           <p:cNvSpPr>
             <a:spLocks noGrp="1"/>
           </p:cNvSpPr>
@@ -5056,18 +5066,15 @@
             <a:normAutofit/>
           </a:bodyPr>
           <a:p>
-            <a:endParaRPr b="0" lang="en-US" sz="2800" spc="-1" strike="noStrike">
-              <a:solidFill>
-                <a:srgbClr val="000000"/>
-              </a:solidFill>
-              <a:latin typeface="Calibri"/>
-            </a:endParaRPr>
-          </a:p>
-        </p:txBody>
-      </p:sp>
-      <p:sp>
-        <p:nvSpPr>
-          <p:cNvPr id="31" name="PlaceHolder 3"/>
+            <a:endParaRPr b="0" lang="en-IN" sz="3200" spc="-1" strike="noStrike">
+              <a:latin typeface="Arial"/>
+            </a:endParaRPr>
+          </a:p>
+        </p:txBody>
+      </p:sp>
+      <p:sp>
+        <p:nvSpPr>
+          <p:cNvPr id="28" name="PlaceHolder 3"/>
           <p:cNvSpPr>
             <a:spLocks noGrp="1"/>
           </p:cNvSpPr>
@@ -5089,18 +5096,15 @@
             <a:normAutofit/>
           </a:bodyPr>
           <a:p>
-            <a:endParaRPr b="0" lang="en-US" sz="2800" spc="-1" strike="noStrike">
-              <a:solidFill>
-                <a:srgbClr val="000000"/>
-              </a:solidFill>
-              <a:latin typeface="Calibri"/>
-            </a:endParaRPr>
-          </a:p>
-        </p:txBody>
-      </p:sp>
-      <p:sp>
-        <p:nvSpPr>
-          <p:cNvPr id="32" name="PlaceHolder 4"/>
+            <a:endParaRPr b="0" lang="en-IN" sz="3200" spc="-1" strike="noStrike">
+              <a:latin typeface="Arial"/>
+            </a:endParaRPr>
+          </a:p>
+        </p:txBody>
+      </p:sp>
+      <p:sp>
+        <p:nvSpPr>
+          <p:cNvPr id="29" name="PlaceHolder 4"/>
           <p:cNvSpPr>
             <a:spLocks noGrp="1"/>
           </p:cNvSpPr>
@@ -5122,18 +5126,15 @@
             <a:normAutofit/>
           </a:bodyPr>
           <a:p>
-            <a:endParaRPr b="0" lang="en-US" sz="2800" spc="-1" strike="noStrike">
-              <a:solidFill>
-                <a:srgbClr val="000000"/>
-              </a:solidFill>
-              <a:latin typeface="Calibri"/>
-            </a:endParaRPr>
-          </a:p>
-        </p:txBody>
-      </p:sp>
-      <p:sp>
-        <p:nvSpPr>
-          <p:cNvPr id="33" name="PlaceHolder 5"/>
+            <a:endParaRPr b="0" lang="en-IN" sz="3200" spc="-1" strike="noStrike">
+              <a:latin typeface="Arial"/>
+            </a:endParaRPr>
+          </a:p>
+        </p:txBody>
+      </p:sp>
+      <p:sp>
+        <p:nvSpPr>
+          <p:cNvPr id="30" name="PlaceHolder 5"/>
           <p:cNvSpPr>
             <a:spLocks noGrp="1"/>
           </p:cNvSpPr>
@@ -5155,11 +5156,8 @@
             <a:normAutofit/>
           </a:bodyPr>
           <a:p>
-            <a:endParaRPr b="0" lang="en-US" sz="2800" spc="-1" strike="noStrike">
-              <a:solidFill>
-                <a:srgbClr val="000000"/>
-              </a:solidFill>
-              <a:latin typeface="Calibri"/>
+            <a:endParaRPr b="0" lang="en-IN" sz="3200" spc="-1" strike="noStrike">
+              <a:latin typeface="Arial"/>
             </a:endParaRPr>
           </a:p>
         </p:txBody>
@@ -5188,7 +5186,7 @@
       </p:grpSpPr>
       <p:sp>
         <p:nvSpPr>
-          <p:cNvPr id="34" name="PlaceHolder 1"/>
+          <p:cNvPr id="31" name="PlaceHolder 1"/>
           <p:cNvSpPr>
             <a:spLocks noGrp="1"/>
           </p:cNvSpPr>
@@ -5210,18 +5208,16 @@
             <a:noAutofit/>
           </a:bodyPr>
           <a:p>
-            <a:endParaRPr b="0" lang="en-US" sz="1800" spc="-1" strike="noStrike">
-              <a:solidFill>
-                <a:srgbClr val="000000"/>
-              </a:solidFill>
-              <a:latin typeface="Calibri"/>
-            </a:endParaRPr>
-          </a:p>
-        </p:txBody>
-      </p:sp>
-      <p:sp>
-        <p:nvSpPr>
-          <p:cNvPr id="35" name="PlaceHolder 2"/>
+            <a:pPr algn="ctr"/>
+            <a:endParaRPr b="0" lang="en-IN" sz="4400" spc="-1" strike="noStrike">
+              <a:latin typeface="Arial"/>
+            </a:endParaRPr>
+          </a:p>
+        </p:txBody>
+      </p:sp>
+      <p:sp>
+        <p:nvSpPr>
+          <p:cNvPr id="32" name="PlaceHolder 2"/>
           <p:cNvSpPr>
             <a:spLocks noGrp="1"/>
           </p:cNvSpPr>
@@ -5243,18 +5239,15 @@
             <a:normAutofit/>
           </a:bodyPr>
           <a:p>
-            <a:endParaRPr b="0" lang="en-US" sz="2800" spc="-1" strike="noStrike">
-              <a:solidFill>
-                <a:srgbClr val="000000"/>
-              </a:solidFill>
-              <a:latin typeface="Calibri"/>
-            </a:endParaRPr>
-          </a:p>
-        </p:txBody>
-      </p:sp>
-      <p:sp>
-        <p:nvSpPr>
-          <p:cNvPr id="36" name="PlaceHolder 3"/>
+            <a:endParaRPr b="0" lang="en-IN" sz="3200" spc="-1" strike="noStrike">
+              <a:latin typeface="Arial"/>
+            </a:endParaRPr>
+          </a:p>
+        </p:txBody>
+      </p:sp>
+      <p:sp>
+        <p:nvSpPr>
+          <p:cNvPr id="33" name="PlaceHolder 3"/>
           <p:cNvSpPr>
             <a:spLocks noGrp="1"/>
           </p:cNvSpPr>
@@ -5276,18 +5269,15 @@
             <a:normAutofit/>
           </a:bodyPr>
           <a:p>
-            <a:endParaRPr b="0" lang="en-US" sz="2800" spc="-1" strike="noStrike">
-              <a:solidFill>
-                <a:srgbClr val="000000"/>
-              </a:solidFill>
-              <a:latin typeface="Calibri"/>
-            </a:endParaRPr>
-          </a:p>
-        </p:txBody>
-      </p:sp>
-      <p:sp>
-        <p:nvSpPr>
-          <p:cNvPr id="37" name="PlaceHolder 4"/>
+            <a:endParaRPr b="0" lang="en-IN" sz="3200" spc="-1" strike="noStrike">
+              <a:latin typeface="Arial"/>
+            </a:endParaRPr>
+          </a:p>
+        </p:txBody>
+      </p:sp>
+      <p:sp>
+        <p:nvSpPr>
+          <p:cNvPr id="34" name="PlaceHolder 4"/>
           <p:cNvSpPr>
             <a:spLocks noGrp="1"/>
           </p:cNvSpPr>
@@ -5309,18 +5299,15 @@
             <a:normAutofit/>
           </a:bodyPr>
           <a:p>
-            <a:endParaRPr b="0" lang="en-US" sz="2800" spc="-1" strike="noStrike">
-              <a:solidFill>
-                <a:srgbClr val="000000"/>
-              </a:solidFill>
-              <a:latin typeface="Calibri"/>
-            </a:endParaRPr>
-          </a:p>
-        </p:txBody>
-      </p:sp>
-      <p:sp>
-        <p:nvSpPr>
-          <p:cNvPr id="38" name="PlaceHolder 5"/>
+            <a:endParaRPr b="0" lang="en-IN" sz="3200" spc="-1" strike="noStrike">
+              <a:latin typeface="Arial"/>
+            </a:endParaRPr>
+          </a:p>
+        </p:txBody>
+      </p:sp>
+      <p:sp>
+        <p:nvSpPr>
+          <p:cNvPr id="35" name="PlaceHolder 5"/>
           <p:cNvSpPr>
             <a:spLocks noGrp="1"/>
           </p:cNvSpPr>
@@ -5342,18 +5329,15 @@
             <a:normAutofit/>
           </a:bodyPr>
           <a:p>
-            <a:endParaRPr b="0" lang="en-US" sz="2800" spc="-1" strike="noStrike">
-              <a:solidFill>
-                <a:srgbClr val="000000"/>
-              </a:solidFill>
-              <a:latin typeface="Calibri"/>
-            </a:endParaRPr>
-          </a:p>
-        </p:txBody>
-      </p:sp>
-      <p:sp>
-        <p:nvSpPr>
-          <p:cNvPr id="39" name="PlaceHolder 6"/>
+            <a:endParaRPr b="0" lang="en-IN" sz="3200" spc="-1" strike="noStrike">
+              <a:latin typeface="Arial"/>
+            </a:endParaRPr>
+          </a:p>
+        </p:txBody>
+      </p:sp>
+      <p:sp>
+        <p:nvSpPr>
+          <p:cNvPr id="36" name="PlaceHolder 6"/>
           <p:cNvSpPr>
             <a:spLocks noGrp="1"/>
           </p:cNvSpPr>
@@ -5375,18 +5359,15 @@
             <a:normAutofit/>
           </a:bodyPr>
           <a:p>
-            <a:endParaRPr b="0" lang="en-US" sz="2800" spc="-1" strike="noStrike">
-              <a:solidFill>
-                <a:srgbClr val="000000"/>
-              </a:solidFill>
-              <a:latin typeface="Calibri"/>
-            </a:endParaRPr>
-          </a:p>
-        </p:txBody>
-      </p:sp>
-      <p:sp>
-        <p:nvSpPr>
-          <p:cNvPr id="40" name="PlaceHolder 7"/>
+            <a:endParaRPr b="0" lang="en-IN" sz="3200" spc="-1" strike="noStrike">
+              <a:latin typeface="Arial"/>
+            </a:endParaRPr>
+          </a:p>
+        </p:txBody>
+      </p:sp>
+      <p:sp>
+        <p:nvSpPr>
+          <p:cNvPr id="37" name="PlaceHolder 7"/>
           <p:cNvSpPr>
             <a:spLocks noGrp="1"/>
           </p:cNvSpPr>
@@ -5408,11 +5389,8 @@
             <a:normAutofit/>
           </a:bodyPr>
           <a:p>
-            <a:endParaRPr b="0" lang="en-US" sz="2800" spc="-1" strike="noStrike">
-              <a:solidFill>
-                <a:srgbClr val="000000"/>
-              </a:solidFill>
-              <a:latin typeface="Calibri"/>
+            <a:endParaRPr b="0" lang="en-IN" sz="3200" spc="-1" strike="noStrike">
+              <a:latin typeface="Arial"/>
             </a:endParaRPr>
           </a:p>
         </p:txBody>
@@ -5463,7 +5441,7 @@
       </p:grpSpPr>
       <p:sp>
         <p:nvSpPr>
-          <p:cNvPr id="46" name="PlaceHolder 1"/>
+          <p:cNvPr id="40" name="PlaceHolder 1"/>
           <p:cNvSpPr>
             <a:spLocks noGrp="1"/>
           </p:cNvSpPr>
@@ -5485,18 +5463,16 @@
             <a:noAutofit/>
           </a:bodyPr>
           <a:p>
-            <a:endParaRPr b="0" lang="en-US" sz="1800" spc="-1" strike="noStrike">
-              <a:solidFill>
-                <a:srgbClr val="000000"/>
-              </a:solidFill>
-              <a:latin typeface="Calibri"/>
-            </a:endParaRPr>
-          </a:p>
-        </p:txBody>
-      </p:sp>
-      <p:sp>
-        <p:nvSpPr>
-          <p:cNvPr id="47" name="PlaceHolder 2"/>
+            <a:pPr algn="ctr"/>
+            <a:endParaRPr b="0" lang="en-IN" sz="4400" spc="-1" strike="noStrike">
+              <a:latin typeface="Arial"/>
+            </a:endParaRPr>
+          </a:p>
+        </p:txBody>
+      </p:sp>
+      <p:sp>
+        <p:nvSpPr>
+          <p:cNvPr id="41" name="PlaceHolder 2"/>
           <p:cNvSpPr>
             <a:spLocks noGrp="1"/>
           </p:cNvSpPr>
@@ -5549,7 +5525,7 @@
       </p:grpSpPr>
       <p:sp>
         <p:nvSpPr>
-          <p:cNvPr id="48" name="PlaceHolder 1"/>
+          <p:cNvPr id="42" name="PlaceHolder 1"/>
           <p:cNvSpPr>
             <a:spLocks noGrp="1"/>
           </p:cNvSpPr>
@@ -5571,18 +5547,16 @@
             <a:noAutofit/>
           </a:bodyPr>
           <a:p>
-            <a:endParaRPr b="0" lang="en-US" sz="1800" spc="-1" strike="noStrike">
-              <a:solidFill>
-                <a:srgbClr val="000000"/>
-              </a:solidFill>
-              <a:latin typeface="Calibri"/>
-            </a:endParaRPr>
-          </a:p>
-        </p:txBody>
-      </p:sp>
-      <p:sp>
-        <p:nvSpPr>
-          <p:cNvPr id="49" name="PlaceHolder 2"/>
+            <a:pPr algn="ctr"/>
+            <a:endParaRPr b="0" lang="en-IN" sz="4400" spc="-1" strike="noStrike">
+              <a:latin typeface="Arial"/>
+            </a:endParaRPr>
+          </a:p>
+        </p:txBody>
+      </p:sp>
+      <p:sp>
+        <p:nvSpPr>
+          <p:cNvPr id="43" name="PlaceHolder 2"/>
           <p:cNvSpPr>
             <a:spLocks noGrp="1"/>
           </p:cNvSpPr>
@@ -5604,11 +5578,8 @@
             <a:normAutofit/>
           </a:bodyPr>
           <a:p>
-            <a:endParaRPr b="0" lang="en-US" sz="2800" spc="-1" strike="noStrike">
-              <a:solidFill>
-                <a:srgbClr val="000000"/>
-              </a:solidFill>
-              <a:latin typeface="Calibri"/>
+            <a:endParaRPr b="0" lang="en-IN" sz="3200" spc="-1" strike="noStrike">
+              <a:latin typeface="Arial"/>
             </a:endParaRPr>
           </a:p>
         </p:txBody>
@@ -5637,7 +5608,7 @@
       </p:grpSpPr>
       <p:sp>
         <p:nvSpPr>
-          <p:cNvPr id="50" name="PlaceHolder 1"/>
+          <p:cNvPr id="44" name="PlaceHolder 1"/>
           <p:cNvSpPr>
             <a:spLocks noGrp="1"/>
           </p:cNvSpPr>
@@ -5659,18 +5630,16 @@
             <a:noAutofit/>
           </a:bodyPr>
           <a:p>
-            <a:endParaRPr b="0" lang="en-US" sz="1800" spc="-1" strike="noStrike">
-              <a:solidFill>
-                <a:srgbClr val="000000"/>
-              </a:solidFill>
-              <a:latin typeface="Calibri"/>
-            </a:endParaRPr>
-          </a:p>
-        </p:txBody>
-      </p:sp>
-      <p:sp>
-        <p:nvSpPr>
-          <p:cNvPr id="51" name="PlaceHolder 2"/>
+            <a:pPr algn="ctr"/>
+            <a:endParaRPr b="0" lang="en-IN" sz="4400" spc="-1" strike="noStrike">
+              <a:latin typeface="Arial"/>
+            </a:endParaRPr>
+          </a:p>
+        </p:txBody>
+      </p:sp>
+      <p:sp>
+        <p:nvSpPr>
+          <p:cNvPr id="45" name="PlaceHolder 2"/>
           <p:cNvSpPr>
             <a:spLocks noGrp="1"/>
           </p:cNvSpPr>
@@ -5692,18 +5661,15 @@
             <a:normAutofit/>
           </a:bodyPr>
           <a:p>
-            <a:endParaRPr b="0" lang="en-US" sz="2800" spc="-1" strike="noStrike">
-              <a:solidFill>
-                <a:srgbClr val="000000"/>
-              </a:solidFill>
-              <a:latin typeface="Calibri"/>
-            </a:endParaRPr>
-          </a:p>
-        </p:txBody>
-      </p:sp>
-      <p:sp>
-        <p:nvSpPr>
-          <p:cNvPr id="52" name="PlaceHolder 3"/>
+            <a:endParaRPr b="0" lang="en-IN" sz="3200" spc="-1" strike="noStrike">
+              <a:latin typeface="Arial"/>
+            </a:endParaRPr>
+          </a:p>
+        </p:txBody>
+      </p:sp>
+      <p:sp>
+        <p:nvSpPr>
+          <p:cNvPr id="46" name="PlaceHolder 3"/>
           <p:cNvSpPr>
             <a:spLocks noGrp="1"/>
           </p:cNvSpPr>
@@ -5725,11 +5691,8 @@
             <a:normAutofit/>
           </a:bodyPr>
           <a:p>
-            <a:endParaRPr b="0" lang="en-US" sz="2800" spc="-1" strike="noStrike">
-              <a:solidFill>
-                <a:srgbClr val="000000"/>
-              </a:solidFill>
-              <a:latin typeface="Calibri"/>
+            <a:endParaRPr b="0" lang="en-IN" sz="3200" spc="-1" strike="noStrike">
+              <a:latin typeface="Arial"/>
             </a:endParaRPr>
           </a:p>
         </p:txBody>
@@ -5758,7 +5721,7 @@
       </p:grpSpPr>
       <p:sp>
         <p:nvSpPr>
-          <p:cNvPr id="53" name="PlaceHolder 1"/>
+          <p:cNvPr id="47" name="PlaceHolder 1"/>
           <p:cNvSpPr>
             <a:spLocks noGrp="1"/>
           </p:cNvSpPr>
@@ -5780,11 +5743,9 @@
             <a:noAutofit/>
           </a:bodyPr>
           <a:p>
-            <a:endParaRPr b="0" lang="en-US" sz="1800" spc="-1" strike="noStrike">
-              <a:solidFill>
-                <a:srgbClr val="000000"/>
-              </a:solidFill>
-              <a:latin typeface="Calibri"/>
+            <a:pPr algn="ctr"/>
+            <a:endParaRPr b="0" lang="en-IN" sz="4400" spc="-1" strike="noStrike">
+              <a:latin typeface="Arial"/>
             </a:endParaRPr>
           </a:p>
         </p:txBody>
@@ -5813,7 +5774,7 @@
       </p:grpSpPr>
       <p:sp>
         <p:nvSpPr>
-          <p:cNvPr id="54" name="PlaceHolder 1"/>
+          <p:cNvPr id="48" name="PlaceHolder 1"/>
           <p:cNvSpPr>
             <a:spLocks noGrp="1"/>
           </p:cNvSpPr>
@@ -5866,7 +5827,7 @@
       </p:grpSpPr>
       <p:sp>
         <p:nvSpPr>
-          <p:cNvPr id="55" name="PlaceHolder 1"/>
+          <p:cNvPr id="49" name="PlaceHolder 1"/>
           <p:cNvSpPr>
             <a:spLocks noGrp="1"/>
           </p:cNvSpPr>
@@ -5888,18 +5849,16 @@
             <a:noAutofit/>
           </a:bodyPr>
           <a:p>
-            <a:endParaRPr b="0" lang="en-US" sz="1800" spc="-1" strike="noStrike">
-              <a:solidFill>
-                <a:srgbClr val="000000"/>
-              </a:solidFill>
-              <a:latin typeface="Calibri"/>
-            </a:endParaRPr>
-          </a:p>
-        </p:txBody>
-      </p:sp>
-      <p:sp>
-        <p:nvSpPr>
-          <p:cNvPr id="56" name="PlaceHolder 2"/>
+            <a:pPr algn="ctr"/>
+            <a:endParaRPr b="0" lang="en-IN" sz="4400" spc="-1" strike="noStrike">
+              <a:latin typeface="Arial"/>
+            </a:endParaRPr>
+          </a:p>
+        </p:txBody>
+      </p:sp>
+      <p:sp>
+        <p:nvSpPr>
+          <p:cNvPr id="50" name="PlaceHolder 2"/>
           <p:cNvSpPr>
             <a:spLocks noGrp="1"/>
           </p:cNvSpPr>
@@ -5921,18 +5880,15 @@
             <a:normAutofit/>
           </a:bodyPr>
           <a:p>
-            <a:endParaRPr b="0" lang="en-US" sz="2800" spc="-1" strike="noStrike">
-              <a:solidFill>
-                <a:srgbClr val="000000"/>
-              </a:solidFill>
-              <a:latin typeface="Calibri"/>
-            </a:endParaRPr>
-          </a:p>
-        </p:txBody>
-      </p:sp>
-      <p:sp>
-        <p:nvSpPr>
-          <p:cNvPr id="57" name="PlaceHolder 3"/>
+            <a:endParaRPr b="0" lang="en-IN" sz="3200" spc="-1" strike="noStrike">
+              <a:latin typeface="Arial"/>
+            </a:endParaRPr>
+          </a:p>
+        </p:txBody>
+      </p:sp>
+      <p:sp>
+        <p:nvSpPr>
+          <p:cNvPr id="51" name="PlaceHolder 3"/>
           <p:cNvSpPr>
             <a:spLocks noGrp="1"/>
           </p:cNvSpPr>
@@ -5954,18 +5910,15 @@
             <a:normAutofit/>
           </a:bodyPr>
           <a:p>
-            <a:endParaRPr b="0" lang="en-US" sz="2800" spc="-1" strike="noStrike">
-              <a:solidFill>
-                <a:srgbClr val="000000"/>
-              </a:solidFill>
-              <a:latin typeface="Calibri"/>
-            </a:endParaRPr>
-          </a:p>
-        </p:txBody>
-      </p:sp>
-      <p:sp>
-        <p:nvSpPr>
-          <p:cNvPr id="58" name="PlaceHolder 4"/>
+            <a:endParaRPr b="0" lang="en-IN" sz="3200" spc="-1" strike="noStrike">
+              <a:latin typeface="Arial"/>
+            </a:endParaRPr>
+          </a:p>
+        </p:txBody>
+      </p:sp>
+      <p:sp>
+        <p:nvSpPr>
+          <p:cNvPr id="52" name="PlaceHolder 4"/>
           <p:cNvSpPr>
             <a:spLocks noGrp="1"/>
           </p:cNvSpPr>
@@ -5987,11 +5940,8 @@
             <a:normAutofit/>
           </a:bodyPr>
           <a:p>
-            <a:endParaRPr b="0" lang="en-US" sz="2800" spc="-1" strike="noStrike">
-              <a:solidFill>
-                <a:srgbClr val="000000"/>
-              </a:solidFill>
-              <a:latin typeface="Calibri"/>
+            <a:endParaRPr b="0" lang="en-IN" sz="3200" spc="-1" strike="noStrike">
+              <a:latin typeface="Arial"/>
             </a:endParaRPr>
           </a:p>
         </p:txBody>
@@ -6020,7 +5970,7 @@
       </p:grpSpPr>
       <p:sp>
         <p:nvSpPr>
-          <p:cNvPr id="5" name="PlaceHolder 1"/>
+          <p:cNvPr id="2" name="PlaceHolder 1"/>
           <p:cNvSpPr>
             <a:spLocks noGrp="1"/>
           </p:cNvSpPr>
@@ -6042,18 +5992,16 @@
             <a:noAutofit/>
           </a:bodyPr>
           <a:p>
-            <a:endParaRPr b="0" lang="en-US" sz="1800" spc="-1" strike="noStrike">
-              <a:solidFill>
-                <a:srgbClr val="000000"/>
-              </a:solidFill>
-              <a:latin typeface="Calibri"/>
-            </a:endParaRPr>
-          </a:p>
-        </p:txBody>
-      </p:sp>
-      <p:sp>
-        <p:nvSpPr>
-          <p:cNvPr id="6" name="PlaceHolder 2"/>
+            <a:pPr algn="ctr"/>
+            <a:endParaRPr b="0" lang="en-IN" sz="4400" spc="-1" strike="noStrike">
+              <a:latin typeface="Arial"/>
+            </a:endParaRPr>
+          </a:p>
+        </p:txBody>
+      </p:sp>
+      <p:sp>
+        <p:nvSpPr>
+          <p:cNvPr id="3" name="PlaceHolder 2"/>
           <p:cNvSpPr>
             <a:spLocks noGrp="1"/>
           </p:cNvSpPr>
@@ -6106,7 +6054,7 @@
       </p:grpSpPr>
       <p:sp>
         <p:nvSpPr>
-          <p:cNvPr id="59" name="PlaceHolder 1"/>
+          <p:cNvPr id="53" name="PlaceHolder 1"/>
           <p:cNvSpPr>
             <a:spLocks noGrp="1"/>
           </p:cNvSpPr>
@@ -6128,18 +6076,16 @@
             <a:noAutofit/>
           </a:bodyPr>
           <a:p>
-            <a:endParaRPr b="0" lang="en-US" sz="1800" spc="-1" strike="noStrike">
-              <a:solidFill>
-                <a:srgbClr val="000000"/>
-              </a:solidFill>
-              <a:latin typeface="Calibri"/>
-            </a:endParaRPr>
-          </a:p>
-        </p:txBody>
-      </p:sp>
-      <p:sp>
-        <p:nvSpPr>
-          <p:cNvPr id="60" name="PlaceHolder 2"/>
+            <a:pPr algn="ctr"/>
+            <a:endParaRPr b="0" lang="en-IN" sz="4400" spc="-1" strike="noStrike">
+              <a:latin typeface="Arial"/>
+            </a:endParaRPr>
+          </a:p>
+        </p:txBody>
+      </p:sp>
+      <p:sp>
+        <p:nvSpPr>
+          <p:cNvPr id="54" name="PlaceHolder 2"/>
           <p:cNvSpPr>
             <a:spLocks noGrp="1"/>
           </p:cNvSpPr>
@@ -6161,18 +6107,15 @@
             <a:normAutofit/>
           </a:bodyPr>
           <a:p>
-            <a:endParaRPr b="0" lang="en-US" sz="2800" spc="-1" strike="noStrike">
-              <a:solidFill>
-                <a:srgbClr val="000000"/>
-              </a:solidFill>
-              <a:latin typeface="Calibri"/>
-            </a:endParaRPr>
-          </a:p>
-        </p:txBody>
-      </p:sp>
-      <p:sp>
-        <p:nvSpPr>
-          <p:cNvPr id="61" name="PlaceHolder 3"/>
+            <a:endParaRPr b="0" lang="en-IN" sz="3200" spc="-1" strike="noStrike">
+              <a:latin typeface="Arial"/>
+            </a:endParaRPr>
+          </a:p>
+        </p:txBody>
+      </p:sp>
+      <p:sp>
+        <p:nvSpPr>
+          <p:cNvPr id="55" name="PlaceHolder 3"/>
           <p:cNvSpPr>
             <a:spLocks noGrp="1"/>
           </p:cNvSpPr>
@@ -6194,18 +6137,15 @@
             <a:normAutofit/>
           </a:bodyPr>
           <a:p>
-            <a:endParaRPr b="0" lang="en-US" sz="2800" spc="-1" strike="noStrike">
-              <a:solidFill>
-                <a:srgbClr val="000000"/>
-              </a:solidFill>
-              <a:latin typeface="Calibri"/>
-            </a:endParaRPr>
-          </a:p>
-        </p:txBody>
-      </p:sp>
-      <p:sp>
-        <p:nvSpPr>
-          <p:cNvPr id="62" name="PlaceHolder 4"/>
+            <a:endParaRPr b="0" lang="en-IN" sz="3200" spc="-1" strike="noStrike">
+              <a:latin typeface="Arial"/>
+            </a:endParaRPr>
+          </a:p>
+        </p:txBody>
+      </p:sp>
+      <p:sp>
+        <p:nvSpPr>
+          <p:cNvPr id="56" name="PlaceHolder 4"/>
           <p:cNvSpPr>
             <a:spLocks noGrp="1"/>
           </p:cNvSpPr>
@@ -6227,11 +6167,8 @@
             <a:normAutofit/>
           </a:bodyPr>
           <a:p>
-            <a:endParaRPr b="0" lang="en-US" sz="2800" spc="-1" strike="noStrike">
-              <a:solidFill>
-                <a:srgbClr val="000000"/>
-              </a:solidFill>
-              <a:latin typeface="Calibri"/>
+            <a:endParaRPr b="0" lang="en-IN" sz="3200" spc="-1" strike="noStrike">
+              <a:latin typeface="Arial"/>
             </a:endParaRPr>
           </a:p>
         </p:txBody>
@@ -6260,7 +6197,7 @@
       </p:grpSpPr>
       <p:sp>
         <p:nvSpPr>
-          <p:cNvPr id="63" name="PlaceHolder 1"/>
+          <p:cNvPr id="57" name="PlaceHolder 1"/>
           <p:cNvSpPr>
             <a:spLocks noGrp="1"/>
           </p:cNvSpPr>
@@ -6282,18 +6219,16 @@
             <a:noAutofit/>
           </a:bodyPr>
           <a:p>
-            <a:endParaRPr b="0" lang="en-US" sz="1800" spc="-1" strike="noStrike">
-              <a:solidFill>
-                <a:srgbClr val="000000"/>
-              </a:solidFill>
-              <a:latin typeface="Calibri"/>
-            </a:endParaRPr>
-          </a:p>
-        </p:txBody>
-      </p:sp>
-      <p:sp>
-        <p:nvSpPr>
-          <p:cNvPr id="64" name="PlaceHolder 2"/>
+            <a:pPr algn="ctr"/>
+            <a:endParaRPr b="0" lang="en-IN" sz="4400" spc="-1" strike="noStrike">
+              <a:latin typeface="Arial"/>
+            </a:endParaRPr>
+          </a:p>
+        </p:txBody>
+      </p:sp>
+      <p:sp>
+        <p:nvSpPr>
+          <p:cNvPr id="58" name="PlaceHolder 2"/>
           <p:cNvSpPr>
             <a:spLocks noGrp="1"/>
           </p:cNvSpPr>
@@ -6315,18 +6250,15 @@
             <a:normAutofit/>
           </a:bodyPr>
           <a:p>
-            <a:endParaRPr b="0" lang="en-US" sz="2800" spc="-1" strike="noStrike">
-              <a:solidFill>
-                <a:srgbClr val="000000"/>
-              </a:solidFill>
-              <a:latin typeface="Calibri"/>
-            </a:endParaRPr>
-          </a:p>
-        </p:txBody>
-      </p:sp>
-      <p:sp>
-        <p:nvSpPr>
-          <p:cNvPr id="65" name="PlaceHolder 3"/>
+            <a:endParaRPr b="0" lang="en-IN" sz="3200" spc="-1" strike="noStrike">
+              <a:latin typeface="Arial"/>
+            </a:endParaRPr>
+          </a:p>
+        </p:txBody>
+      </p:sp>
+      <p:sp>
+        <p:nvSpPr>
+          <p:cNvPr id="59" name="PlaceHolder 3"/>
           <p:cNvSpPr>
             <a:spLocks noGrp="1"/>
           </p:cNvSpPr>
@@ -6348,18 +6280,15 @@
             <a:normAutofit/>
           </a:bodyPr>
           <a:p>
-            <a:endParaRPr b="0" lang="en-US" sz="2800" spc="-1" strike="noStrike">
-              <a:solidFill>
-                <a:srgbClr val="000000"/>
-              </a:solidFill>
-              <a:latin typeface="Calibri"/>
-            </a:endParaRPr>
-          </a:p>
-        </p:txBody>
-      </p:sp>
-      <p:sp>
-        <p:nvSpPr>
-          <p:cNvPr id="66" name="PlaceHolder 4"/>
+            <a:endParaRPr b="0" lang="en-IN" sz="3200" spc="-1" strike="noStrike">
+              <a:latin typeface="Arial"/>
+            </a:endParaRPr>
+          </a:p>
+        </p:txBody>
+      </p:sp>
+      <p:sp>
+        <p:nvSpPr>
+          <p:cNvPr id="60" name="PlaceHolder 4"/>
           <p:cNvSpPr>
             <a:spLocks noGrp="1"/>
           </p:cNvSpPr>
@@ -6381,11 +6310,8 @@
             <a:normAutofit/>
           </a:bodyPr>
           <a:p>
-            <a:endParaRPr b="0" lang="en-US" sz="2800" spc="-1" strike="noStrike">
-              <a:solidFill>
-                <a:srgbClr val="000000"/>
-              </a:solidFill>
-              <a:latin typeface="Calibri"/>
+            <a:endParaRPr b="0" lang="en-IN" sz="3200" spc="-1" strike="noStrike">
+              <a:latin typeface="Arial"/>
             </a:endParaRPr>
           </a:p>
         </p:txBody>
@@ -6414,7 +6340,7 @@
       </p:grpSpPr>
       <p:sp>
         <p:nvSpPr>
-          <p:cNvPr id="67" name="PlaceHolder 1"/>
+          <p:cNvPr id="61" name="PlaceHolder 1"/>
           <p:cNvSpPr>
             <a:spLocks noGrp="1"/>
           </p:cNvSpPr>
@@ -6436,18 +6362,16 @@
             <a:noAutofit/>
           </a:bodyPr>
           <a:p>
-            <a:endParaRPr b="0" lang="en-US" sz="1800" spc="-1" strike="noStrike">
-              <a:solidFill>
-                <a:srgbClr val="000000"/>
-              </a:solidFill>
-              <a:latin typeface="Calibri"/>
-            </a:endParaRPr>
-          </a:p>
-        </p:txBody>
-      </p:sp>
-      <p:sp>
-        <p:nvSpPr>
-          <p:cNvPr id="68" name="PlaceHolder 2"/>
+            <a:pPr algn="ctr"/>
+            <a:endParaRPr b="0" lang="en-IN" sz="4400" spc="-1" strike="noStrike">
+              <a:latin typeface="Arial"/>
+            </a:endParaRPr>
+          </a:p>
+        </p:txBody>
+      </p:sp>
+      <p:sp>
+        <p:nvSpPr>
+          <p:cNvPr id="62" name="PlaceHolder 2"/>
           <p:cNvSpPr>
             <a:spLocks noGrp="1"/>
           </p:cNvSpPr>
@@ -6469,18 +6393,15 @@
             <a:normAutofit/>
           </a:bodyPr>
           <a:p>
-            <a:endParaRPr b="0" lang="en-US" sz="2800" spc="-1" strike="noStrike">
-              <a:solidFill>
-                <a:srgbClr val="000000"/>
-              </a:solidFill>
-              <a:latin typeface="Calibri"/>
-            </a:endParaRPr>
-          </a:p>
-        </p:txBody>
-      </p:sp>
-      <p:sp>
-        <p:nvSpPr>
-          <p:cNvPr id="69" name="PlaceHolder 3"/>
+            <a:endParaRPr b="0" lang="en-IN" sz="3200" spc="-1" strike="noStrike">
+              <a:latin typeface="Arial"/>
+            </a:endParaRPr>
+          </a:p>
+        </p:txBody>
+      </p:sp>
+      <p:sp>
+        <p:nvSpPr>
+          <p:cNvPr id="63" name="PlaceHolder 3"/>
           <p:cNvSpPr>
             <a:spLocks noGrp="1"/>
           </p:cNvSpPr>
@@ -6502,11 +6423,8 @@
             <a:normAutofit/>
           </a:bodyPr>
           <a:p>
-            <a:endParaRPr b="0" lang="en-US" sz="2800" spc="-1" strike="noStrike">
-              <a:solidFill>
-                <a:srgbClr val="000000"/>
-              </a:solidFill>
-              <a:latin typeface="Calibri"/>
+            <a:endParaRPr b="0" lang="en-IN" sz="3200" spc="-1" strike="noStrike">
+              <a:latin typeface="Arial"/>
             </a:endParaRPr>
           </a:p>
         </p:txBody>
@@ -6535,7 +6453,7 @@
       </p:grpSpPr>
       <p:sp>
         <p:nvSpPr>
-          <p:cNvPr id="70" name="PlaceHolder 1"/>
+          <p:cNvPr id="64" name="PlaceHolder 1"/>
           <p:cNvSpPr>
             <a:spLocks noGrp="1"/>
           </p:cNvSpPr>
@@ -6557,18 +6475,16 @@
             <a:noAutofit/>
           </a:bodyPr>
           <a:p>
-            <a:endParaRPr b="0" lang="en-US" sz="1800" spc="-1" strike="noStrike">
-              <a:solidFill>
-                <a:srgbClr val="000000"/>
-              </a:solidFill>
-              <a:latin typeface="Calibri"/>
-            </a:endParaRPr>
-          </a:p>
-        </p:txBody>
-      </p:sp>
-      <p:sp>
-        <p:nvSpPr>
-          <p:cNvPr id="71" name="PlaceHolder 2"/>
+            <a:pPr algn="ctr"/>
+            <a:endParaRPr b="0" lang="en-IN" sz="4400" spc="-1" strike="noStrike">
+              <a:latin typeface="Arial"/>
+            </a:endParaRPr>
+          </a:p>
+        </p:txBody>
+      </p:sp>
+      <p:sp>
+        <p:nvSpPr>
+          <p:cNvPr id="65" name="PlaceHolder 2"/>
           <p:cNvSpPr>
             <a:spLocks noGrp="1"/>
           </p:cNvSpPr>
@@ -6590,18 +6506,15 @@
             <a:normAutofit/>
           </a:bodyPr>
           <a:p>
-            <a:endParaRPr b="0" lang="en-US" sz="2800" spc="-1" strike="noStrike">
-              <a:solidFill>
-                <a:srgbClr val="000000"/>
-              </a:solidFill>
-              <a:latin typeface="Calibri"/>
-            </a:endParaRPr>
-          </a:p>
-        </p:txBody>
-      </p:sp>
-      <p:sp>
-        <p:nvSpPr>
-          <p:cNvPr id="72" name="PlaceHolder 3"/>
+            <a:endParaRPr b="0" lang="en-IN" sz="3200" spc="-1" strike="noStrike">
+              <a:latin typeface="Arial"/>
+            </a:endParaRPr>
+          </a:p>
+        </p:txBody>
+      </p:sp>
+      <p:sp>
+        <p:nvSpPr>
+          <p:cNvPr id="66" name="PlaceHolder 3"/>
           <p:cNvSpPr>
             <a:spLocks noGrp="1"/>
           </p:cNvSpPr>
@@ -6623,18 +6536,15 @@
             <a:normAutofit/>
           </a:bodyPr>
           <a:p>
-            <a:endParaRPr b="0" lang="en-US" sz="2800" spc="-1" strike="noStrike">
-              <a:solidFill>
-                <a:srgbClr val="000000"/>
-              </a:solidFill>
-              <a:latin typeface="Calibri"/>
-            </a:endParaRPr>
-          </a:p>
-        </p:txBody>
-      </p:sp>
-      <p:sp>
-        <p:nvSpPr>
-          <p:cNvPr id="73" name="PlaceHolder 4"/>
+            <a:endParaRPr b="0" lang="en-IN" sz="3200" spc="-1" strike="noStrike">
+              <a:latin typeface="Arial"/>
+            </a:endParaRPr>
+          </a:p>
+        </p:txBody>
+      </p:sp>
+      <p:sp>
+        <p:nvSpPr>
+          <p:cNvPr id="67" name="PlaceHolder 4"/>
           <p:cNvSpPr>
             <a:spLocks noGrp="1"/>
           </p:cNvSpPr>
@@ -6656,18 +6566,15 @@
             <a:normAutofit/>
           </a:bodyPr>
           <a:p>
-            <a:endParaRPr b="0" lang="en-US" sz="2800" spc="-1" strike="noStrike">
-              <a:solidFill>
-                <a:srgbClr val="000000"/>
-              </a:solidFill>
-              <a:latin typeface="Calibri"/>
-            </a:endParaRPr>
-          </a:p>
-        </p:txBody>
-      </p:sp>
-      <p:sp>
-        <p:nvSpPr>
-          <p:cNvPr id="74" name="PlaceHolder 5"/>
+            <a:endParaRPr b="0" lang="en-IN" sz="3200" spc="-1" strike="noStrike">
+              <a:latin typeface="Arial"/>
+            </a:endParaRPr>
+          </a:p>
+        </p:txBody>
+      </p:sp>
+      <p:sp>
+        <p:nvSpPr>
+          <p:cNvPr id="68" name="PlaceHolder 5"/>
           <p:cNvSpPr>
             <a:spLocks noGrp="1"/>
           </p:cNvSpPr>
@@ -6689,11 +6596,8 @@
             <a:normAutofit/>
           </a:bodyPr>
           <a:p>
-            <a:endParaRPr b="0" lang="en-US" sz="2800" spc="-1" strike="noStrike">
-              <a:solidFill>
-                <a:srgbClr val="000000"/>
-              </a:solidFill>
-              <a:latin typeface="Calibri"/>
+            <a:endParaRPr b="0" lang="en-IN" sz="3200" spc="-1" strike="noStrike">
+              <a:latin typeface="Arial"/>
             </a:endParaRPr>
           </a:p>
         </p:txBody>
@@ -6722,7 +6626,7 @@
       </p:grpSpPr>
       <p:sp>
         <p:nvSpPr>
-          <p:cNvPr id="75" name="PlaceHolder 1"/>
+          <p:cNvPr id="69" name="PlaceHolder 1"/>
           <p:cNvSpPr>
             <a:spLocks noGrp="1"/>
           </p:cNvSpPr>
@@ -6744,18 +6648,16 @@
             <a:noAutofit/>
           </a:bodyPr>
           <a:p>
-            <a:endParaRPr b="0" lang="en-US" sz="1800" spc="-1" strike="noStrike">
-              <a:solidFill>
-                <a:srgbClr val="000000"/>
-              </a:solidFill>
-              <a:latin typeface="Calibri"/>
-            </a:endParaRPr>
-          </a:p>
-        </p:txBody>
-      </p:sp>
-      <p:sp>
-        <p:nvSpPr>
-          <p:cNvPr id="76" name="PlaceHolder 2"/>
+            <a:pPr algn="ctr"/>
+            <a:endParaRPr b="0" lang="en-IN" sz="4400" spc="-1" strike="noStrike">
+              <a:latin typeface="Arial"/>
+            </a:endParaRPr>
+          </a:p>
+        </p:txBody>
+      </p:sp>
+      <p:sp>
+        <p:nvSpPr>
+          <p:cNvPr id="70" name="PlaceHolder 2"/>
           <p:cNvSpPr>
             <a:spLocks noGrp="1"/>
           </p:cNvSpPr>
@@ -6777,18 +6679,15 @@
             <a:normAutofit/>
           </a:bodyPr>
           <a:p>
-            <a:endParaRPr b="0" lang="en-US" sz="2800" spc="-1" strike="noStrike">
-              <a:solidFill>
-                <a:srgbClr val="000000"/>
-              </a:solidFill>
-              <a:latin typeface="Calibri"/>
-            </a:endParaRPr>
-          </a:p>
-        </p:txBody>
-      </p:sp>
-      <p:sp>
-        <p:nvSpPr>
-          <p:cNvPr id="77" name="PlaceHolder 3"/>
+            <a:endParaRPr b="0" lang="en-IN" sz="3200" spc="-1" strike="noStrike">
+              <a:latin typeface="Arial"/>
+            </a:endParaRPr>
+          </a:p>
+        </p:txBody>
+      </p:sp>
+      <p:sp>
+        <p:nvSpPr>
+          <p:cNvPr id="71" name="PlaceHolder 3"/>
           <p:cNvSpPr>
             <a:spLocks noGrp="1"/>
           </p:cNvSpPr>
@@ -6810,18 +6709,15 @@
             <a:normAutofit/>
           </a:bodyPr>
           <a:p>
-            <a:endParaRPr b="0" lang="en-US" sz="2800" spc="-1" strike="noStrike">
-              <a:solidFill>
-                <a:srgbClr val="000000"/>
-              </a:solidFill>
-              <a:latin typeface="Calibri"/>
-            </a:endParaRPr>
-          </a:p>
-        </p:txBody>
-      </p:sp>
-      <p:sp>
-        <p:nvSpPr>
-          <p:cNvPr id="78" name="PlaceHolder 4"/>
+            <a:endParaRPr b="0" lang="en-IN" sz="3200" spc="-1" strike="noStrike">
+              <a:latin typeface="Arial"/>
+            </a:endParaRPr>
+          </a:p>
+        </p:txBody>
+      </p:sp>
+      <p:sp>
+        <p:nvSpPr>
+          <p:cNvPr id="72" name="PlaceHolder 4"/>
           <p:cNvSpPr>
             <a:spLocks noGrp="1"/>
           </p:cNvSpPr>
@@ -6843,18 +6739,15 @@
             <a:normAutofit/>
           </a:bodyPr>
           <a:p>
-            <a:endParaRPr b="0" lang="en-US" sz="2800" spc="-1" strike="noStrike">
-              <a:solidFill>
-                <a:srgbClr val="000000"/>
-              </a:solidFill>
-              <a:latin typeface="Calibri"/>
-            </a:endParaRPr>
-          </a:p>
-        </p:txBody>
-      </p:sp>
-      <p:sp>
-        <p:nvSpPr>
-          <p:cNvPr id="79" name="PlaceHolder 5"/>
+            <a:endParaRPr b="0" lang="en-IN" sz="3200" spc="-1" strike="noStrike">
+              <a:latin typeface="Arial"/>
+            </a:endParaRPr>
+          </a:p>
+        </p:txBody>
+      </p:sp>
+      <p:sp>
+        <p:nvSpPr>
+          <p:cNvPr id="73" name="PlaceHolder 5"/>
           <p:cNvSpPr>
             <a:spLocks noGrp="1"/>
           </p:cNvSpPr>
@@ -6876,18 +6769,15 @@
             <a:normAutofit/>
           </a:bodyPr>
           <a:p>
-            <a:endParaRPr b="0" lang="en-US" sz="2800" spc="-1" strike="noStrike">
-              <a:solidFill>
-                <a:srgbClr val="000000"/>
-              </a:solidFill>
-              <a:latin typeface="Calibri"/>
-            </a:endParaRPr>
-          </a:p>
-        </p:txBody>
-      </p:sp>
-      <p:sp>
-        <p:nvSpPr>
-          <p:cNvPr id="80" name="PlaceHolder 6"/>
+            <a:endParaRPr b="0" lang="en-IN" sz="3200" spc="-1" strike="noStrike">
+              <a:latin typeface="Arial"/>
+            </a:endParaRPr>
+          </a:p>
+        </p:txBody>
+      </p:sp>
+      <p:sp>
+        <p:nvSpPr>
+          <p:cNvPr id="74" name="PlaceHolder 6"/>
           <p:cNvSpPr>
             <a:spLocks noGrp="1"/>
           </p:cNvSpPr>
@@ -6909,18 +6799,15 @@
             <a:normAutofit/>
           </a:bodyPr>
           <a:p>
-            <a:endParaRPr b="0" lang="en-US" sz="2800" spc="-1" strike="noStrike">
-              <a:solidFill>
-                <a:srgbClr val="000000"/>
-              </a:solidFill>
-              <a:latin typeface="Calibri"/>
-            </a:endParaRPr>
-          </a:p>
-        </p:txBody>
-      </p:sp>
-      <p:sp>
-        <p:nvSpPr>
-          <p:cNvPr id="81" name="PlaceHolder 7"/>
+            <a:endParaRPr b="0" lang="en-IN" sz="3200" spc="-1" strike="noStrike">
+              <a:latin typeface="Arial"/>
+            </a:endParaRPr>
+          </a:p>
+        </p:txBody>
+      </p:sp>
+      <p:sp>
+        <p:nvSpPr>
+          <p:cNvPr id="75" name="PlaceHolder 7"/>
           <p:cNvSpPr>
             <a:spLocks noGrp="1"/>
           </p:cNvSpPr>
@@ -6942,11 +6829,8 @@
             <a:normAutofit/>
           </a:bodyPr>
           <a:p>
-            <a:endParaRPr b="0" lang="en-US" sz="2800" spc="-1" strike="noStrike">
-              <a:solidFill>
-                <a:srgbClr val="000000"/>
-              </a:solidFill>
-              <a:latin typeface="Calibri"/>
+            <a:endParaRPr b="0" lang="en-IN" sz="3200" spc="-1" strike="noStrike">
+              <a:latin typeface="Arial"/>
             </a:endParaRPr>
           </a:p>
         </p:txBody>
@@ -6997,7 +6881,7 @@
       </p:grpSpPr>
       <p:sp>
         <p:nvSpPr>
-          <p:cNvPr id="87" name="PlaceHolder 1"/>
+          <p:cNvPr id="78" name="PlaceHolder 1"/>
           <p:cNvSpPr>
             <a:spLocks noGrp="1"/>
           </p:cNvSpPr>
@@ -7019,18 +6903,16 @@
             <a:noAutofit/>
           </a:bodyPr>
           <a:p>
-            <a:endParaRPr b="0" lang="en-US" sz="1800" spc="-1" strike="noStrike">
-              <a:solidFill>
-                <a:srgbClr val="000000"/>
-              </a:solidFill>
-              <a:latin typeface="Calibri"/>
-            </a:endParaRPr>
-          </a:p>
-        </p:txBody>
-      </p:sp>
-      <p:sp>
-        <p:nvSpPr>
-          <p:cNvPr id="88" name="PlaceHolder 2"/>
+            <a:pPr algn="ctr"/>
+            <a:endParaRPr b="0" lang="en-IN" sz="4400" spc="-1" strike="noStrike">
+              <a:latin typeface="Arial"/>
+            </a:endParaRPr>
+          </a:p>
+        </p:txBody>
+      </p:sp>
+      <p:sp>
+        <p:nvSpPr>
+          <p:cNvPr id="79" name="PlaceHolder 2"/>
           <p:cNvSpPr>
             <a:spLocks noGrp="1"/>
           </p:cNvSpPr>
@@ -7083,7 +6965,7 @@
       </p:grpSpPr>
       <p:sp>
         <p:nvSpPr>
-          <p:cNvPr id="89" name="PlaceHolder 1"/>
+          <p:cNvPr id="80" name="PlaceHolder 1"/>
           <p:cNvSpPr>
             <a:spLocks noGrp="1"/>
           </p:cNvSpPr>
@@ -7105,18 +6987,16 @@
             <a:noAutofit/>
           </a:bodyPr>
           <a:p>
-            <a:endParaRPr b="0" lang="en-US" sz="1800" spc="-1" strike="noStrike">
-              <a:solidFill>
-                <a:srgbClr val="000000"/>
-              </a:solidFill>
-              <a:latin typeface="Calibri"/>
-            </a:endParaRPr>
-          </a:p>
-        </p:txBody>
-      </p:sp>
-      <p:sp>
-        <p:nvSpPr>
-          <p:cNvPr id="90" name="PlaceHolder 2"/>
+            <a:pPr algn="ctr"/>
+            <a:endParaRPr b="0" lang="en-IN" sz="4400" spc="-1" strike="noStrike">
+              <a:latin typeface="Arial"/>
+            </a:endParaRPr>
+          </a:p>
+        </p:txBody>
+      </p:sp>
+      <p:sp>
+        <p:nvSpPr>
+          <p:cNvPr id="81" name="PlaceHolder 2"/>
           <p:cNvSpPr>
             <a:spLocks noGrp="1"/>
           </p:cNvSpPr>
@@ -7138,11 +7018,8 @@
             <a:normAutofit/>
           </a:bodyPr>
           <a:p>
-            <a:endParaRPr b="0" lang="en-US" sz="2800" spc="-1" strike="noStrike">
-              <a:solidFill>
-                <a:srgbClr val="000000"/>
-              </a:solidFill>
-              <a:latin typeface="Calibri"/>
+            <a:endParaRPr b="0" lang="en-IN" sz="3200" spc="-1" strike="noStrike">
+              <a:latin typeface="Arial"/>
             </a:endParaRPr>
           </a:p>
         </p:txBody>
@@ -7171,7 +7048,7 @@
       </p:grpSpPr>
       <p:sp>
         <p:nvSpPr>
-          <p:cNvPr id="91" name="PlaceHolder 1"/>
+          <p:cNvPr id="82" name="PlaceHolder 1"/>
           <p:cNvSpPr>
             <a:spLocks noGrp="1"/>
           </p:cNvSpPr>
@@ -7193,18 +7070,16 @@
             <a:noAutofit/>
           </a:bodyPr>
           <a:p>
-            <a:endParaRPr b="0" lang="en-US" sz="1800" spc="-1" strike="noStrike">
-              <a:solidFill>
-                <a:srgbClr val="000000"/>
-              </a:solidFill>
-              <a:latin typeface="Calibri"/>
-            </a:endParaRPr>
-          </a:p>
-        </p:txBody>
-      </p:sp>
-      <p:sp>
-        <p:nvSpPr>
-          <p:cNvPr id="92" name="PlaceHolder 2"/>
+            <a:pPr algn="ctr"/>
+            <a:endParaRPr b="0" lang="en-IN" sz="4400" spc="-1" strike="noStrike">
+              <a:latin typeface="Arial"/>
+            </a:endParaRPr>
+          </a:p>
+        </p:txBody>
+      </p:sp>
+      <p:sp>
+        <p:nvSpPr>
+          <p:cNvPr id="83" name="PlaceHolder 2"/>
           <p:cNvSpPr>
             <a:spLocks noGrp="1"/>
           </p:cNvSpPr>
@@ -7226,18 +7101,15 @@
             <a:normAutofit/>
           </a:bodyPr>
           <a:p>
-            <a:endParaRPr b="0" lang="en-US" sz="2800" spc="-1" strike="noStrike">
-              <a:solidFill>
-                <a:srgbClr val="000000"/>
-              </a:solidFill>
-              <a:latin typeface="Calibri"/>
-            </a:endParaRPr>
-          </a:p>
-        </p:txBody>
-      </p:sp>
-      <p:sp>
-        <p:nvSpPr>
-          <p:cNvPr id="93" name="PlaceHolder 3"/>
+            <a:endParaRPr b="0" lang="en-IN" sz="3200" spc="-1" strike="noStrike">
+              <a:latin typeface="Arial"/>
+            </a:endParaRPr>
+          </a:p>
+        </p:txBody>
+      </p:sp>
+      <p:sp>
+        <p:nvSpPr>
+          <p:cNvPr id="84" name="PlaceHolder 3"/>
           <p:cNvSpPr>
             <a:spLocks noGrp="1"/>
           </p:cNvSpPr>
@@ -7259,11 +7131,8 @@
             <a:normAutofit/>
           </a:bodyPr>
           <a:p>
-            <a:endParaRPr b="0" lang="en-US" sz="2800" spc="-1" strike="noStrike">
-              <a:solidFill>
-                <a:srgbClr val="000000"/>
-              </a:solidFill>
-              <a:latin typeface="Calibri"/>
+            <a:endParaRPr b="0" lang="en-IN" sz="3200" spc="-1" strike="noStrike">
+              <a:latin typeface="Arial"/>
             </a:endParaRPr>
           </a:p>
         </p:txBody>
@@ -7292,7 +7161,7 @@
       </p:grpSpPr>
       <p:sp>
         <p:nvSpPr>
-          <p:cNvPr id="94" name="PlaceHolder 1"/>
+          <p:cNvPr id="85" name="PlaceHolder 1"/>
           <p:cNvSpPr>
             <a:spLocks noGrp="1"/>
           </p:cNvSpPr>
@@ -7314,11 +7183,9 @@
             <a:noAutofit/>
           </a:bodyPr>
           <a:p>
-            <a:endParaRPr b="0" lang="en-US" sz="1800" spc="-1" strike="noStrike">
-              <a:solidFill>
-                <a:srgbClr val="000000"/>
-              </a:solidFill>
-              <a:latin typeface="Calibri"/>
+            <a:pPr algn="ctr"/>
+            <a:endParaRPr b="0" lang="en-IN" sz="4400" spc="-1" strike="noStrike">
+              <a:latin typeface="Arial"/>
             </a:endParaRPr>
           </a:p>
         </p:txBody>
@@ -7347,7 +7214,7 @@
       </p:grpSpPr>
       <p:sp>
         <p:nvSpPr>
-          <p:cNvPr id="7" name="PlaceHolder 1"/>
+          <p:cNvPr id="4" name="PlaceHolder 1"/>
           <p:cNvSpPr>
             <a:spLocks noGrp="1"/>
           </p:cNvSpPr>
@@ -7369,18 +7236,16 @@
             <a:noAutofit/>
           </a:bodyPr>
           <a:p>
-            <a:endParaRPr b="0" lang="en-US" sz="1800" spc="-1" strike="noStrike">
-              <a:solidFill>
-                <a:srgbClr val="000000"/>
-              </a:solidFill>
-              <a:latin typeface="Calibri"/>
-            </a:endParaRPr>
-          </a:p>
-        </p:txBody>
-      </p:sp>
-      <p:sp>
-        <p:nvSpPr>
-          <p:cNvPr id="8" name="PlaceHolder 2"/>
+            <a:pPr algn="ctr"/>
+            <a:endParaRPr b="0" lang="en-IN" sz="4400" spc="-1" strike="noStrike">
+              <a:latin typeface="Arial"/>
+            </a:endParaRPr>
+          </a:p>
+        </p:txBody>
+      </p:sp>
+      <p:sp>
+        <p:nvSpPr>
+          <p:cNvPr id="5" name="PlaceHolder 2"/>
           <p:cNvSpPr>
             <a:spLocks noGrp="1"/>
           </p:cNvSpPr>
@@ -7402,11 +7267,8 @@
             <a:normAutofit/>
           </a:bodyPr>
           <a:p>
-            <a:endParaRPr b="0" lang="en-US" sz="2800" spc="-1" strike="noStrike">
-              <a:solidFill>
-                <a:srgbClr val="000000"/>
-              </a:solidFill>
-              <a:latin typeface="Calibri"/>
+            <a:endParaRPr b="0" lang="en-IN" sz="3200" spc="-1" strike="noStrike">
+              <a:latin typeface="Arial"/>
             </a:endParaRPr>
           </a:p>
         </p:txBody>
@@ -7435,7 +7297,7 @@
       </p:grpSpPr>
       <p:sp>
         <p:nvSpPr>
-          <p:cNvPr id="95" name="PlaceHolder 1"/>
+          <p:cNvPr id="86" name="PlaceHolder 1"/>
           <p:cNvSpPr>
             <a:spLocks noGrp="1"/>
           </p:cNvSpPr>
@@ -7488,7 +7350,7 @@
       </p:grpSpPr>
       <p:sp>
         <p:nvSpPr>
-          <p:cNvPr id="96" name="PlaceHolder 1"/>
+          <p:cNvPr id="87" name="PlaceHolder 1"/>
           <p:cNvSpPr>
             <a:spLocks noGrp="1"/>
           </p:cNvSpPr>
@@ -7510,18 +7372,16 @@
             <a:noAutofit/>
           </a:bodyPr>
           <a:p>
-            <a:endParaRPr b="0" lang="en-US" sz="1800" spc="-1" strike="noStrike">
-              <a:solidFill>
-                <a:srgbClr val="000000"/>
-              </a:solidFill>
-              <a:latin typeface="Calibri"/>
-            </a:endParaRPr>
-          </a:p>
-        </p:txBody>
-      </p:sp>
-      <p:sp>
-        <p:nvSpPr>
-          <p:cNvPr id="97" name="PlaceHolder 2"/>
+            <a:pPr algn="ctr"/>
+            <a:endParaRPr b="0" lang="en-IN" sz="4400" spc="-1" strike="noStrike">
+              <a:latin typeface="Arial"/>
+            </a:endParaRPr>
+          </a:p>
+        </p:txBody>
+      </p:sp>
+      <p:sp>
+        <p:nvSpPr>
+          <p:cNvPr id="88" name="PlaceHolder 2"/>
           <p:cNvSpPr>
             <a:spLocks noGrp="1"/>
           </p:cNvSpPr>
@@ -7543,18 +7403,15 @@
             <a:normAutofit/>
           </a:bodyPr>
           <a:p>
-            <a:endParaRPr b="0" lang="en-US" sz="2800" spc="-1" strike="noStrike">
-              <a:solidFill>
-                <a:srgbClr val="000000"/>
-              </a:solidFill>
-              <a:latin typeface="Calibri"/>
-            </a:endParaRPr>
-          </a:p>
-        </p:txBody>
-      </p:sp>
-      <p:sp>
-        <p:nvSpPr>
-          <p:cNvPr id="98" name="PlaceHolder 3"/>
+            <a:endParaRPr b="0" lang="en-IN" sz="3200" spc="-1" strike="noStrike">
+              <a:latin typeface="Arial"/>
+            </a:endParaRPr>
+          </a:p>
+        </p:txBody>
+      </p:sp>
+      <p:sp>
+        <p:nvSpPr>
+          <p:cNvPr id="89" name="PlaceHolder 3"/>
           <p:cNvSpPr>
             <a:spLocks noGrp="1"/>
           </p:cNvSpPr>
@@ -7576,18 +7433,15 @@
             <a:normAutofit/>
           </a:bodyPr>
           <a:p>
-            <a:endParaRPr b="0" lang="en-US" sz="2800" spc="-1" strike="noStrike">
-              <a:solidFill>
-                <a:srgbClr val="000000"/>
-              </a:solidFill>
-              <a:latin typeface="Calibri"/>
-            </a:endParaRPr>
-          </a:p>
-        </p:txBody>
-      </p:sp>
-      <p:sp>
-        <p:nvSpPr>
-          <p:cNvPr id="99" name="PlaceHolder 4"/>
+            <a:endParaRPr b="0" lang="en-IN" sz="3200" spc="-1" strike="noStrike">
+              <a:latin typeface="Arial"/>
+            </a:endParaRPr>
+          </a:p>
+        </p:txBody>
+      </p:sp>
+      <p:sp>
+        <p:nvSpPr>
+          <p:cNvPr id="90" name="PlaceHolder 4"/>
           <p:cNvSpPr>
             <a:spLocks noGrp="1"/>
           </p:cNvSpPr>
@@ -7609,11 +7463,8 @@
             <a:normAutofit/>
           </a:bodyPr>
           <a:p>
-            <a:endParaRPr b="0" lang="en-US" sz="2800" spc="-1" strike="noStrike">
-              <a:solidFill>
-                <a:srgbClr val="000000"/>
-              </a:solidFill>
-              <a:latin typeface="Calibri"/>
+            <a:endParaRPr b="0" lang="en-IN" sz="3200" spc="-1" strike="noStrike">
+              <a:latin typeface="Arial"/>
             </a:endParaRPr>
           </a:p>
         </p:txBody>
@@ -7642,7 +7493,7 @@
       </p:grpSpPr>
       <p:sp>
         <p:nvSpPr>
-          <p:cNvPr id="100" name="PlaceHolder 1"/>
+          <p:cNvPr id="91" name="PlaceHolder 1"/>
           <p:cNvSpPr>
             <a:spLocks noGrp="1"/>
           </p:cNvSpPr>
@@ -7664,18 +7515,16 @@
             <a:noAutofit/>
           </a:bodyPr>
           <a:p>
-            <a:endParaRPr b="0" lang="en-US" sz="1800" spc="-1" strike="noStrike">
-              <a:solidFill>
-                <a:srgbClr val="000000"/>
-              </a:solidFill>
-              <a:latin typeface="Calibri"/>
-            </a:endParaRPr>
-          </a:p>
-        </p:txBody>
-      </p:sp>
-      <p:sp>
-        <p:nvSpPr>
-          <p:cNvPr id="101" name="PlaceHolder 2"/>
+            <a:pPr algn="ctr"/>
+            <a:endParaRPr b="0" lang="en-IN" sz="4400" spc="-1" strike="noStrike">
+              <a:latin typeface="Arial"/>
+            </a:endParaRPr>
+          </a:p>
+        </p:txBody>
+      </p:sp>
+      <p:sp>
+        <p:nvSpPr>
+          <p:cNvPr id="92" name="PlaceHolder 2"/>
           <p:cNvSpPr>
             <a:spLocks noGrp="1"/>
           </p:cNvSpPr>
@@ -7697,18 +7546,15 @@
             <a:normAutofit/>
           </a:bodyPr>
           <a:p>
-            <a:endParaRPr b="0" lang="en-US" sz="2800" spc="-1" strike="noStrike">
-              <a:solidFill>
-                <a:srgbClr val="000000"/>
-              </a:solidFill>
-              <a:latin typeface="Calibri"/>
-            </a:endParaRPr>
-          </a:p>
-        </p:txBody>
-      </p:sp>
-      <p:sp>
-        <p:nvSpPr>
-          <p:cNvPr id="102" name="PlaceHolder 3"/>
+            <a:endParaRPr b="0" lang="en-IN" sz="3200" spc="-1" strike="noStrike">
+              <a:latin typeface="Arial"/>
+            </a:endParaRPr>
+          </a:p>
+        </p:txBody>
+      </p:sp>
+      <p:sp>
+        <p:nvSpPr>
+          <p:cNvPr id="93" name="PlaceHolder 3"/>
           <p:cNvSpPr>
             <a:spLocks noGrp="1"/>
           </p:cNvSpPr>
@@ -7730,18 +7576,15 @@
             <a:normAutofit/>
           </a:bodyPr>
           <a:p>
-            <a:endParaRPr b="0" lang="en-US" sz="2800" spc="-1" strike="noStrike">
-              <a:solidFill>
-                <a:srgbClr val="000000"/>
-              </a:solidFill>
-              <a:latin typeface="Calibri"/>
-            </a:endParaRPr>
-          </a:p>
-        </p:txBody>
-      </p:sp>
-      <p:sp>
-        <p:nvSpPr>
-          <p:cNvPr id="103" name="PlaceHolder 4"/>
+            <a:endParaRPr b="0" lang="en-IN" sz="3200" spc="-1" strike="noStrike">
+              <a:latin typeface="Arial"/>
+            </a:endParaRPr>
+          </a:p>
+        </p:txBody>
+      </p:sp>
+      <p:sp>
+        <p:nvSpPr>
+          <p:cNvPr id="94" name="PlaceHolder 4"/>
           <p:cNvSpPr>
             <a:spLocks noGrp="1"/>
           </p:cNvSpPr>
@@ -7763,11 +7606,8 @@
             <a:normAutofit/>
           </a:bodyPr>
           <a:p>
-            <a:endParaRPr b="0" lang="en-US" sz="2800" spc="-1" strike="noStrike">
-              <a:solidFill>
-                <a:srgbClr val="000000"/>
-              </a:solidFill>
-              <a:latin typeface="Calibri"/>
+            <a:endParaRPr b="0" lang="en-IN" sz="3200" spc="-1" strike="noStrike">
+              <a:latin typeface="Arial"/>
             </a:endParaRPr>
           </a:p>
         </p:txBody>
@@ -7796,7 +7636,7 @@
       </p:grpSpPr>
       <p:sp>
         <p:nvSpPr>
-          <p:cNvPr id="104" name="PlaceHolder 1"/>
+          <p:cNvPr id="95" name="PlaceHolder 1"/>
           <p:cNvSpPr>
             <a:spLocks noGrp="1"/>
           </p:cNvSpPr>
@@ -7818,18 +7658,16 @@
             <a:noAutofit/>
           </a:bodyPr>
           <a:p>
-            <a:endParaRPr b="0" lang="en-US" sz="1800" spc="-1" strike="noStrike">
-              <a:solidFill>
-                <a:srgbClr val="000000"/>
-              </a:solidFill>
-              <a:latin typeface="Calibri"/>
-            </a:endParaRPr>
-          </a:p>
-        </p:txBody>
-      </p:sp>
-      <p:sp>
-        <p:nvSpPr>
-          <p:cNvPr id="105" name="PlaceHolder 2"/>
+            <a:pPr algn="ctr"/>
+            <a:endParaRPr b="0" lang="en-IN" sz="4400" spc="-1" strike="noStrike">
+              <a:latin typeface="Arial"/>
+            </a:endParaRPr>
+          </a:p>
+        </p:txBody>
+      </p:sp>
+      <p:sp>
+        <p:nvSpPr>
+          <p:cNvPr id="96" name="PlaceHolder 2"/>
           <p:cNvSpPr>
             <a:spLocks noGrp="1"/>
           </p:cNvSpPr>
@@ -7851,18 +7689,15 @@
             <a:normAutofit/>
           </a:bodyPr>
           <a:p>
-            <a:endParaRPr b="0" lang="en-US" sz="2800" spc="-1" strike="noStrike">
-              <a:solidFill>
-                <a:srgbClr val="000000"/>
-              </a:solidFill>
-              <a:latin typeface="Calibri"/>
-            </a:endParaRPr>
-          </a:p>
-        </p:txBody>
-      </p:sp>
-      <p:sp>
-        <p:nvSpPr>
-          <p:cNvPr id="106" name="PlaceHolder 3"/>
+            <a:endParaRPr b="0" lang="en-IN" sz="3200" spc="-1" strike="noStrike">
+              <a:latin typeface="Arial"/>
+            </a:endParaRPr>
+          </a:p>
+        </p:txBody>
+      </p:sp>
+      <p:sp>
+        <p:nvSpPr>
+          <p:cNvPr id="97" name="PlaceHolder 3"/>
           <p:cNvSpPr>
             <a:spLocks noGrp="1"/>
           </p:cNvSpPr>
@@ -7884,18 +7719,15 @@
             <a:normAutofit/>
           </a:bodyPr>
           <a:p>
-            <a:endParaRPr b="0" lang="en-US" sz="2800" spc="-1" strike="noStrike">
-              <a:solidFill>
-                <a:srgbClr val="000000"/>
-              </a:solidFill>
-              <a:latin typeface="Calibri"/>
-            </a:endParaRPr>
-          </a:p>
-        </p:txBody>
-      </p:sp>
-      <p:sp>
-        <p:nvSpPr>
-          <p:cNvPr id="107" name="PlaceHolder 4"/>
+            <a:endParaRPr b="0" lang="en-IN" sz="3200" spc="-1" strike="noStrike">
+              <a:latin typeface="Arial"/>
+            </a:endParaRPr>
+          </a:p>
+        </p:txBody>
+      </p:sp>
+      <p:sp>
+        <p:nvSpPr>
+          <p:cNvPr id="98" name="PlaceHolder 4"/>
           <p:cNvSpPr>
             <a:spLocks noGrp="1"/>
           </p:cNvSpPr>
@@ -7917,11 +7749,8 @@
             <a:normAutofit/>
           </a:bodyPr>
           <a:p>
-            <a:endParaRPr b="0" lang="en-US" sz="2800" spc="-1" strike="noStrike">
-              <a:solidFill>
-                <a:srgbClr val="000000"/>
-              </a:solidFill>
-              <a:latin typeface="Calibri"/>
+            <a:endParaRPr b="0" lang="en-IN" sz="3200" spc="-1" strike="noStrike">
+              <a:latin typeface="Arial"/>
             </a:endParaRPr>
           </a:p>
         </p:txBody>
@@ -7950,7 +7779,7 @@
       </p:grpSpPr>
       <p:sp>
         <p:nvSpPr>
-          <p:cNvPr id="108" name="PlaceHolder 1"/>
+          <p:cNvPr id="99" name="PlaceHolder 1"/>
           <p:cNvSpPr>
             <a:spLocks noGrp="1"/>
           </p:cNvSpPr>
@@ -7972,18 +7801,16 @@
             <a:noAutofit/>
           </a:bodyPr>
           <a:p>
-            <a:endParaRPr b="0" lang="en-US" sz="1800" spc="-1" strike="noStrike">
-              <a:solidFill>
-                <a:srgbClr val="000000"/>
-              </a:solidFill>
-              <a:latin typeface="Calibri"/>
-            </a:endParaRPr>
-          </a:p>
-        </p:txBody>
-      </p:sp>
-      <p:sp>
-        <p:nvSpPr>
-          <p:cNvPr id="109" name="PlaceHolder 2"/>
+            <a:pPr algn="ctr"/>
+            <a:endParaRPr b="0" lang="en-IN" sz="4400" spc="-1" strike="noStrike">
+              <a:latin typeface="Arial"/>
+            </a:endParaRPr>
+          </a:p>
+        </p:txBody>
+      </p:sp>
+      <p:sp>
+        <p:nvSpPr>
+          <p:cNvPr id="100" name="PlaceHolder 2"/>
           <p:cNvSpPr>
             <a:spLocks noGrp="1"/>
           </p:cNvSpPr>
@@ -8005,18 +7832,15 @@
             <a:normAutofit/>
           </a:bodyPr>
           <a:p>
-            <a:endParaRPr b="0" lang="en-US" sz="2800" spc="-1" strike="noStrike">
-              <a:solidFill>
-                <a:srgbClr val="000000"/>
-              </a:solidFill>
-              <a:latin typeface="Calibri"/>
-            </a:endParaRPr>
-          </a:p>
-        </p:txBody>
-      </p:sp>
-      <p:sp>
-        <p:nvSpPr>
-          <p:cNvPr id="110" name="PlaceHolder 3"/>
+            <a:endParaRPr b="0" lang="en-IN" sz="3200" spc="-1" strike="noStrike">
+              <a:latin typeface="Arial"/>
+            </a:endParaRPr>
+          </a:p>
+        </p:txBody>
+      </p:sp>
+      <p:sp>
+        <p:nvSpPr>
+          <p:cNvPr id="101" name="PlaceHolder 3"/>
           <p:cNvSpPr>
             <a:spLocks noGrp="1"/>
           </p:cNvSpPr>
@@ -8038,11 +7862,8 @@
             <a:normAutofit/>
           </a:bodyPr>
           <a:p>
-            <a:endParaRPr b="0" lang="en-US" sz="2800" spc="-1" strike="noStrike">
-              <a:solidFill>
-                <a:srgbClr val="000000"/>
-              </a:solidFill>
-              <a:latin typeface="Calibri"/>
+            <a:endParaRPr b="0" lang="en-IN" sz="3200" spc="-1" strike="noStrike">
+              <a:latin typeface="Arial"/>
             </a:endParaRPr>
           </a:p>
         </p:txBody>
@@ -8071,7 +7892,7 @@
       </p:grpSpPr>
       <p:sp>
         <p:nvSpPr>
-          <p:cNvPr id="111" name="PlaceHolder 1"/>
+          <p:cNvPr id="102" name="PlaceHolder 1"/>
           <p:cNvSpPr>
             <a:spLocks noGrp="1"/>
           </p:cNvSpPr>
@@ -8093,18 +7914,16 @@
             <a:noAutofit/>
           </a:bodyPr>
           <a:p>
-            <a:endParaRPr b="0" lang="en-US" sz="1800" spc="-1" strike="noStrike">
-              <a:solidFill>
-                <a:srgbClr val="000000"/>
-              </a:solidFill>
-              <a:latin typeface="Calibri"/>
-            </a:endParaRPr>
-          </a:p>
-        </p:txBody>
-      </p:sp>
-      <p:sp>
-        <p:nvSpPr>
-          <p:cNvPr id="112" name="PlaceHolder 2"/>
+            <a:pPr algn="ctr"/>
+            <a:endParaRPr b="0" lang="en-IN" sz="4400" spc="-1" strike="noStrike">
+              <a:latin typeface="Arial"/>
+            </a:endParaRPr>
+          </a:p>
+        </p:txBody>
+      </p:sp>
+      <p:sp>
+        <p:nvSpPr>
+          <p:cNvPr id="103" name="PlaceHolder 2"/>
           <p:cNvSpPr>
             <a:spLocks noGrp="1"/>
           </p:cNvSpPr>
@@ -8126,18 +7945,15 @@
             <a:normAutofit/>
           </a:bodyPr>
           <a:p>
-            <a:endParaRPr b="0" lang="en-US" sz="2800" spc="-1" strike="noStrike">
-              <a:solidFill>
-                <a:srgbClr val="000000"/>
-              </a:solidFill>
-              <a:latin typeface="Calibri"/>
-            </a:endParaRPr>
-          </a:p>
-        </p:txBody>
-      </p:sp>
-      <p:sp>
-        <p:nvSpPr>
-          <p:cNvPr id="113" name="PlaceHolder 3"/>
+            <a:endParaRPr b="0" lang="en-IN" sz="3200" spc="-1" strike="noStrike">
+              <a:latin typeface="Arial"/>
+            </a:endParaRPr>
+          </a:p>
+        </p:txBody>
+      </p:sp>
+      <p:sp>
+        <p:nvSpPr>
+          <p:cNvPr id="104" name="PlaceHolder 3"/>
           <p:cNvSpPr>
             <a:spLocks noGrp="1"/>
           </p:cNvSpPr>
@@ -8159,18 +7975,15 @@
             <a:normAutofit/>
           </a:bodyPr>
           <a:p>
-            <a:endParaRPr b="0" lang="en-US" sz="2800" spc="-1" strike="noStrike">
-              <a:solidFill>
-                <a:srgbClr val="000000"/>
-              </a:solidFill>
-              <a:latin typeface="Calibri"/>
-            </a:endParaRPr>
-          </a:p>
-        </p:txBody>
-      </p:sp>
-      <p:sp>
-        <p:nvSpPr>
-          <p:cNvPr id="114" name="PlaceHolder 4"/>
+            <a:endParaRPr b="0" lang="en-IN" sz="3200" spc="-1" strike="noStrike">
+              <a:latin typeface="Arial"/>
+            </a:endParaRPr>
+          </a:p>
+        </p:txBody>
+      </p:sp>
+      <p:sp>
+        <p:nvSpPr>
+          <p:cNvPr id="105" name="PlaceHolder 4"/>
           <p:cNvSpPr>
             <a:spLocks noGrp="1"/>
           </p:cNvSpPr>
@@ -8192,18 +8005,15 @@
             <a:normAutofit/>
           </a:bodyPr>
           <a:p>
-            <a:endParaRPr b="0" lang="en-US" sz="2800" spc="-1" strike="noStrike">
-              <a:solidFill>
-                <a:srgbClr val="000000"/>
-              </a:solidFill>
-              <a:latin typeface="Calibri"/>
-            </a:endParaRPr>
-          </a:p>
-        </p:txBody>
-      </p:sp>
-      <p:sp>
-        <p:nvSpPr>
-          <p:cNvPr id="115" name="PlaceHolder 5"/>
+            <a:endParaRPr b="0" lang="en-IN" sz="3200" spc="-1" strike="noStrike">
+              <a:latin typeface="Arial"/>
+            </a:endParaRPr>
+          </a:p>
+        </p:txBody>
+      </p:sp>
+      <p:sp>
+        <p:nvSpPr>
+          <p:cNvPr id="106" name="PlaceHolder 5"/>
           <p:cNvSpPr>
             <a:spLocks noGrp="1"/>
           </p:cNvSpPr>
@@ -8225,11 +8035,8 @@
             <a:normAutofit/>
           </a:bodyPr>
           <a:p>
-            <a:endParaRPr b="0" lang="en-US" sz="2800" spc="-1" strike="noStrike">
-              <a:solidFill>
-                <a:srgbClr val="000000"/>
-              </a:solidFill>
-              <a:latin typeface="Calibri"/>
+            <a:endParaRPr b="0" lang="en-IN" sz="3200" spc="-1" strike="noStrike">
+              <a:latin typeface="Arial"/>
             </a:endParaRPr>
           </a:p>
         </p:txBody>
@@ -8258,7 +8065,7 @@
       </p:grpSpPr>
       <p:sp>
         <p:nvSpPr>
-          <p:cNvPr id="116" name="PlaceHolder 1"/>
+          <p:cNvPr id="107" name="PlaceHolder 1"/>
           <p:cNvSpPr>
             <a:spLocks noGrp="1"/>
           </p:cNvSpPr>
@@ -8280,18 +8087,16 @@
             <a:noAutofit/>
           </a:bodyPr>
           <a:p>
-            <a:endParaRPr b="0" lang="en-US" sz="1800" spc="-1" strike="noStrike">
-              <a:solidFill>
-                <a:srgbClr val="000000"/>
-              </a:solidFill>
-              <a:latin typeface="Calibri"/>
-            </a:endParaRPr>
-          </a:p>
-        </p:txBody>
-      </p:sp>
-      <p:sp>
-        <p:nvSpPr>
-          <p:cNvPr id="117" name="PlaceHolder 2"/>
+            <a:pPr algn="ctr"/>
+            <a:endParaRPr b="0" lang="en-IN" sz="4400" spc="-1" strike="noStrike">
+              <a:latin typeface="Arial"/>
+            </a:endParaRPr>
+          </a:p>
+        </p:txBody>
+      </p:sp>
+      <p:sp>
+        <p:nvSpPr>
+          <p:cNvPr id="108" name="PlaceHolder 2"/>
           <p:cNvSpPr>
             <a:spLocks noGrp="1"/>
           </p:cNvSpPr>
@@ -8313,18 +8118,15 @@
             <a:normAutofit/>
           </a:bodyPr>
           <a:p>
-            <a:endParaRPr b="0" lang="en-US" sz="2800" spc="-1" strike="noStrike">
-              <a:solidFill>
-                <a:srgbClr val="000000"/>
-              </a:solidFill>
-              <a:latin typeface="Calibri"/>
-            </a:endParaRPr>
-          </a:p>
-        </p:txBody>
-      </p:sp>
-      <p:sp>
-        <p:nvSpPr>
-          <p:cNvPr id="118" name="PlaceHolder 3"/>
+            <a:endParaRPr b="0" lang="en-IN" sz="3200" spc="-1" strike="noStrike">
+              <a:latin typeface="Arial"/>
+            </a:endParaRPr>
+          </a:p>
+        </p:txBody>
+      </p:sp>
+      <p:sp>
+        <p:nvSpPr>
+          <p:cNvPr id="109" name="PlaceHolder 3"/>
           <p:cNvSpPr>
             <a:spLocks noGrp="1"/>
           </p:cNvSpPr>
@@ -8346,18 +8148,15 @@
             <a:normAutofit/>
           </a:bodyPr>
           <a:p>
-            <a:endParaRPr b="0" lang="en-US" sz="2800" spc="-1" strike="noStrike">
-              <a:solidFill>
-                <a:srgbClr val="000000"/>
-              </a:solidFill>
-              <a:latin typeface="Calibri"/>
-            </a:endParaRPr>
-          </a:p>
-        </p:txBody>
-      </p:sp>
-      <p:sp>
-        <p:nvSpPr>
-          <p:cNvPr id="119" name="PlaceHolder 4"/>
+            <a:endParaRPr b="0" lang="en-IN" sz="3200" spc="-1" strike="noStrike">
+              <a:latin typeface="Arial"/>
+            </a:endParaRPr>
+          </a:p>
+        </p:txBody>
+      </p:sp>
+      <p:sp>
+        <p:nvSpPr>
+          <p:cNvPr id="110" name="PlaceHolder 4"/>
           <p:cNvSpPr>
             <a:spLocks noGrp="1"/>
           </p:cNvSpPr>
@@ -8379,18 +8178,15 @@
             <a:normAutofit/>
           </a:bodyPr>
           <a:p>
-            <a:endParaRPr b="0" lang="en-US" sz="2800" spc="-1" strike="noStrike">
-              <a:solidFill>
-                <a:srgbClr val="000000"/>
-              </a:solidFill>
-              <a:latin typeface="Calibri"/>
-            </a:endParaRPr>
-          </a:p>
-        </p:txBody>
-      </p:sp>
-      <p:sp>
-        <p:nvSpPr>
-          <p:cNvPr id="120" name="PlaceHolder 5"/>
+            <a:endParaRPr b="0" lang="en-IN" sz="3200" spc="-1" strike="noStrike">
+              <a:latin typeface="Arial"/>
+            </a:endParaRPr>
+          </a:p>
+        </p:txBody>
+      </p:sp>
+      <p:sp>
+        <p:nvSpPr>
+          <p:cNvPr id="111" name="PlaceHolder 5"/>
           <p:cNvSpPr>
             <a:spLocks noGrp="1"/>
           </p:cNvSpPr>
@@ -8412,18 +8208,15 @@
             <a:normAutofit/>
           </a:bodyPr>
           <a:p>
-            <a:endParaRPr b="0" lang="en-US" sz="2800" spc="-1" strike="noStrike">
-              <a:solidFill>
-                <a:srgbClr val="000000"/>
-              </a:solidFill>
-              <a:latin typeface="Calibri"/>
-            </a:endParaRPr>
-          </a:p>
-        </p:txBody>
-      </p:sp>
-      <p:sp>
-        <p:nvSpPr>
-          <p:cNvPr id="121" name="PlaceHolder 6"/>
+            <a:endParaRPr b="0" lang="en-IN" sz="3200" spc="-1" strike="noStrike">
+              <a:latin typeface="Arial"/>
+            </a:endParaRPr>
+          </a:p>
+        </p:txBody>
+      </p:sp>
+      <p:sp>
+        <p:nvSpPr>
+          <p:cNvPr id="112" name="PlaceHolder 6"/>
           <p:cNvSpPr>
             <a:spLocks noGrp="1"/>
           </p:cNvSpPr>
@@ -8445,18 +8238,15 @@
             <a:normAutofit/>
           </a:bodyPr>
           <a:p>
-            <a:endParaRPr b="0" lang="en-US" sz="2800" spc="-1" strike="noStrike">
-              <a:solidFill>
-                <a:srgbClr val="000000"/>
-              </a:solidFill>
-              <a:latin typeface="Calibri"/>
-            </a:endParaRPr>
-          </a:p>
-        </p:txBody>
-      </p:sp>
-      <p:sp>
-        <p:nvSpPr>
-          <p:cNvPr id="122" name="PlaceHolder 7"/>
+            <a:endParaRPr b="0" lang="en-IN" sz="3200" spc="-1" strike="noStrike">
+              <a:latin typeface="Arial"/>
+            </a:endParaRPr>
+          </a:p>
+        </p:txBody>
+      </p:sp>
+      <p:sp>
+        <p:nvSpPr>
+          <p:cNvPr id="113" name="PlaceHolder 7"/>
           <p:cNvSpPr>
             <a:spLocks noGrp="1"/>
           </p:cNvSpPr>
@@ -8478,11 +8268,8 @@
             <a:normAutofit/>
           </a:bodyPr>
           <a:p>
-            <a:endParaRPr b="0" lang="en-US" sz="2800" spc="-1" strike="noStrike">
-              <a:solidFill>
-                <a:srgbClr val="000000"/>
-              </a:solidFill>
-              <a:latin typeface="Calibri"/>
+            <a:endParaRPr b="0" lang="en-IN" sz="3200" spc="-1" strike="noStrike">
+              <a:latin typeface="Arial"/>
             </a:endParaRPr>
           </a:p>
         </p:txBody>
@@ -8511,7 +8298,7 @@
       </p:grpSpPr>
       <p:sp>
         <p:nvSpPr>
-          <p:cNvPr id="9" name="PlaceHolder 1"/>
+          <p:cNvPr id="6" name="PlaceHolder 1"/>
           <p:cNvSpPr>
             <a:spLocks noGrp="1"/>
           </p:cNvSpPr>
@@ -8533,18 +8320,16 @@
             <a:noAutofit/>
           </a:bodyPr>
           <a:p>
-            <a:endParaRPr b="0" lang="en-US" sz="1800" spc="-1" strike="noStrike">
-              <a:solidFill>
-                <a:srgbClr val="000000"/>
-              </a:solidFill>
-              <a:latin typeface="Calibri"/>
-            </a:endParaRPr>
-          </a:p>
-        </p:txBody>
-      </p:sp>
-      <p:sp>
-        <p:nvSpPr>
-          <p:cNvPr id="10" name="PlaceHolder 2"/>
+            <a:pPr algn="ctr"/>
+            <a:endParaRPr b="0" lang="en-IN" sz="4400" spc="-1" strike="noStrike">
+              <a:latin typeface="Arial"/>
+            </a:endParaRPr>
+          </a:p>
+        </p:txBody>
+      </p:sp>
+      <p:sp>
+        <p:nvSpPr>
+          <p:cNvPr id="7" name="PlaceHolder 2"/>
           <p:cNvSpPr>
             <a:spLocks noGrp="1"/>
           </p:cNvSpPr>
@@ -8566,18 +8351,15 @@
             <a:normAutofit/>
           </a:bodyPr>
           <a:p>
-            <a:endParaRPr b="0" lang="en-US" sz="2800" spc="-1" strike="noStrike">
-              <a:solidFill>
-                <a:srgbClr val="000000"/>
-              </a:solidFill>
-              <a:latin typeface="Calibri"/>
-            </a:endParaRPr>
-          </a:p>
-        </p:txBody>
-      </p:sp>
-      <p:sp>
-        <p:nvSpPr>
-          <p:cNvPr id="11" name="PlaceHolder 3"/>
+            <a:endParaRPr b="0" lang="en-IN" sz="3200" spc="-1" strike="noStrike">
+              <a:latin typeface="Arial"/>
+            </a:endParaRPr>
+          </a:p>
+        </p:txBody>
+      </p:sp>
+      <p:sp>
+        <p:nvSpPr>
+          <p:cNvPr id="8" name="PlaceHolder 3"/>
           <p:cNvSpPr>
             <a:spLocks noGrp="1"/>
           </p:cNvSpPr>
@@ -8599,11 +8381,8 @@
             <a:normAutofit/>
           </a:bodyPr>
           <a:p>
-            <a:endParaRPr b="0" lang="en-US" sz="2800" spc="-1" strike="noStrike">
-              <a:solidFill>
-                <a:srgbClr val="000000"/>
-              </a:solidFill>
-              <a:latin typeface="Calibri"/>
+            <a:endParaRPr b="0" lang="en-IN" sz="3200" spc="-1" strike="noStrike">
+              <a:latin typeface="Arial"/>
             </a:endParaRPr>
           </a:p>
         </p:txBody>
@@ -8632,7 +8411,7 @@
       </p:grpSpPr>
       <p:sp>
         <p:nvSpPr>
-          <p:cNvPr id="12" name="PlaceHolder 1"/>
+          <p:cNvPr id="9" name="PlaceHolder 1"/>
           <p:cNvSpPr>
             <a:spLocks noGrp="1"/>
           </p:cNvSpPr>
@@ -8654,11 +8433,9 @@
             <a:noAutofit/>
           </a:bodyPr>
           <a:p>
-            <a:endParaRPr b="0" lang="en-US" sz="1800" spc="-1" strike="noStrike">
-              <a:solidFill>
-                <a:srgbClr val="000000"/>
-              </a:solidFill>
-              <a:latin typeface="Calibri"/>
+            <a:pPr algn="ctr"/>
+            <a:endParaRPr b="0" lang="en-IN" sz="4400" spc="-1" strike="noStrike">
+              <a:latin typeface="Arial"/>
             </a:endParaRPr>
           </a:p>
         </p:txBody>
@@ -8687,7 +8464,7 @@
       </p:grpSpPr>
       <p:sp>
         <p:nvSpPr>
-          <p:cNvPr id="13" name="PlaceHolder 1"/>
+          <p:cNvPr id="10" name="PlaceHolder 1"/>
           <p:cNvSpPr>
             <a:spLocks noGrp="1"/>
           </p:cNvSpPr>
@@ -8740,7 +8517,7 @@
       </p:grpSpPr>
       <p:sp>
         <p:nvSpPr>
-          <p:cNvPr id="14" name="PlaceHolder 1"/>
+          <p:cNvPr id="11" name="PlaceHolder 1"/>
           <p:cNvSpPr>
             <a:spLocks noGrp="1"/>
           </p:cNvSpPr>
@@ -8762,18 +8539,16 @@
             <a:noAutofit/>
           </a:bodyPr>
           <a:p>
-            <a:endParaRPr b="0" lang="en-US" sz="1800" spc="-1" strike="noStrike">
-              <a:solidFill>
-                <a:srgbClr val="000000"/>
-              </a:solidFill>
-              <a:latin typeface="Calibri"/>
-            </a:endParaRPr>
-          </a:p>
-        </p:txBody>
-      </p:sp>
-      <p:sp>
-        <p:nvSpPr>
-          <p:cNvPr id="15" name="PlaceHolder 2"/>
+            <a:pPr algn="ctr"/>
+            <a:endParaRPr b="0" lang="en-IN" sz="4400" spc="-1" strike="noStrike">
+              <a:latin typeface="Arial"/>
+            </a:endParaRPr>
+          </a:p>
+        </p:txBody>
+      </p:sp>
+      <p:sp>
+        <p:nvSpPr>
+          <p:cNvPr id="12" name="PlaceHolder 2"/>
           <p:cNvSpPr>
             <a:spLocks noGrp="1"/>
           </p:cNvSpPr>
@@ -8795,18 +8570,15 @@
             <a:normAutofit/>
           </a:bodyPr>
           <a:p>
-            <a:endParaRPr b="0" lang="en-US" sz="2800" spc="-1" strike="noStrike">
-              <a:solidFill>
-                <a:srgbClr val="000000"/>
-              </a:solidFill>
-              <a:latin typeface="Calibri"/>
-            </a:endParaRPr>
-          </a:p>
-        </p:txBody>
-      </p:sp>
-      <p:sp>
-        <p:nvSpPr>
-          <p:cNvPr id="16" name="PlaceHolder 3"/>
+            <a:endParaRPr b="0" lang="en-IN" sz="3200" spc="-1" strike="noStrike">
+              <a:latin typeface="Arial"/>
+            </a:endParaRPr>
+          </a:p>
+        </p:txBody>
+      </p:sp>
+      <p:sp>
+        <p:nvSpPr>
+          <p:cNvPr id="13" name="PlaceHolder 3"/>
           <p:cNvSpPr>
             <a:spLocks noGrp="1"/>
           </p:cNvSpPr>
@@ -8828,18 +8600,15 @@
             <a:normAutofit/>
           </a:bodyPr>
           <a:p>
-            <a:endParaRPr b="0" lang="en-US" sz="2800" spc="-1" strike="noStrike">
-              <a:solidFill>
-                <a:srgbClr val="000000"/>
-              </a:solidFill>
-              <a:latin typeface="Calibri"/>
-            </a:endParaRPr>
-          </a:p>
-        </p:txBody>
-      </p:sp>
-      <p:sp>
-        <p:nvSpPr>
-          <p:cNvPr id="17" name="PlaceHolder 4"/>
+            <a:endParaRPr b="0" lang="en-IN" sz="3200" spc="-1" strike="noStrike">
+              <a:latin typeface="Arial"/>
+            </a:endParaRPr>
+          </a:p>
+        </p:txBody>
+      </p:sp>
+      <p:sp>
+        <p:nvSpPr>
+          <p:cNvPr id="14" name="PlaceHolder 4"/>
           <p:cNvSpPr>
             <a:spLocks noGrp="1"/>
           </p:cNvSpPr>
@@ -8861,11 +8630,8 @@
             <a:normAutofit/>
           </a:bodyPr>
           <a:p>
-            <a:endParaRPr b="0" lang="en-US" sz="2800" spc="-1" strike="noStrike">
-              <a:solidFill>
-                <a:srgbClr val="000000"/>
-              </a:solidFill>
-              <a:latin typeface="Calibri"/>
+            <a:endParaRPr b="0" lang="en-IN" sz="3200" spc="-1" strike="noStrike">
+              <a:latin typeface="Arial"/>
             </a:endParaRPr>
           </a:p>
         </p:txBody>
@@ -8894,7 +8660,7 @@
       </p:grpSpPr>
       <p:sp>
         <p:nvSpPr>
-          <p:cNvPr id="18" name="PlaceHolder 1"/>
+          <p:cNvPr id="15" name="PlaceHolder 1"/>
           <p:cNvSpPr>
             <a:spLocks noGrp="1"/>
           </p:cNvSpPr>
@@ -8916,18 +8682,16 @@
             <a:noAutofit/>
           </a:bodyPr>
           <a:p>
-            <a:endParaRPr b="0" lang="en-US" sz="1800" spc="-1" strike="noStrike">
-              <a:solidFill>
-                <a:srgbClr val="000000"/>
-              </a:solidFill>
-              <a:latin typeface="Calibri"/>
-            </a:endParaRPr>
-          </a:p>
-        </p:txBody>
-      </p:sp>
-      <p:sp>
-        <p:nvSpPr>
-          <p:cNvPr id="19" name="PlaceHolder 2"/>
+            <a:pPr algn="ctr"/>
+            <a:endParaRPr b="0" lang="en-IN" sz="4400" spc="-1" strike="noStrike">
+              <a:latin typeface="Arial"/>
+            </a:endParaRPr>
+          </a:p>
+        </p:txBody>
+      </p:sp>
+      <p:sp>
+        <p:nvSpPr>
+          <p:cNvPr id="16" name="PlaceHolder 2"/>
           <p:cNvSpPr>
             <a:spLocks noGrp="1"/>
           </p:cNvSpPr>
@@ -8949,18 +8713,15 @@
             <a:normAutofit/>
           </a:bodyPr>
           <a:p>
-            <a:endParaRPr b="0" lang="en-US" sz="2800" spc="-1" strike="noStrike">
-              <a:solidFill>
-                <a:srgbClr val="000000"/>
-              </a:solidFill>
-              <a:latin typeface="Calibri"/>
-            </a:endParaRPr>
-          </a:p>
-        </p:txBody>
-      </p:sp>
-      <p:sp>
-        <p:nvSpPr>
-          <p:cNvPr id="20" name="PlaceHolder 3"/>
+            <a:endParaRPr b="0" lang="en-IN" sz="3200" spc="-1" strike="noStrike">
+              <a:latin typeface="Arial"/>
+            </a:endParaRPr>
+          </a:p>
+        </p:txBody>
+      </p:sp>
+      <p:sp>
+        <p:nvSpPr>
+          <p:cNvPr id="17" name="PlaceHolder 3"/>
           <p:cNvSpPr>
             <a:spLocks noGrp="1"/>
           </p:cNvSpPr>
@@ -8982,18 +8743,15 @@
             <a:normAutofit/>
           </a:bodyPr>
           <a:p>
-            <a:endParaRPr b="0" lang="en-US" sz="2800" spc="-1" strike="noStrike">
-              <a:solidFill>
-                <a:srgbClr val="000000"/>
-              </a:solidFill>
-              <a:latin typeface="Calibri"/>
-            </a:endParaRPr>
-          </a:p>
-        </p:txBody>
-      </p:sp>
-      <p:sp>
-        <p:nvSpPr>
-          <p:cNvPr id="21" name="PlaceHolder 4"/>
+            <a:endParaRPr b="0" lang="en-IN" sz="3200" spc="-1" strike="noStrike">
+              <a:latin typeface="Arial"/>
+            </a:endParaRPr>
+          </a:p>
+        </p:txBody>
+      </p:sp>
+      <p:sp>
+        <p:nvSpPr>
+          <p:cNvPr id="18" name="PlaceHolder 4"/>
           <p:cNvSpPr>
             <a:spLocks noGrp="1"/>
           </p:cNvSpPr>
@@ -9015,11 +8773,8 @@
             <a:normAutofit/>
           </a:bodyPr>
           <a:p>
-            <a:endParaRPr b="0" lang="en-US" sz="2800" spc="-1" strike="noStrike">
-              <a:solidFill>
-                <a:srgbClr val="000000"/>
-              </a:solidFill>
-              <a:latin typeface="Calibri"/>
+            <a:endParaRPr b="0" lang="en-IN" sz="3200" spc="-1" strike="noStrike">
+              <a:latin typeface="Arial"/>
             </a:endParaRPr>
           </a:p>
         </p:txBody>
@@ -9048,7 +8803,7 @@
       </p:grpSpPr>
       <p:sp>
         <p:nvSpPr>
-          <p:cNvPr id="22" name="PlaceHolder 1"/>
+          <p:cNvPr id="19" name="PlaceHolder 1"/>
           <p:cNvSpPr>
             <a:spLocks noGrp="1"/>
           </p:cNvSpPr>
@@ -9070,18 +8825,16 @@
             <a:noAutofit/>
           </a:bodyPr>
           <a:p>
-            <a:endParaRPr b="0" lang="en-US" sz="1800" spc="-1" strike="noStrike">
-              <a:solidFill>
-                <a:srgbClr val="000000"/>
-              </a:solidFill>
-              <a:latin typeface="Calibri"/>
-            </a:endParaRPr>
-          </a:p>
-        </p:txBody>
-      </p:sp>
-      <p:sp>
-        <p:nvSpPr>
-          <p:cNvPr id="23" name="PlaceHolder 2"/>
+            <a:pPr algn="ctr"/>
+            <a:endParaRPr b="0" lang="en-IN" sz="4400" spc="-1" strike="noStrike">
+              <a:latin typeface="Arial"/>
+            </a:endParaRPr>
+          </a:p>
+        </p:txBody>
+      </p:sp>
+      <p:sp>
+        <p:nvSpPr>
+          <p:cNvPr id="20" name="PlaceHolder 2"/>
           <p:cNvSpPr>
             <a:spLocks noGrp="1"/>
           </p:cNvSpPr>
@@ -9103,18 +8856,15 @@
             <a:normAutofit/>
           </a:bodyPr>
           <a:p>
-            <a:endParaRPr b="0" lang="en-US" sz="2800" spc="-1" strike="noStrike">
-              <a:solidFill>
-                <a:srgbClr val="000000"/>
-              </a:solidFill>
-              <a:latin typeface="Calibri"/>
-            </a:endParaRPr>
-          </a:p>
-        </p:txBody>
-      </p:sp>
-      <p:sp>
-        <p:nvSpPr>
-          <p:cNvPr id="24" name="PlaceHolder 3"/>
+            <a:endParaRPr b="0" lang="en-IN" sz="3200" spc="-1" strike="noStrike">
+              <a:latin typeface="Arial"/>
+            </a:endParaRPr>
+          </a:p>
+        </p:txBody>
+      </p:sp>
+      <p:sp>
+        <p:nvSpPr>
+          <p:cNvPr id="21" name="PlaceHolder 3"/>
           <p:cNvSpPr>
             <a:spLocks noGrp="1"/>
           </p:cNvSpPr>
@@ -9136,18 +8886,15 @@
             <a:normAutofit/>
           </a:bodyPr>
           <a:p>
-            <a:endParaRPr b="0" lang="en-US" sz="2800" spc="-1" strike="noStrike">
-              <a:solidFill>
-                <a:srgbClr val="000000"/>
-              </a:solidFill>
-              <a:latin typeface="Calibri"/>
-            </a:endParaRPr>
-          </a:p>
-        </p:txBody>
-      </p:sp>
-      <p:sp>
-        <p:nvSpPr>
-          <p:cNvPr id="25" name="PlaceHolder 4"/>
+            <a:endParaRPr b="0" lang="en-IN" sz="3200" spc="-1" strike="noStrike">
+              <a:latin typeface="Arial"/>
+            </a:endParaRPr>
+          </a:p>
+        </p:txBody>
+      </p:sp>
+      <p:sp>
+        <p:nvSpPr>
+          <p:cNvPr id="22" name="PlaceHolder 4"/>
           <p:cNvSpPr>
             <a:spLocks noGrp="1"/>
           </p:cNvSpPr>
@@ -9169,11 +8916,8 @@
             <a:normAutofit/>
           </a:bodyPr>
           <a:p>
-            <a:endParaRPr b="0" lang="en-US" sz="2800" spc="-1" strike="noStrike">
-              <a:solidFill>
-                <a:srgbClr val="000000"/>
-              </a:solidFill>
-              <a:latin typeface="Calibri"/>
+            <a:endParaRPr b="0" lang="en-IN" sz="3200" spc="-1" strike="noStrike">
+              <a:latin typeface="Arial"/>
             </a:endParaRPr>
           </a:p>
         </p:txBody>
@@ -9219,37 +8963,27 @@
         </p:nvSpPr>
         <p:spPr>
           <a:xfrm>
-            <a:off x="1523880" y="1122480"/>
-            <a:ext cx="9143640" cy="2387160"/>
-          </a:xfrm>
-          <a:prstGeom prst="rect">
-            <a:avLst/>
-          </a:prstGeom>
-        </p:spPr>
-        <p:txBody>
-          <a:bodyPr anchor="b">
+            <a:off x="609480" y="273600"/>
+            <a:ext cx="10972440" cy="1144800"/>
+          </a:xfrm>
+          <a:prstGeom prst="rect">
+            <a:avLst/>
+          </a:prstGeom>
+        </p:spPr>
+        <p:txBody>
+          <a:bodyPr lIns="0" rIns="0" tIns="0" bIns="0" anchor="ctr">
             <a:noAutofit/>
           </a:bodyPr>
           <a:p>
-            <a:pPr algn="ctr">
-              <a:lnSpc>
-                <a:spcPct val="90000"/>
-              </a:lnSpc>
-            </a:pPr>
+            <a:pPr algn="ctr"/>
             <a:r>
-              <a:rPr b="0" lang="en-US" sz="6000" spc="-1" strike="noStrike">
-                <a:solidFill>
-                  <a:srgbClr val="000000"/>
-                </a:solidFill>
-                <a:latin typeface="Calibri Light"/>
+              <a:rPr b="0" lang="en-IN" sz="4400" spc="-1" strike="noStrike">
+                <a:latin typeface="Arial"/>
               </a:rPr>
-              <a:t>Click to edit Master title style</a:t>
+              <a:t>Click to edit the title text format</a:t>
             </a:r>
-            <a:endParaRPr b="0" lang="en-US" sz="6000" spc="-1" strike="noStrike">
-              <a:solidFill>
-                <a:srgbClr val="000000"/>
-              </a:solidFill>
-              <a:latin typeface="Calibri"/>
+            <a:endParaRPr b="0" lang="en-IN" sz="4400" spc="-1" strike="noStrike">
+              <a:latin typeface="Arial"/>
             </a:endParaRPr>
           </a:p>
         </p:txBody>
@@ -9257,124 +8991,6 @@
       <p:sp>
         <p:nvSpPr>
           <p:cNvPr id="1" name="PlaceHolder 2"/>
-          <p:cNvSpPr>
-            <a:spLocks noGrp="1"/>
-          </p:cNvSpPr>
-          <p:nvPr>
-            <p:ph type="dt"/>
-          </p:nvPr>
-        </p:nvSpPr>
-        <p:spPr>
-          <a:xfrm>
-            <a:off x="838080" y="6356520"/>
-            <a:ext cx="2742840" cy="364680"/>
-          </a:xfrm>
-          <a:prstGeom prst="rect">
-            <a:avLst/>
-          </a:prstGeom>
-        </p:spPr>
-        <p:txBody>
-          <a:bodyPr anchor="ctr">
-            <a:noAutofit/>
-          </a:bodyPr>
-          <a:p>
-            <a:pPr>
-              <a:lnSpc>
-                <a:spcPct val="100000"/>
-              </a:lnSpc>
-            </a:pPr>
-            <a:fld id="{764167DF-D1F2-49FD-A76C-9800620E023A}" type="datetime">
-              <a:rPr b="0" lang="en-IN" sz="1200" spc="-1" strike="noStrike">
-                <a:solidFill>
-                  <a:srgbClr val="8b8b8b"/>
-                </a:solidFill>
-                <a:latin typeface="Calibri"/>
-              </a:rPr>
-              <a:t>23/07/22</a:t>
-            </a:fld>
-            <a:endParaRPr b="0" lang="en-IN" sz="1200" spc="-1" strike="noStrike">
-              <a:latin typeface="Times New Roman"/>
-            </a:endParaRPr>
-          </a:p>
-        </p:txBody>
-      </p:sp>
-      <p:sp>
-        <p:nvSpPr>
-          <p:cNvPr id="2" name="PlaceHolder 3"/>
-          <p:cNvSpPr>
-            <a:spLocks noGrp="1"/>
-          </p:cNvSpPr>
-          <p:nvPr>
-            <p:ph type="ftr"/>
-          </p:nvPr>
-        </p:nvSpPr>
-        <p:spPr>
-          <a:xfrm>
-            <a:off x="4038480" y="6356520"/>
-            <a:ext cx="4114440" cy="364680"/>
-          </a:xfrm>
-          <a:prstGeom prst="rect">
-            <a:avLst/>
-          </a:prstGeom>
-        </p:spPr>
-        <p:txBody>
-          <a:bodyPr anchor="ctr">
-            <a:noAutofit/>
-          </a:bodyPr>
-          <a:p>
-            <a:endParaRPr b="0" lang="en-IN" sz="2400" spc="-1" strike="noStrike">
-              <a:latin typeface="Times New Roman"/>
-            </a:endParaRPr>
-          </a:p>
-        </p:txBody>
-      </p:sp>
-      <p:sp>
-        <p:nvSpPr>
-          <p:cNvPr id="3" name="PlaceHolder 4"/>
-          <p:cNvSpPr>
-            <a:spLocks noGrp="1"/>
-          </p:cNvSpPr>
-          <p:nvPr>
-            <p:ph type="sldNum"/>
-          </p:nvPr>
-        </p:nvSpPr>
-        <p:spPr>
-          <a:xfrm>
-            <a:off x="8610480" y="6356520"/>
-            <a:ext cx="2742840" cy="364680"/>
-          </a:xfrm>
-          <a:prstGeom prst="rect">
-            <a:avLst/>
-          </a:prstGeom>
-        </p:spPr>
-        <p:txBody>
-          <a:bodyPr anchor="ctr">
-            <a:noAutofit/>
-          </a:bodyPr>
-          <a:p>
-            <a:pPr algn="r">
-              <a:lnSpc>
-                <a:spcPct val="100000"/>
-              </a:lnSpc>
-            </a:pPr>
-            <a:fld id="{EB9DF656-C488-43F0-B0AB-65888078E896}" type="slidenum">
-              <a:rPr b="0" lang="en-IN" sz="1200" spc="-1" strike="noStrike">
-                <a:solidFill>
-                  <a:srgbClr val="8b8b8b"/>
-                </a:solidFill>
-                <a:latin typeface="Calibri"/>
-              </a:rPr>
-              <a:t>&lt;number&gt;</a:t>
-            </a:fld>
-            <a:endParaRPr b="0" lang="en-IN" sz="1200" spc="-1" strike="noStrike">
-              <a:latin typeface="Times New Roman"/>
-            </a:endParaRPr>
-          </a:p>
-        </p:txBody>
-      </p:sp>
-      <p:sp>
-        <p:nvSpPr>
-          <p:cNvPr id="4" name="PlaceHolder 5"/>
           <p:cNvSpPr>
             <a:spLocks noGrp="1"/>
           </p:cNvSpPr>
@@ -9408,19 +9024,13 @@
               <a:buChar char=""/>
             </a:pPr>
             <a:r>
-              <a:rPr b="0" lang="en-US" sz="2800" spc="-1" strike="noStrike">
-                <a:solidFill>
-                  <a:srgbClr val="000000"/>
-                </a:solidFill>
-                <a:latin typeface="Calibri"/>
+              <a:rPr b="0" lang="en-IN" sz="3200" spc="-1" strike="noStrike">
+                <a:latin typeface="Arial"/>
               </a:rPr>
               <a:t>Click to edit the outline text format</a:t>
             </a:r>
-            <a:endParaRPr b="0" lang="en-US" sz="2800" spc="-1" strike="noStrike">
-              <a:solidFill>
-                <a:srgbClr val="000000"/>
-              </a:solidFill>
-              <a:latin typeface="Calibri"/>
+            <a:endParaRPr b="0" lang="en-IN" sz="3200" spc="-1" strike="noStrike">
+              <a:latin typeface="Arial"/>
             </a:endParaRPr>
           </a:p>
           <a:p>
@@ -9436,19 +9046,13 @@
               <a:buChar char=""/>
             </a:pPr>
             <a:r>
-              <a:rPr b="0" lang="en-US" sz="2000" spc="-1" strike="noStrike">
-                <a:solidFill>
-                  <a:srgbClr val="000000"/>
-                </a:solidFill>
-                <a:latin typeface="Calibri"/>
+              <a:rPr b="0" lang="en-IN" sz="2800" spc="-1" strike="noStrike">
+                <a:latin typeface="Arial"/>
               </a:rPr>
               <a:t>Second Outline Level</a:t>
             </a:r>
-            <a:endParaRPr b="0" lang="en-US" sz="2000" spc="-1" strike="noStrike">
-              <a:solidFill>
-                <a:srgbClr val="000000"/>
-              </a:solidFill>
-              <a:latin typeface="Calibri"/>
+            <a:endParaRPr b="0" lang="en-IN" sz="2800" spc="-1" strike="noStrike">
+              <a:latin typeface="Arial"/>
             </a:endParaRPr>
           </a:p>
           <a:p>
@@ -9464,19 +9068,13 @@
               <a:buChar char=""/>
             </a:pPr>
             <a:r>
-              <a:rPr b="0" lang="en-US" sz="1800" spc="-1" strike="noStrike">
-                <a:solidFill>
-                  <a:srgbClr val="000000"/>
-                </a:solidFill>
-                <a:latin typeface="Calibri"/>
+              <a:rPr b="0" lang="en-IN" sz="2400" spc="-1" strike="noStrike">
+                <a:latin typeface="Arial"/>
               </a:rPr>
               <a:t>Third Outline Level</a:t>
             </a:r>
-            <a:endParaRPr b="0" lang="en-US" sz="1800" spc="-1" strike="noStrike">
-              <a:solidFill>
-                <a:srgbClr val="000000"/>
-              </a:solidFill>
-              <a:latin typeface="Calibri"/>
+            <a:endParaRPr b="0" lang="en-IN" sz="2400" spc="-1" strike="noStrike">
+              <a:latin typeface="Arial"/>
             </a:endParaRPr>
           </a:p>
           <a:p>
@@ -9492,19 +9090,13 @@
               <a:buChar char=""/>
             </a:pPr>
             <a:r>
-              <a:rPr b="0" lang="en-US" sz="1800" spc="-1" strike="noStrike">
-                <a:solidFill>
-                  <a:srgbClr val="000000"/>
-                </a:solidFill>
-                <a:latin typeface="Calibri"/>
+              <a:rPr b="0" lang="en-IN" sz="2000" spc="-1" strike="noStrike">
+                <a:latin typeface="Arial"/>
               </a:rPr>
               <a:t>Fourth Outline Level</a:t>
             </a:r>
-            <a:endParaRPr b="0" lang="en-US" sz="1800" spc="-1" strike="noStrike">
-              <a:solidFill>
-                <a:srgbClr val="000000"/>
-              </a:solidFill>
-              <a:latin typeface="Calibri"/>
+            <a:endParaRPr b="0" lang="en-IN" sz="2000" spc="-1" strike="noStrike">
+              <a:latin typeface="Arial"/>
             </a:endParaRPr>
           </a:p>
           <a:p>
@@ -9520,19 +9112,13 @@
               <a:buChar char=""/>
             </a:pPr>
             <a:r>
-              <a:rPr b="0" lang="en-US" sz="2000" spc="-1" strike="noStrike">
-                <a:solidFill>
-                  <a:srgbClr val="000000"/>
-                </a:solidFill>
-                <a:latin typeface="Calibri"/>
+              <a:rPr b="0" lang="en-IN" sz="2000" spc="-1" strike="noStrike">
+                <a:latin typeface="Arial"/>
               </a:rPr>
               <a:t>Fifth Outline Level</a:t>
             </a:r>
-            <a:endParaRPr b="0" lang="en-US" sz="2000" spc="-1" strike="noStrike">
-              <a:solidFill>
-                <a:srgbClr val="000000"/>
-              </a:solidFill>
-              <a:latin typeface="Calibri"/>
+            <a:endParaRPr b="0" lang="en-IN" sz="2000" spc="-1" strike="noStrike">
+              <a:latin typeface="Arial"/>
             </a:endParaRPr>
           </a:p>
           <a:p>
@@ -9548,19 +9134,13 @@
               <a:buChar char=""/>
             </a:pPr>
             <a:r>
-              <a:rPr b="0" lang="en-US" sz="2000" spc="-1" strike="noStrike">
-                <a:solidFill>
-                  <a:srgbClr val="000000"/>
-                </a:solidFill>
-                <a:latin typeface="Calibri"/>
+              <a:rPr b="0" lang="en-IN" sz="2000" spc="-1" strike="noStrike">
+                <a:latin typeface="Arial"/>
               </a:rPr>
               <a:t>Sixth Outline Level</a:t>
             </a:r>
-            <a:endParaRPr b="0" lang="en-US" sz="2000" spc="-1" strike="noStrike">
-              <a:solidFill>
-                <a:srgbClr val="000000"/>
-              </a:solidFill>
-              <a:latin typeface="Calibri"/>
+            <a:endParaRPr b="0" lang="en-IN" sz="2000" spc="-1" strike="noStrike">
+              <a:latin typeface="Arial"/>
             </a:endParaRPr>
           </a:p>
           <a:p>
@@ -9576,19 +9156,13 @@
               <a:buChar char=""/>
             </a:pPr>
             <a:r>
-              <a:rPr b="0" lang="en-US" sz="2000" spc="-1" strike="noStrike">
-                <a:solidFill>
-                  <a:srgbClr val="000000"/>
-                </a:solidFill>
-                <a:latin typeface="Calibri"/>
+              <a:rPr b="0" lang="en-IN" sz="2000" spc="-1" strike="noStrike">
+                <a:latin typeface="Arial"/>
               </a:rPr>
               <a:t>Seventh Outline Level</a:t>
             </a:r>
-            <a:endParaRPr b="0" lang="en-US" sz="2000" spc="-1" strike="noStrike">
-              <a:solidFill>
-                <a:srgbClr val="000000"/>
-              </a:solidFill>
-              <a:latin typeface="Calibri"/>
+            <a:endParaRPr b="0" lang="en-IN" sz="2000" spc="-1" strike="noStrike">
+              <a:latin typeface="Arial"/>
             </a:endParaRPr>
           </a:p>
         </p:txBody>
@@ -9639,7 +9213,7 @@
       </p:grpSpPr>
       <p:sp>
         <p:nvSpPr>
-          <p:cNvPr id="41" name="PlaceHolder 1"/>
+          <p:cNvPr id="38" name="PlaceHolder 1"/>
           <p:cNvSpPr>
             <a:spLocks noGrp="1"/>
           </p:cNvSpPr>
@@ -9649,44 +9223,34 @@
         </p:nvSpPr>
         <p:spPr>
           <a:xfrm>
-            <a:off x="838080" y="365040"/>
-            <a:ext cx="10515240" cy="1325160"/>
-          </a:xfrm>
-          <a:prstGeom prst="rect">
-            <a:avLst/>
-          </a:prstGeom>
-        </p:spPr>
-        <p:txBody>
-          <a:bodyPr anchor="ctr">
+            <a:off x="609480" y="273600"/>
+            <a:ext cx="10972440" cy="1144800"/>
+          </a:xfrm>
+          <a:prstGeom prst="rect">
+            <a:avLst/>
+          </a:prstGeom>
+        </p:spPr>
+        <p:txBody>
+          <a:bodyPr lIns="0" rIns="0" tIns="0" bIns="0" anchor="ctr">
             <a:noAutofit/>
           </a:bodyPr>
           <a:p>
-            <a:pPr>
-              <a:lnSpc>
-                <a:spcPct val="90000"/>
-              </a:lnSpc>
-            </a:pPr>
+            <a:pPr algn="ctr"/>
             <a:r>
-              <a:rPr b="0" lang="en-US" sz="4400" spc="-1" strike="noStrike">
-                <a:solidFill>
-                  <a:srgbClr val="000000"/>
-                </a:solidFill>
-                <a:latin typeface="Calibri Light"/>
+              <a:rPr b="0" lang="en-IN" sz="4400" spc="-1" strike="noStrike">
+                <a:latin typeface="Arial"/>
               </a:rPr>
-              <a:t>Click to edit Master title style</a:t>
+              <a:t>Click to edit the title text format</a:t>
             </a:r>
-            <a:endParaRPr b="0" lang="en-US" sz="4400" spc="-1" strike="noStrike">
-              <a:solidFill>
-                <a:srgbClr val="000000"/>
-              </a:solidFill>
-              <a:latin typeface="Calibri"/>
-            </a:endParaRPr>
-          </a:p>
-        </p:txBody>
-      </p:sp>
-      <p:sp>
-        <p:nvSpPr>
-          <p:cNvPr id="42" name="PlaceHolder 2"/>
+            <a:endParaRPr b="0" lang="en-IN" sz="4400" spc="-1" strike="noStrike">
+              <a:latin typeface="Arial"/>
+            </a:endParaRPr>
+          </a:p>
+        </p:txBody>
+      </p:sp>
+      <p:sp>
+        <p:nvSpPr>
+          <p:cNvPr id="39" name="PlaceHolder 2"/>
           <p:cNvSpPr>
             <a:spLocks noGrp="1"/>
           </p:cNvSpPr>
@@ -9696,283 +9260,169 @@
         </p:nvSpPr>
         <p:spPr>
           <a:xfrm>
-            <a:off x="838080" y="1825560"/>
-            <a:ext cx="10515240" cy="4350960"/>
-          </a:xfrm>
-          <a:prstGeom prst="rect">
-            <a:avLst/>
-          </a:prstGeom>
-        </p:spPr>
-        <p:txBody>
-          <a:bodyPr>
-            <a:noAutofit/>
-          </a:bodyPr>
-          <a:p>
-            <a:pPr marL="228600" indent="-228240">
-              <a:lnSpc>
-                <a:spcPct val="90000"/>
-              </a:lnSpc>
+            <a:off x="609480" y="1604520"/>
+            <a:ext cx="10972440" cy="3977280"/>
+          </a:xfrm>
+          <a:prstGeom prst="rect">
+            <a:avLst/>
+          </a:prstGeom>
+        </p:spPr>
+        <p:txBody>
+          <a:bodyPr lIns="0" rIns="0" tIns="0" bIns="0">
+            <a:normAutofit/>
+          </a:bodyPr>
+          <a:p>
+            <a:pPr marL="432000" indent="-324000">
               <a:spcBef>
-                <a:spcPts val="1001"/>
+                <a:spcPts val="1417"/>
               </a:spcBef>
               <a:buClr>
                 <a:srgbClr val="000000"/>
               </a:buClr>
-              <a:buFont typeface="Arial"/>
-              <a:buChar char="•"/>
+              <a:buSzPct val="45000"/>
+              <a:buFont typeface="Wingdings" charset="2"/>
+              <a:buChar char=""/>
             </a:pPr>
             <a:r>
-              <a:rPr b="0" lang="en-US" sz="2800" spc="-1" strike="noStrike">
-                <a:solidFill>
-                  <a:srgbClr val="000000"/>
-                </a:solidFill>
-                <a:latin typeface="Calibri"/>
+              <a:rPr b="0" lang="en-IN" sz="3200" spc="-1" strike="noStrike">
+                <a:latin typeface="Arial"/>
               </a:rPr>
-              <a:t>Click to edit Master text styles</a:t>
+              <a:t>Click to edit the outline text format</a:t>
             </a:r>
-            <a:endParaRPr b="0" lang="en-US" sz="2800" spc="-1" strike="noStrike">
-              <a:solidFill>
-                <a:srgbClr val="000000"/>
-              </a:solidFill>
-              <a:latin typeface="Calibri"/>
-            </a:endParaRPr>
-          </a:p>
-          <a:p>
-            <a:pPr lvl="1" marL="685800" indent="-228240">
-              <a:lnSpc>
-                <a:spcPct val="90000"/>
-              </a:lnSpc>
+            <a:endParaRPr b="0" lang="en-IN" sz="3200" spc="-1" strike="noStrike">
+              <a:latin typeface="Arial"/>
+            </a:endParaRPr>
+          </a:p>
+          <a:p>
+            <a:pPr lvl="1" marL="864000" indent="-324000">
               <a:spcBef>
-                <a:spcPts val="499"/>
+                <a:spcPts val="1134"/>
               </a:spcBef>
               <a:buClr>
                 <a:srgbClr val="000000"/>
               </a:buClr>
-              <a:buFont typeface="Arial"/>
-              <a:buChar char="•"/>
+              <a:buSzPct val="75000"/>
+              <a:buFont typeface="Symbol" charset="2"/>
+              <a:buChar char=""/>
             </a:pPr>
             <a:r>
-              <a:rPr b="0" lang="en-US" sz="2400" spc="-1" strike="noStrike">
-                <a:solidFill>
-                  <a:srgbClr val="000000"/>
-                </a:solidFill>
-                <a:latin typeface="Calibri"/>
+              <a:rPr b="0" lang="en-IN" sz="2800" spc="-1" strike="noStrike">
+                <a:latin typeface="Arial"/>
               </a:rPr>
-              <a:t>Second level</a:t>
+              <a:t>Second Outline Level</a:t>
             </a:r>
-            <a:endParaRPr b="0" lang="en-US" sz="2400" spc="-1" strike="noStrike">
-              <a:solidFill>
-                <a:srgbClr val="000000"/>
-              </a:solidFill>
-              <a:latin typeface="Calibri"/>
-            </a:endParaRPr>
-          </a:p>
-          <a:p>
-            <a:pPr lvl="2" marL="1143000" indent="-228240">
-              <a:lnSpc>
-                <a:spcPct val="90000"/>
-              </a:lnSpc>
+            <a:endParaRPr b="0" lang="en-IN" sz="2800" spc="-1" strike="noStrike">
+              <a:latin typeface="Arial"/>
+            </a:endParaRPr>
+          </a:p>
+          <a:p>
+            <a:pPr lvl="2" marL="1296000" indent="-288000">
               <a:spcBef>
-                <a:spcPts val="499"/>
+                <a:spcPts val="850"/>
               </a:spcBef>
               <a:buClr>
                 <a:srgbClr val="000000"/>
               </a:buClr>
-              <a:buFont typeface="Arial"/>
-              <a:buChar char="•"/>
+              <a:buSzPct val="45000"/>
+              <a:buFont typeface="Wingdings" charset="2"/>
+              <a:buChar char=""/>
             </a:pPr>
             <a:r>
-              <a:rPr b="0" lang="en-US" sz="2000" spc="-1" strike="noStrike">
-                <a:solidFill>
-                  <a:srgbClr val="000000"/>
-                </a:solidFill>
-                <a:latin typeface="Calibri"/>
+              <a:rPr b="0" lang="en-IN" sz="2400" spc="-1" strike="noStrike">
+                <a:latin typeface="Arial"/>
               </a:rPr>
-              <a:t>Third level</a:t>
+              <a:t>Third Outline Level</a:t>
             </a:r>
-            <a:endParaRPr b="0" lang="en-US" sz="2000" spc="-1" strike="noStrike">
-              <a:solidFill>
-                <a:srgbClr val="000000"/>
-              </a:solidFill>
-              <a:latin typeface="Calibri"/>
-            </a:endParaRPr>
-          </a:p>
-          <a:p>
-            <a:pPr lvl="3" marL="1600200" indent="-228240">
-              <a:lnSpc>
-                <a:spcPct val="90000"/>
-              </a:lnSpc>
+            <a:endParaRPr b="0" lang="en-IN" sz="2400" spc="-1" strike="noStrike">
+              <a:latin typeface="Arial"/>
+            </a:endParaRPr>
+          </a:p>
+          <a:p>
+            <a:pPr lvl="3" marL="1728000" indent="-216000">
               <a:spcBef>
-                <a:spcPts val="499"/>
+                <a:spcPts val="567"/>
               </a:spcBef>
               <a:buClr>
                 <a:srgbClr val="000000"/>
               </a:buClr>
-              <a:buFont typeface="Arial"/>
-              <a:buChar char="•"/>
+              <a:buSzPct val="75000"/>
+              <a:buFont typeface="Symbol" charset="2"/>
+              <a:buChar char=""/>
             </a:pPr>
             <a:r>
-              <a:rPr b="0" lang="en-US" sz="1800" spc="-1" strike="noStrike">
-                <a:solidFill>
-                  <a:srgbClr val="000000"/>
-                </a:solidFill>
-                <a:latin typeface="Calibri"/>
+              <a:rPr b="0" lang="en-IN" sz="2000" spc="-1" strike="noStrike">
+                <a:latin typeface="Arial"/>
               </a:rPr>
-              <a:t>Fourth level</a:t>
+              <a:t>Fourth Outline Level</a:t>
             </a:r>
-            <a:endParaRPr b="0" lang="en-US" sz="1800" spc="-1" strike="noStrike">
-              <a:solidFill>
-                <a:srgbClr val="000000"/>
-              </a:solidFill>
-              <a:latin typeface="Calibri"/>
-            </a:endParaRPr>
-          </a:p>
-          <a:p>
-            <a:pPr lvl="4" marL="2057400" indent="-228240">
-              <a:lnSpc>
-                <a:spcPct val="90000"/>
-              </a:lnSpc>
+            <a:endParaRPr b="0" lang="en-IN" sz="2000" spc="-1" strike="noStrike">
+              <a:latin typeface="Arial"/>
+            </a:endParaRPr>
+          </a:p>
+          <a:p>
+            <a:pPr lvl="4" marL="2160000" indent="-216000">
               <a:spcBef>
-                <a:spcPts val="499"/>
+                <a:spcPts val="283"/>
               </a:spcBef>
               <a:buClr>
                 <a:srgbClr val="000000"/>
               </a:buClr>
-              <a:buFont typeface="Arial"/>
-              <a:buChar char="•"/>
+              <a:buSzPct val="45000"/>
+              <a:buFont typeface="Wingdings" charset="2"/>
+              <a:buChar char=""/>
             </a:pPr>
             <a:r>
-              <a:rPr b="0" lang="en-US" sz="1800" spc="-1" strike="noStrike">
-                <a:solidFill>
-                  <a:srgbClr val="000000"/>
-                </a:solidFill>
-                <a:latin typeface="Calibri"/>
+              <a:rPr b="0" lang="en-IN" sz="2000" spc="-1" strike="noStrike">
+                <a:latin typeface="Arial"/>
               </a:rPr>
-              <a:t>Fifth level</a:t>
+              <a:t>Fifth Outline Level</a:t>
             </a:r>
-            <a:endParaRPr b="0" lang="en-US" sz="1800" spc="-1" strike="noStrike">
-              <a:solidFill>
+            <a:endParaRPr b="0" lang="en-IN" sz="2000" spc="-1" strike="noStrike">
+              <a:latin typeface="Arial"/>
+            </a:endParaRPr>
+          </a:p>
+          <a:p>
+            <a:pPr lvl="5" marL="2592000" indent="-216000">
+              <a:spcBef>
+                <a:spcPts val="283"/>
+              </a:spcBef>
+              <a:buClr>
                 <a:srgbClr val="000000"/>
-              </a:solidFill>
-              <a:latin typeface="Calibri"/>
-            </a:endParaRPr>
-          </a:p>
-        </p:txBody>
-      </p:sp>
-      <p:sp>
-        <p:nvSpPr>
-          <p:cNvPr id="43" name="PlaceHolder 3"/>
-          <p:cNvSpPr>
-            <a:spLocks noGrp="1"/>
-          </p:cNvSpPr>
-          <p:nvPr>
-            <p:ph type="dt"/>
-          </p:nvPr>
-        </p:nvSpPr>
-        <p:spPr>
-          <a:xfrm>
-            <a:off x="838080" y="6356520"/>
-            <a:ext cx="2742840" cy="364680"/>
-          </a:xfrm>
-          <a:prstGeom prst="rect">
-            <a:avLst/>
-          </a:prstGeom>
-        </p:spPr>
-        <p:txBody>
-          <a:bodyPr anchor="ctr">
-            <a:noAutofit/>
-          </a:bodyPr>
-          <a:p>
-            <a:pPr>
-              <a:lnSpc>
-                <a:spcPct val="100000"/>
-              </a:lnSpc>
+              </a:buClr>
+              <a:buSzPct val="45000"/>
+              <a:buFont typeface="Wingdings" charset="2"/>
+              <a:buChar char=""/>
             </a:pPr>
-            <a:fld id="{6008DA69-728A-48C4-B083-F3CE342DDFB9}" type="datetime">
-              <a:rPr b="0" lang="en-IN" sz="1200" spc="-1" strike="noStrike">
-                <a:solidFill>
-                  <a:srgbClr val="8b8b8b"/>
-                </a:solidFill>
-                <a:latin typeface="Calibri"/>
+            <a:r>
+              <a:rPr b="0" lang="en-IN" sz="2000" spc="-1" strike="noStrike">
+                <a:latin typeface="Arial"/>
               </a:rPr>
-              <a:t>23/07/22</a:t>
-            </a:fld>
-            <a:endParaRPr b="0" lang="en-IN" sz="1200" spc="-1" strike="noStrike">
-              <a:latin typeface="Times New Roman"/>
-            </a:endParaRPr>
-          </a:p>
-        </p:txBody>
-      </p:sp>
-      <p:sp>
-        <p:nvSpPr>
-          <p:cNvPr id="44" name="PlaceHolder 4"/>
-          <p:cNvSpPr>
-            <a:spLocks noGrp="1"/>
-          </p:cNvSpPr>
-          <p:nvPr>
-            <p:ph type="ftr"/>
-          </p:nvPr>
-        </p:nvSpPr>
-        <p:spPr>
-          <a:xfrm>
-            <a:off x="4038480" y="6356520"/>
-            <a:ext cx="4114440" cy="364680"/>
-          </a:xfrm>
-          <a:prstGeom prst="rect">
-            <a:avLst/>
-          </a:prstGeom>
-        </p:spPr>
-        <p:txBody>
-          <a:bodyPr anchor="ctr">
-            <a:noAutofit/>
-          </a:bodyPr>
-          <a:p>
-            <a:endParaRPr b="0" lang="en-IN" sz="2400" spc="-1" strike="noStrike">
-              <a:latin typeface="Times New Roman"/>
-            </a:endParaRPr>
-          </a:p>
-        </p:txBody>
-      </p:sp>
-      <p:sp>
-        <p:nvSpPr>
-          <p:cNvPr id="45" name="PlaceHolder 5"/>
-          <p:cNvSpPr>
-            <a:spLocks noGrp="1"/>
-          </p:cNvSpPr>
-          <p:nvPr>
-            <p:ph type="sldNum"/>
-          </p:nvPr>
-        </p:nvSpPr>
-        <p:spPr>
-          <a:xfrm>
-            <a:off x="8610480" y="6356520"/>
-            <a:ext cx="2742840" cy="364680"/>
-          </a:xfrm>
-          <a:prstGeom prst="rect">
-            <a:avLst/>
-          </a:prstGeom>
-        </p:spPr>
-        <p:txBody>
-          <a:bodyPr anchor="ctr">
-            <a:noAutofit/>
-          </a:bodyPr>
-          <a:p>
-            <a:pPr algn="r">
-              <a:lnSpc>
-                <a:spcPct val="100000"/>
-              </a:lnSpc>
+              <a:t>Sixth Outline Level</a:t>
+            </a:r>
+            <a:endParaRPr b="0" lang="en-IN" sz="2000" spc="-1" strike="noStrike">
+              <a:latin typeface="Arial"/>
+            </a:endParaRPr>
+          </a:p>
+          <a:p>
+            <a:pPr lvl="6" marL="3024000" indent="-216000">
+              <a:spcBef>
+                <a:spcPts val="283"/>
+              </a:spcBef>
+              <a:buClr>
+                <a:srgbClr val="000000"/>
+              </a:buClr>
+              <a:buSzPct val="45000"/>
+              <a:buFont typeface="Wingdings" charset="2"/>
+              <a:buChar char=""/>
             </a:pPr>
-            <a:fld id="{5637322F-13AB-4A93-B12A-542416831436}" type="slidenum">
-              <a:rPr b="0" lang="en-IN" sz="1200" spc="-1" strike="noStrike">
-                <a:solidFill>
-                  <a:srgbClr val="8b8b8b"/>
-                </a:solidFill>
-                <a:latin typeface="Calibri"/>
+            <a:r>
+              <a:rPr b="0" lang="en-IN" sz="2000" spc="-1" strike="noStrike">
+                <a:latin typeface="Arial"/>
               </a:rPr>
-              <a:t>&lt;number&gt;</a:t>
-            </a:fld>
-            <a:endParaRPr b="0" lang="en-IN" sz="1200" spc="-1" strike="noStrike">
-              <a:latin typeface="Times New Roman"/>
+              <a:t>Seventh Outline Level</a:t>
+            </a:r>
+            <a:endParaRPr b="0" lang="en-IN" sz="2000" spc="-1" strike="noStrike">
+              <a:latin typeface="Arial"/>
             </a:endParaRPr>
           </a:p>
         </p:txBody>
@@ -10023,125 +9473,7 @@
       </p:grpSpPr>
       <p:sp>
         <p:nvSpPr>
-          <p:cNvPr id="82" name="PlaceHolder 1"/>
-          <p:cNvSpPr>
-            <a:spLocks noGrp="1"/>
-          </p:cNvSpPr>
-          <p:nvPr>
-            <p:ph type="dt"/>
-          </p:nvPr>
-        </p:nvSpPr>
-        <p:spPr>
-          <a:xfrm>
-            <a:off x="838080" y="6356520"/>
-            <a:ext cx="2742840" cy="364680"/>
-          </a:xfrm>
-          <a:prstGeom prst="rect">
-            <a:avLst/>
-          </a:prstGeom>
-        </p:spPr>
-        <p:txBody>
-          <a:bodyPr anchor="ctr">
-            <a:noAutofit/>
-          </a:bodyPr>
-          <a:p>
-            <a:pPr>
-              <a:lnSpc>
-                <a:spcPct val="100000"/>
-              </a:lnSpc>
-            </a:pPr>
-            <a:fld id="{30F66555-8EB9-4C3D-A8CC-D28187CBD2DD}" type="datetime">
-              <a:rPr b="0" lang="en-IN" sz="1200" spc="-1" strike="noStrike">
-                <a:solidFill>
-                  <a:srgbClr val="8b8b8b"/>
-                </a:solidFill>
-                <a:latin typeface="Calibri"/>
-              </a:rPr>
-              <a:t>23/07/22</a:t>
-            </a:fld>
-            <a:endParaRPr b="0" lang="en-IN" sz="1200" spc="-1" strike="noStrike">
-              <a:latin typeface="Times New Roman"/>
-            </a:endParaRPr>
-          </a:p>
-        </p:txBody>
-      </p:sp>
-      <p:sp>
-        <p:nvSpPr>
-          <p:cNvPr id="83" name="PlaceHolder 2"/>
-          <p:cNvSpPr>
-            <a:spLocks noGrp="1"/>
-          </p:cNvSpPr>
-          <p:nvPr>
-            <p:ph type="ftr"/>
-          </p:nvPr>
-        </p:nvSpPr>
-        <p:spPr>
-          <a:xfrm>
-            <a:off x="4038480" y="6356520"/>
-            <a:ext cx="4114440" cy="364680"/>
-          </a:xfrm>
-          <a:prstGeom prst="rect">
-            <a:avLst/>
-          </a:prstGeom>
-        </p:spPr>
-        <p:txBody>
-          <a:bodyPr anchor="ctr">
-            <a:noAutofit/>
-          </a:bodyPr>
-          <a:p>
-            <a:endParaRPr b="0" lang="en-IN" sz="2400" spc="-1" strike="noStrike">
-              <a:latin typeface="Times New Roman"/>
-            </a:endParaRPr>
-          </a:p>
-        </p:txBody>
-      </p:sp>
-      <p:sp>
-        <p:nvSpPr>
-          <p:cNvPr id="84" name="PlaceHolder 3"/>
-          <p:cNvSpPr>
-            <a:spLocks noGrp="1"/>
-          </p:cNvSpPr>
-          <p:nvPr>
-            <p:ph type="sldNum"/>
-          </p:nvPr>
-        </p:nvSpPr>
-        <p:spPr>
-          <a:xfrm>
-            <a:off x="8610480" y="6356520"/>
-            <a:ext cx="2742840" cy="364680"/>
-          </a:xfrm>
-          <a:prstGeom prst="rect">
-            <a:avLst/>
-          </a:prstGeom>
-        </p:spPr>
-        <p:txBody>
-          <a:bodyPr anchor="ctr">
-            <a:noAutofit/>
-          </a:bodyPr>
-          <a:p>
-            <a:pPr algn="r">
-              <a:lnSpc>
-                <a:spcPct val="100000"/>
-              </a:lnSpc>
-            </a:pPr>
-            <a:fld id="{5E202FF1-588E-4316-B48B-344827A6B1C9}" type="slidenum">
-              <a:rPr b="0" lang="en-IN" sz="1200" spc="-1" strike="noStrike">
-                <a:solidFill>
-                  <a:srgbClr val="8b8b8b"/>
-                </a:solidFill>
-                <a:latin typeface="Calibri"/>
-              </a:rPr>
-              <a:t>&lt;number&gt;</a:t>
-            </a:fld>
-            <a:endParaRPr b="0" lang="en-IN" sz="1200" spc="-1" strike="noStrike">
-              <a:latin typeface="Times New Roman"/>
-            </a:endParaRPr>
-          </a:p>
-        </p:txBody>
-      </p:sp>
-      <p:sp>
-        <p:nvSpPr>
-          <p:cNvPr id="85" name="PlaceHolder 4"/>
+          <p:cNvPr id="76" name="PlaceHolder 1"/>
           <p:cNvSpPr>
             <a:spLocks noGrp="1"/>
           </p:cNvSpPr>
@@ -10163,27 +9495,22 @@
             <a:noAutofit/>
           </a:bodyPr>
           <a:p>
+            <a:pPr algn="ctr"/>
             <a:r>
-              <a:rPr b="0" lang="en-US" sz="1800" spc="-1" strike="noStrike">
-                <a:solidFill>
-                  <a:srgbClr val="000000"/>
-                </a:solidFill>
-                <a:latin typeface="Calibri"/>
+              <a:rPr b="0" lang="en-IN" sz="4400" spc="-1" strike="noStrike">
+                <a:latin typeface="Arial"/>
               </a:rPr>
               <a:t>Click to edit the title text format</a:t>
             </a:r>
-            <a:endParaRPr b="0" lang="en-US" sz="1800" spc="-1" strike="noStrike">
-              <a:solidFill>
-                <a:srgbClr val="000000"/>
-              </a:solidFill>
-              <a:latin typeface="Calibri"/>
-            </a:endParaRPr>
-          </a:p>
-        </p:txBody>
-      </p:sp>
-      <p:sp>
-        <p:nvSpPr>
-          <p:cNvPr id="86" name="PlaceHolder 5"/>
+            <a:endParaRPr b="0" lang="en-IN" sz="4400" spc="-1" strike="noStrike">
+              <a:latin typeface="Arial"/>
+            </a:endParaRPr>
+          </a:p>
+        </p:txBody>
+      </p:sp>
+      <p:sp>
+        <p:nvSpPr>
+          <p:cNvPr id="77" name="PlaceHolder 2"/>
           <p:cNvSpPr>
             <a:spLocks noGrp="1"/>
           </p:cNvSpPr>
@@ -10217,19 +9544,13 @@
               <a:buChar char=""/>
             </a:pPr>
             <a:r>
-              <a:rPr b="0" lang="en-US" sz="2800" spc="-1" strike="noStrike">
-                <a:solidFill>
-                  <a:srgbClr val="000000"/>
-                </a:solidFill>
-                <a:latin typeface="Calibri"/>
+              <a:rPr b="0" lang="en-IN" sz="3200" spc="-1" strike="noStrike">
+                <a:latin typeface="Arial"/>
               </a:rPr>
               <a:t>Click to edit the outline text format</a:t>
             </a:r>
-            <a:endParaRPr b="0" lang="en-US" sz="2800" spc="-1" strike="noStrike">
-              <a:solidFill>
-                <a:srgbClr val="000000"/>
-              </a:solidFill>
-              <a:latin typeface="Calibri"/>
+            <a:endParaRPr b="0" lang="en-IN" sz="3200" spc="-1" strike="noStrike">
+              <a:latin typeface="Arial"/>
             </a:endParaRPr>
           </a:p>
           <a:p>
@@ -10245,19 +9566,13 @@
               <a:buChar char=""/>
             </a:pPr>
             <a:r>
-              <a:rPr b="0" lang="en-US" sz="2000" spc="-1" strike="noStrike">
-                <a:solidFill>
-                  <a:srgbClr val="000000"/>
-                </a:solidFill>
-                <a:latin typeface="Calibri"/>
+              <a:rPr b="0" lang="en-IN" sz="2800" spc="-1" strike="noStrike">
+                <a:latin typeface="Arial"/>
               </a:rPr>
               <a:t>Second Outline Level</a:t>
             </a:r>
-            <a:endParaRPr b="0" lang="en-US" sz="2000" spc="-1" strike="noStrike">
-              <a:solidFill>
-                <a:srgbClr val="000000"/>
-              </a:solidFill>
-              <a:latin typeface="Calibri"/>
+            <a:endParaRPr b="0" lang="en-IN" sz="2800" spc="-1" strike="noStrike">
+              <a:latin typeface="Arial"/>
             </a:endParaRPr>
           </a:p>
           <a:p>
@@ -10273,19 +9588,13 @@
               <a:buChar char=""/>
             </a:pPr>
             <a:r>
-              <a:rPr b="0" lang="en-US" sz="1800" spc="-1" strike="noStrike">
-                <a:solidFill>
-                  <a:srgbClr val="000000"/>
-                </a:solidFill>
-                <a:latin typeface="Calibri"/>
+              <a:rPr b="0" lang="en-IN" sz="2400" spc="-1" strike="noStrike">
+                <a:latin typeface="Arial"/>
               </a:rPr>
               <a:t>Third Outline Level</a:t>
             </a:r>
-            <a:endParaRPr b="0" lang="en-US" sz="1800" spc="-1" strike="noStrike">
-              <a:solidFill>
-                <a:srgbClr val="000000"/>
-              </a:solidFill>
-              <a:latin typeface="Calibri"/>
+            <a:endParaRPr b="0" lang="en-IN" sz="2400" spc="-1" strike="noStrike">
+              <a:latin typeface="Arial"/>
             </a:endParaRPr>
           </a:p>
           <a:p>
@@ -10301,19 +9610,13 @@
               <a:buChar char=""/>
             </a:pPr>
             <a:r>
-              <a:rPr b="0" lang="en-US" sz="1800" spc="-1" strike="noStrike">
-                <a:solidFill>
-                  <a:srgbClr val="000000"/>
-                </a:solidFill>
-                <a:latin typeface="Calibri"/>
+              <a:rPr b="0" lang="en-IN" sz="2000" spc="-1" strike="noStrike">
+                <a:latin typeface="Arial"/>
               </a:rPr>
               <a:t>Fourth Outline Level</a:t>
             </a:r>
-            <a:endParaRPr b="0" lang="en-US" sz="1800" spc="-1" strike="noStrike">
-              <a:solidFill>
-                <a:srgbClr val="000000"/>
-              </a:solidFill>
-              <a:latin typeface="Calibri"/>
+            <a:endParaRPr b="0" lang="en-IN" sz="2000" spc="-1" strike="noStrike">
+              <a:latin typeface="Arial"/>
             </a:endParaRPr>
           </a:p>
           <a:p>
@@ -10329,19 +9632,13 @@
               <a:buChar char=""/>
             </a:pPr>
             <a:r>
-              <a:rPr b="0" lang="en-US" sz="2000" spc="-1" strike="noStrike">
-                <a:solidFill>
-                  <a:srgbClr val="000000"/>
-                </a:solidFill>
-                <a:latin typeface="Calibri"/>
+              <a:rPr b="0" lang="en-IN" sz="2000" spc="-1" strike="noStrike">
+                <a:latin typeface="Arial"/>
               </a:rPr>
               <a:t>Fifth Outline Level</a:t>
             </a:r>
-            <a:endParaRPr b="0" lang="en-US" sz="2000" spc="-1" strike="noStrike">
-              <a:solidFill>
-                <a:srgbClr val="000000"/>
-              </a:solidFill>
-              <a:latin typeface="Calibri"/>
+            <a:endParaRPr b="0" lang="en-IN" sz="2000" spc="-1" strike="noStrike">
+              <a:latin typeface="Arial"/>
             </a:endParaRPr>
           </a:p>
           <a:p>
@@ -10357,19 +9654,13 @@
               <a:buChar char=""/>
             </a:pPr>
             <a:r>
-              <a:rPr b="0" lang="en-US" sz="2000" spc="-1" strike="noStrike">
-                <a:solidFill>
-                  <a:srgbClr val="000000"/>
-                </a:solidFill>
-                <a:latin typeface="Calibri"/>
+              <a:rPr b="0" lang="en-IN" sz="2000" spc="-1" strike="noStrike">
+                <a:latin typeface="Arial"/>
               </a:rPr>
               <a:t>Sixth Outline Level</a:t>
             </a:r>
-            <a:endParaRPr b="0" lang="en-US" sz="2000" spc="-1" strike="noStrike">
-              <a:solidFill>
-                <a:srgbClr val="000000"/>
-              </a:solidFill>
-              <a:latin typeface="Calibri"/>
+            <a:endParaRPr b="0" lang="en-IN" sz="2000" spc="-1" strike="noStrike">
+              <a:latin typeface="Arial"/>
             </a:endParaRPr>
           </a:p>
           <a:p>
@@ -10385,19 +9676,13 @@
               <a:buChar char=""/>
             </a:pPr>
             <a:r>
-              <a:rPr b="0" lang="en-US" sz="2000" spc="-1" strike="noStrike">
-                <a:solidFill>
-                  <a:srgbClr val="000000"/>
-                </a:solidFill>
-                <a:latin typeface="Calibri"/>
+              <a:rPr b="0" lang="en-IN" sz="2000" spc="-1" strike="noStrike">
+                <a:latin typeface="Arial"/>
               </a:rPr>
               <a:t>Seventh Outline Level</a:t>
             </a:r>
-            <a:endParaRPr b="0" lang="en-US" sz="2000" spc="-1" strike="noStrike">
-              <a:solidFill>
-                <a:srgbClr val="000000"/>
-              </a:solidFill>
-              <a:latin typeface="Calibri"/>
+            <a:endParaRPr b="0" lang="en-IN" sz="2000" spc="-1" strike="noStrike">
+              <a:latin typeface="Arial"/>
             </a:endParaRPr>
           </a:p>
         </p:txBody>
@@ -10441,7 +9726,7 @@
       </p:grpSpPr>
       <p:pic>
         <p:nvPicPr>
-          <p:cNvPr id="129" name="Picture 2" descr=""/>
+          <p:cNvPr id="120" name="Picture 2" descr=""/>
           <p:cNvPicPr/>
           <p:nvPr/>
         </p:nvPicPr>
@@ -10452,7 +9737,7 @@
         <p:spPr>
           <a:xfrm>
             <a:off x="3102840" y="634320"/>
-            <a:ext cx="5855760" cy="5467680"/>
+            <a:ext cx="5854680" cy="5466600"/>
           </a:xfrm>
           <a:prstGeom prst="rect">
             <a:avLst/>
@@ -10492,9 +9777,207 @@
           <a:chExt cx="0" cy="0"/>
         </a:xfrm>
       </p:grpSpPr>
-      <p:sp>
-        <p:nvSpPr>
-          <p:cNvPr id="167" name="Straight Connector 3"/>
+      <p:pic>
+        <p:nvPicPr>
+          <p:cNvPr id="157" name="Picture 2" descr="Diagram&#10;&#10;Description automatically generated"/>
+          <p:cNvPicPr/>
+          <p:nvPr/>
+        </p:nvPicPr>
+        <p:blipFill>
+          <a:blip r:embed="rId1"/>
+          <a:stretch/>
+        </p:blipFill>
+        <p:spPr>
+          <a:xfrm>
+            <a:off x="2595600" y="0"/>
+            <a:ext cx="8985240" cy="6856560"/>
+          </a:xfrm>
+          <a:prstGeom prst="rect">
+            <a:avLst/>
+          </a:prstGeom>
+          <a:ln w="0">
+            <a:noFill/>
+          </a:ln>
+        </p:spPr>
+      </p:pic>
+      <p:grpSp>
+        <p:nvGrpSpPr>
+          <p:cNvPr id="158" name="Group 3"/>
+          <p:cNvGrpSpPr/>
+          <p:nvPr/>
+        </p:nvGrpSpPr>
+        <p:grpSpPr>
+          <a:xfrm>
+            <a:off x="273960" y="174600"/>
+            <a:ext cx="1904760" cy="1142280"/>
+            <a:chOff x="273960" y="174600"/>
+            <a:chExt cx="1904760" cy="1142280"/>
+          </a:xfrm>
+        </p:grpSpPr>
+        <p:sp>
+          <p:nvSpPr>
+            <p:cNvPr id="159" name="Rectangle: Rounded Corners 4"/>
+            <p:cNvSpPr/>
+            <p:nvPr/>
+          </p:nvSpPr>
+          <p:spPr>
+            <a:xfrm>
+              <a:off x="273960" y="174600"/>
+              <a:ext cx="1904760" cy="1142280"/>
+            </a:xfrm>
+            <a:prstGeom prst="roundRect">
+              <a:avLst>
+                <a:gd name="adj" fmla="val 10000"/>
+              </a:avLst>
+            </a:prstGeom>
+            <a:solidFill>
+              <a:srgbClr val="5b9bd5"/>
+            </a:solidFill>
+            <a:ln>
+              <a:solidFill>
+                <a:srgbClr val="ffffff"/>
+              </a:solidFill>
+            </a:ln>
+          </p:spPr>
+          <p:style>
+            <a:lnRef idx="2">
+              <a:schemeClr val="lt1">
+                <a:hueOff val="0"/>
+                <a:satOff val="0"/>
+                <a:lumOff val="0"/>
+                <a:alphaOff val="0"/>
+              </a:schemeClr>
+            </a:lnRef>
+            <a:fillRef idx="1">
+              <a:schemeClr val="accent5">
+                <a:hueOff val="0"/>
+                <a:satOff val="0"/>
+                <a:lumOff val="0"/>
+                <a:alphaOff val="0"/>
+              </a:schemeClr>
+            </a:fillRef>
+            <a:effectRef idx="0">
+              <a:schemeClr val="accent5">
+                <a:hueOff val="0"/>
+                <a:satOff val="0"/>
+                <a:lumOff val="0"/>
+                <a:alphaOff val="0"/>
+              </a:schemeClr>
+            </a:effectRef>
+            <a:fontRef idx="minor"/>
+          </p:style>
+        </p:sp>
+        <p:sp>
+          <p:nvSpPr>
+            <p:cNvPr id="160" name="Rectangle: Rounded Corners 4"/>
+            <p:cNvSpPr/>
+            <p:nvPr/>
+          </p:nvSpPr>
+          <p:spPr>
+            <a:xfrm>
+              <a:off x="273960" y="174600"/>
+              <a:ext cx="1904760" cy="761040"/>
+            </a:xfrm>
+            <a:prstGeom prst="rect">
+              <a:avLst/>
+            </a:prstGeom>
+            <a:noFill/>
+            <a:ln w="0">
+              <a:noFill/>
+            </a:ln>
+          </p:spPr>
+          <p:style>
+            <a:lnRef idx="0"/>
+            <a:fillRef idx="0"/>
+            <a:effectRef idx="0"/>
+            <a:fontRef idx="minor"/>
+          </p:style>
+          <p:txBody>
+            <a:bodyPr lIns="128160" rIns="128160" tIns="128160" bIns="68760">
+              <a:noAutofit/>
+            </a:bodyPr>
+            <a:p>
+              <a:pPr>
+                <a:lnSpc>
+                  <a:spcPct val="90000"/>
+                </a:lnSpc>
+                <a:spcAft>
+                  <a:spcPts val="629"/>
+                </a:spcAft>
+                <a:tabLst>
+                  <a:tab algn="l" pos="0"/>
+                </a:tabLst>
+              </a:pPr>
+              <a:r>
+                <a:rPr b="0" lang="en-US" sz="1800" spc="-1" strike="noStrike">
+                  <a:solidFill>
+                    <a:srgbClr val="ffffff"/>
+                  </a:solidFill>
+                  <a:latin typeface="Calibri"/>
+                  <a:ea typeface="DejaVu Sans"/>
+                </a:rPr>
+                <a:t>2</a:t>
+              </a:r>
+              <a:r>
+                <a:rPr b="0" lang="en-US" sz="1800" spc="-1" strike="noStrike" baseline="30000">
+                  <a:solidFill>
+                    <a:srgbClr val="ffffff"/>
+                  </a:solidFill>
+                  <a:latin typeface="Calibri"/>
+                  <a:ea typeface="DejaVu Sans"/>
+                </a:rPr>
+                <a:t>nd</a:t>
+              </a:r>
+              <a:r>
+                <a:rPr b="0" lang="en-US" sz="1800" spc="-1" strike="noStrike">
+                  <a:solidFill>
+                    <a:srgbClr val="ffffff"/>
+                  </a:solidFill>
+                  <a:latin typeface="Calibri"/>
+                  <a:ea typeface="DejaVu Sans"/>
+                </a:rPr>
+                <a:t> Round AWS Deployment Architecture </a:t>
+              </a:r>
+              <a:endParaRPr b="0" lang="en-IN" sz="1800" spc="-1" strike="noStrike">
+                <a:latin typeface="Arial"/>
+              </a:endParaRPr>
+            </a:p>
+          </p:txBody>
+        </p:sp>
+      </p:grpSp>
+    </p:spTree>
+  </p:cSld>
+  <mc:AlternateContent>
+    <mc:Choice Requires="p14">
+      <p:transition spd="slow" p14:dur="2000"/>
+    </mc:Choice>
+    <mc:Fallback>
+      <p:transition spd="slow"/>
+    </mc:Fallback>
+  </mc:AlternateContent>
+</p:sld>
+</file>
+
+<file path=ppt/slides/slide11.xml><?xml version="1.0" encoding="utf-8"?>
+<p:sld xmlns:a="http://schemas.openxmlformats.org/drawingml/2006/main" xmlns:p="http://schemas.openxmlformats.org/presentationml/2006/main" xmlns:r="http://schemas.openxmlformats.org/officeDocument/2006/relationships" xmlns:p14="http://schemas.microsoft.com/office/powerpoint/2010/main" xmlns:p15="http://schemas.microsoft.com/office/powerpoint/2012/main" xmlns:mc="http://schemas.openxmlformats.org/markup-compatibility/2006">
+  <p:cSld>
+    <p:spTree>
+      <p:nvGrpSpPr>
+        <p:cNvPr id="1" name=""/>
+        <p:cNvGrpSpPr/>
+        <p:nvPr/>
+      </p:nvGrpSpPr>
+      <p:grpSpPr>
+        <a:xfrm>
+          <a:off x="0" y="0"/>
+          <a:ext cx="0" cy="0"/>
+          <a:chOff x="0" y="0"/>
+          <a:chExt cx="0" cy="0"/>
+        </a:xfrm>
+      </p:grpSpPr>
+      <p:sp>
+        <p:nvSpPr>
+          <p:cNvPr id="161" name="Straight Connector 3"/>
           <p:cNvSpPr/>
           <p:nvPr/>
         </p:nvSpPr>
@@ -10527,7 +10010,7 @@
       </p:sp>
       <p:pic>
         <p:nvPicPr>
-          <p:cNvPr id="168" name="" descr=""/>
+          <p:cNvPr id="162" name="" descr=""/>
           <p:cNvPicPr/>
           <p:nvPr/>
         </p:nvPicPr>
@@ -10537,8 +10020,8 @@
         </p:blipFill>
         <p:spPr>
           <a:xfrm rot="6600">
-            <a:off x="6972480" y="1212480"/>
-            <a:ext cx="4722840" cy="4722840"/>
+            <a:off x="6972480" y="1211400"/>
+            <a:ext cx="4721760" cy="4721760"/>
           </a:xfrm>
           <a:prstGeom prst="rect">
             <a:avLst/>
@@ -10550,7 +10033,7 @@
       </p:pic>
       <p:pic>
         <p:nvPicPr>
-          <p:cNvPr id="169" name="" descr=""/>
+          <p:cNvPr id="163" name="" descr=""/>
           <p:cNvPicPr/>
           <p:nvPr/>
         </p:nvPicPr>
@@ -10561,7 +10044,7 @@
         <p:spPr>
           <a:xfrm>
             <a:off x="720000" y="1260000"/>
-            <a:ext cx="5044680" cy="4710240"/>
+            <a:ext cx="5043600" cy="4709160"/>
           </a:xfrm>
           <a:prstGeom prst="rect">
             <a:avLst/>
@@ -10603,14 +10086,14 @@
       </p:grpSpPr>
       <p:sp>
         <p:nvSpPr>
-          <p:cNvPr id="130" name="Rectangle 1"/>
+          <p:cNvPr id="121" name="Rectangle 1"/>
           <p:cNvSpPr/>
           <p:nvPr/>
         </p:nvSpPr>
         <p:spPr>
           <a:xfrm>
             <a:off x="3205440" y="1868040"/>
-            <a:ext cx="5301000" cy="2194560"/>
+            <a:ext cx="5299920" cy="2192400"/>
           </a:xfrm>
           <a:prstGeom prst="rect">
             <a:avLst/>
@@ -10627,7 +10110,7 @@
           <a:fontRef idx="minor"/>
         </p:style>
         <p:txBody>
-          <a:bodyPr>
+          <a:bodyPr lIns="90000" rIns="90000" tIns="45000" bIns="45000">
             <a:spAutoFit/>
           </a:bodyPr>
           <a:p>
@@ -10642,6 +10125,7 @@
                   <a:srgbClr val="000000"/>
                 </a:solidFill>
                 <a:latin typeface="Calibri"/>
+                <a:ea typeface="DejaVu Sans"/>
               </a:rPr>
               <a:t>ATS</a:t>
             </a:r>
@@ -10653,7 +10137,7 @@
       </p:sp>
       <p:pic>
         <p:nvPicPr>
-          <p:cNvPr id="131" name="Picture 2" descr=""/>
+          <p:cNvPr id="122" name="Picture 2" descr=""/>
           <p:cNvPicPr/>
           <p:nvPr/>
         </p:nvPicPr>
@@ -10664,7 +10148,7 @@
         <p:spPr>
           <a:xfrm>
             <a:off x="10836000" y="5515200"/>
-            <a:ext cx="1232640" cy="1150920"/>
+            <a:ext cx="1231560" cy="1149840"/>
           </a:xfrm>
           <a:prstGeom prst="rect">
             <a:avLst/>
@@ -10706,14 +10190,14 @@
       </p:grpSpPr>
       <p:sp>
         <p:nvSpPr>
-          <p:cNvPr id="132" name="Google Shape;1437;p51"/>
+          <p:cNvPr id="123" name="Google Shape;1437;p51"/>
           <p:cNvSpPr/>
           <p:nvPr/>
         </p:nvSpPr>
         <p:spPr>
           <a:xfrm>
             <a:off x="3174480" y="3970800"/>
-            <a:ext cx="6126120" cy="91080"/>
+            <a:ext cx="6125040" cy="90000"/>
           </a:xfrm>
           <a:prstGeom prst="rect">
             <a:avLst/>
@@ -10734,14 +10218,14 @@
       </p:sp>
       <p:sp>
         <p:nvSpPr>
-          <p:cNvPr id="133" name="TextBox 6"/>
+          <p:cNvPr id="124" name="TextBox 6"/>
           <p:cNvSpPr/>
           <p:nvPr/>
         </p:nvSpPr>
         <p:spPr>
           <a:xfrm>
             <a:off x="2147400" y="2077560"/>
-            <a:ext cx="8180280" cy="1918800"/>
+            <a:ext cx="8179200" cy="1918080"/>
           </a:xfrm>
           <a:prstGeom prst="rect">
             <a:avLst/>
@@ -10773,6 +10257,7 @@
                   <a:srgbClr val="8497b0"/>
                 </a:solidFill>
                 <a:latin typeface="Lexend Deca"/>
+                <a:ea typeface="DejaVu Sans"/>
               </a:rPr>
               <a:t>98%</a:t>
             </a:r>
@@ -10784,7 +10269,7 @@
       </p:sp>
       <p:pic>
         <p:nvPicPr>
-          <p:cNvPr id="134" name="Picture 3" descr=""/>
+          <p:cNvPr id="125" name="Picture 3" descr=""/>
           <p:cNvPicPr/>
           <p:nvPr/>
         </p:nvPicPr>
@@ -10795,7 +10280,7 @@
         <p:spPr>
           <a:xfrm>
             <a:off x="10836000" y="5515200"/>
-            <a:ext cx="1232640" cy="1150920"/>
+            <a:ext cx="1231560" cy="1149840"/>
           </a:xfrm>
           <a:prstGeom prst="rect">
             <a:avLst/>
@@ -10837,7 +10322,7 @@
       </p:grpSpPr>
       <p:pic>
         <p:nvPicPr>
-          <p:cNvPr id="135" name="Picture 2" descr=""/>
+          <p:cNvPr id="126" name="Picture 2" descr=""/>
           <p:cNvPicPr/>
           <p:nvPr/>
         </p:nvPicPr>
@@ -10848,7 +10333,7 @@
         <p:spPr>
           <a:xfrm>
             <a:off x="10836000" y="5515200"/>
-            <a:ext cx="1232640" cy="1150920"/>
+            <a:ext cx="1231560" cy="1149840"/>
           </a:xfrm>
           <a:prstGeom prst="rect">
             <a:avLst/>
@@ -10860,7 +10345,7 @@
       </p:pic>
       <p:pic>
         <p:nvPicPr>
-          <p:cNvPr id="136" name="Picture 3" descr=""/>
+          <p:cNvPr id="127" name="Picture 3" descr=""/>
           <p:cNvPicPr/>
           <p:nvPr/>
         </p:nvPicPr>
@@ -10871,7 +10356,7 @@
         <p:spPr>
           <a:xfrm>
             <a:off x="185400" y="625680"/>
-            <a:ext cx="11612520" cy="4940280"/>
+            <a:ext cx="11611440" cy="4939200"/>
           </a:xfrm>
           <a:prstGeom prst="rect">
             <a:avLst/>
@@ -10935,14 +10420,14 @@
       </p:grpSpPr>
       <p:sp>
         <p:nvSpPr>
-          <p:cNvPr id="137" name="Rectangle 3"/>
+          <p:cNvPr id="128" name="Rectangle 3"/>
           <p:cNvSpPr/>
           <p:nvPr/>
         </p:nvSpPr>
         <p:spPr>
           <a:xfrm>
             <a:off x="647280" y="955440"/>
-            <a:ext cx="10530720" cy="5349240"/>
+            <a:ext cx="10529640" cy="5347080"/>
           </a:xfrm>
           <a:prstGeom prst="rect">
             <a:avLst/>
@@ -10959,7 +10444,7 @@
           <a:fontRef idx="minor"/>
         </p:style>
         <p:txBody>
-          <a:bodyPr>
+          <a:bodyPr lIns="90000" rIns="90000" tIns="45000" bIns="45000">
             <a:spAutoFit/>
           </a:bodyPr>
           <a:p>
@@ -10974,6 +10459,7 @@
                   <a:srgbClr val="767171"/>
                 </a:solidFill>
                 <a:latin typeface="Calibri"/>
+                <a:ea typeface="DejaVu Sans"/>
               </a:rPr>
               <a:t>Gale-Shapley Matching Algorithm</a:t>
             </a:r>
@@ -10985,7 +10471,7 @@
       </p:sp>
       <p:pic>
         <p:nvPicPr>
-          <p:cNvPr id="138" name="Picture 2" descr=""/>
+          <p:cNvPr id="129" name="Picture 2" descr=""/>
           <p:cNvPicPr/>
           <p:nvPr/>
         </p:nvPicPr>
@@ -10996,7 +10482,7 @@
         <p:spPr>
           <a:xfrm>
             <a:off x="10836000" y="5515200"/>
-            <a:ext cx="1232640" cy="1150920"/>
+            <a:ext cx="1231560" cy="1149840"/>
           </a:xfrm>
           <a:prstGeom prst="rect">
             <a:avLst/>
@@ -11036,9 +10522,85 @@
           <a:chExt cx="0" cy="0"/>
         </a:xfrm>
       </p:grpSpPr>
-      <p:sp>
-        <p:nvSpPr>
-          <p:cNvPr id="139" name="Straight Connector 4"/>
+      <p:pic>
+        <p:nvPicPr>
+          <p:cNvPr id="130" name="" descr=""/>
+          <p:cNvPicPr/>
+          <p:nvPr/>
+        </p:nvPicPr>
+        <p:blipFill>
+          <a:blip r:embed="rId1"/>
+          <a:stretch/>
+        </p:blipFill>
+        <p:spPr>
+          <a:xfrm>
+            <a:off x="3600000" y="669960"/>
+            <a:ext cx="4744080" cy="5089320"/>
+          </a:xfrm>
+          <a:prstGeom prst="rect">
+            <a:avLst/>
+          </a:prstGeom>
+          <a:ln w="0">
+            <a:noFill/>
+          </a:ln>
+        </p:spPr>
+      </p:pic>
+      <p:pic>
+        <p:nvPicPr>
+          <p:cNvPr id="131" name="Picture 2_0" descr=""/>
+          <p:cNvPicPr/>
+          <p:nvPr/>
+        </p:nvPicPr>
+        <p:blipFill>
+          <a:blip r:embed="rId2"/>
+          <a:stretch/>
+        </p:blipFill>
+        <p:spPr>
+          <a:xfrm>
+            <a:off x="10836360" y="5515200"/>
+            <a:ext cx="1231560" cy="1149840"/>
+          </a:xfrm>
+          <a:prstGeom prst="rect">
+            <a:avLst/>
+          </a:prstGeom>
+          <a:ln w="0">
+            <a:noFill/>
+          </a:ln>
+        </p:spPr>
+      </p:pic>
+    </p:spTree>
+  </p:cSld>
+  <mc:AlternateContent>
+    <mc:Choice Requires="p14">
+      <p:transition spd="slow" p14:dur="2000"/>
+    </mc:Choice>
+    <mc:Fallback>
+      <p:transition spd="slow"/>
+    </mc:Fallback>
+  </mc:AlternateContent>
+</p:sld>
+</file>
+
+<file path=ppt/slides/slide7.xml><?xml version="1.0" encoding="utf-8"?>
+<p:sld xmlns:a="http://schemas.openxmlformats.org/drawingml/2006/main" xmlns:p="http://schemas.openxmlformats.org/presentationml/2006/main" xmlns:r="http://schemas.openxmlformats.org/officeDocument/2006/relationships" xmlns:p14="http://schemas.microsoft.com/office/powerpoint/2010/main" xmlns:p15="http://schemas.microsoft.com/office/powerpoint/2012/main" xmlns:mc="http://schemas.openxmlformats.org/markup-compatibility/2006">
+  <p:cSld>
+    <p:spTree>
+      <p:nvGrpSpPr>
+        <p:cNvPr id="1" name=""/>
+        <p:cNvGrpSpPr/>
+        <p:nvPr/>
+      </p:nvGrpSpPr>
+      <p:grpSpPr>
+        <a:xfrm>
+          <a:off x="0" y="0"/>
+          <a:ext cx="0" cy="0"/>
+          <a:chOff x="0" y="0"/>
+          <a:chExt cx="0" cy="0"/>
+        </a:xfrm>
+      </p:grpSpPr>
+      <p:sp>
+        <p:nvSpPr>
+          <p:cNvPr id="132" name="Straight Connector 4"/>
           <p:cNvSpPr/>
           <p:nvPr/>
         </p:nvSpPr>
@@ -11052,9 +10614,7 @@
           </a:prstGeom>
           <a:ln w="9525">
             <a:solidFill>
-              <a:srgbClr val="ffffff">
-                <a:lumMod val="85000"/>
-              </a:srgbClr>
+              <a:srgbClr val="d9d9d9"/>
             </a:solidFill>
           </a:ln>
         </p:spPr>
@@ -11073,14 +10633,14 @@
       </p:sp>
       <p:sp>
         <p:nvSpPr>
-          <p:cNvPr id="140" name="Oval 5"/>
+          <p:cNvPr id="133" name="Oval 5"/>
           <p:cNvSpPr/>
           <p:nvPr/>
         </p:nvSpPr>
         <p:spPr>
           <a:xfrm>
             <a:off x="5984640" y="2850480"/>
-            <a:ext cx="97920" cy="96480"/>
+            <a:ext cx="96840" cy="95400"/>
           </a:xfrm>
           <a:prstGeom prst="ellipse">
             <a:avLst/>
@@ -11116,14 +10676,14 @@
       </p:sp>
       <p:sp>
         <p:nvSpPr>
-          <p:cNvPr id="141" name="Oval 6"/>
+          <p:cNvPr id="134" name="Oval 6"/>
           <p:cNvSpPr/>
           <p:nvPr/>
         </p:nvSpPr>
         <p:spPr>
           <a:xfrm>
             <a:off x="6039360" y="4523400"/>
-            <a:ext cx="97920" cy="96480"/>
+            <a:ext cx="96840" cy="95400"/>
           </a:xfrm>
           <a:prstGeom prst="ellipse">
             <a:avLst/>
@@ -11159,14 +10719,14 @@
       </p:sp>
       <p:sp>
         <p:nvSpPr>
-          <p:cNvPr id="142" name="Oval 7"/>
+          <p:cNvPr id="135" name="Oval 7"/>
           <p:cNvSpPr/>
           <p:nvPr/>
         </p:nvSpPr>
         <p:spPr>
           <a:xfrm>
             <a:off x="6040080" y="5987520"/>
-            <a:ext cx="97920" cy="96480"/>
+            <a:ext cx="96840" cy="95400"/>
           </a:xfrm>
           <a:prstGeom prst="ellipse">
             <a:avLst/>
@@ -11202,7 +10762,7 @@
       </p:sp>
       <p:pic>
         <p:nvPicPr>
-          <p:cNvPr id="143" name="Picture 8" descr=""/>
+          <p:cNvPr id="136" name="Picture 8" descr=""/>
           <p:cNvPicPr/>
           <p:nvPr/>
         </p:nvPicPr>
@@ -11213,7 +10773,7 @@
         <p:spPr>
           <a:xfrm>
             <a:off x="4559760" y="1193760"/>
-            <a:ext cx="365040" cy="456480"/>
+            <a:ext cx="363960" cy="455400"/>
           </a:xfrm>
           <a:prstGeom prst="rect">
             <a:avLst/>
@@ -11225,7 +10785,7 @@
       </p:pic>
       <p:pic>
         <p:nvPicPr>
-          <p:cNvPr id="144" name="Picture 10" descr=""/>
+          <p:cNvPr id="137" name="Picture 10" descr=""/>
           <p:cNvPicPr/>
           <p:nvPr/>
         </p:nvPicPr>
@@ -11236,7 +10796,7 @@
         <p:spPr>
           <a:xfrm>
             <a:off x="7257600" y="2635920"/>
-            <a:ext cx="352440" cy="406800"/>
+            <a:ext cx="351360" cy="405720"/>
           </a:xfrm>
           <a:prstGeom prst="rect">
             <a:avLst/>
@@ -11248,7 +10808,7 @@
       </p:pic>
       <p:pic>
         <p:nvPicPr>
-          <p:cNvPr id="145" name="Picture 12" descr=""/>
+          <p:cNvPr id="138" name="Picture 12" descr=""/>
           <p:cNvPicPr/>
           <p:nvPr/>
         </p:nvPicPr>
@@ -11259,7 +10819,7 @@
         <p:spPr>
           <a:xfrm>
             <a:off x="7257600" y="5893200"/>
-            <a:ext cx="247320" cy="285480"/>
+            <a:ext cx="246240" cy="284400"/>
           </a:xfrm>
           <a:prstGeom prst="rect">
             <a:avLst/>
@@ -11271,7 +10831,7 @@
       </p:pic>
       <p:pic>
         <p:nvPicPr>
-          <p:cNvPr id="146" name="Picture 14" descr=""/>
+          <p:cNvPr id="139" name="Picture 14" descr=""/>
           <p:cNvPicPr/>
           <p:nvPr/>
         </p:nvPicPr>
@@ -11282,7 +10842,7 @@
         <p:spPr>
           <a:xfrm>
             <a:off x="4599360" y="4380480"/>
-            <a:ext cx="285480" cy="285480"/>
+            <a:ext cx="284400" cy="284400"/>
           </a:xfrm>
           <a:prstGeom prst="rect">
             <a:avLst/>
@@ -11294,14 +10854,14 @@
       </p:pic>
       <p:sp>
         <p:nvSpPr>
-          <p:cNvPr id="147" name="Oval 16"/>
+          <p:cNvPr id="140" name="Oval 16"/>
           <p:cNvSpPr/>
           <p:nvPr/>
         </p:nvSpPr>
         <p:spPr>
           <a:xfrm>
             <a:off x="5973120" y="1325520"/>
-            <a:ext cx="97920" cy="96480"/>
+            <a:ext cx="96840" cy="95400"/>
           </a:xfrm>
           <a:prstGeom prst="ellipse">
             <a:avLst/>
@@ -11337,14 +10897,14 @@
       </p:sp>
       <p:sp>
         <p:nvSpPr>
-          <p:cNvPr id="148" name="Oval 17"/>
+          <p:cNvPr id="141" name="Oval 17"/>
           <p:cNvSpPr/>
           <p:nvPr/>
         </p:nvSpPr>
         <p:spPr>
           <a:xfrm>
             <a:off x="5565960" y="279360"/>
-            <a:ext cx="914040" cy="914040"/>
+            <a:ext cx="912960" cy="912960"/>
           </a:xfrm>
           <a:prstGeom prst="ellipse">
             <a:avLst/>
@@ -11405,7 +10965,7 @@
       </p:sp>
       <p:pic>
         <p:nvPicPr>
-          <p:cNvPr id="149" name="Picture 19" descr=""/>
+          <p:cNvPr id="142" name="Picture 19" descr=""/>
           <p:cNvPicPr/>
           <p:nvPr/>
         </p:nvPicPr>
@@ -11416,7 +10976,7 @@
         <p:spPr>
           <a:xfrm>
             <a:off x="6626160" y="2070720"/>
-            <a:ext cx="1615320" cy="1615320"/>
+            <a:ext cx="1614240" cy="1614240"/>
           </a:xfrm>
           <a:prstGeom prst="rect">
             <a:avLst/>
@@ -11428,7 +10988,7 @@
       </p:pic>
       <p:pic>
         <p:nvPicPr>
-          <p:cNvPr id="150" name="Picture 20" descr=""/>
+          <p:cNvPr id="143" name="Picture 20" descr=""/>
           <p:cNvPicPr/>
           <p:nvPr/>
         </p:nvPicPr>
@@ -11439,7 +10999,7 @@
         <p:spPr>
           <a:xfrm>
             <a:off x="3939120" y="614520"/>
-            <a:ext cx="1615320" cy="1615320"/>
+            <a:ext cx="1614240" cy="1614240"/>
           </a:xfrm>
           <a:prstGeom prst="rect">
             <a:avLst/>
@@ -11451,7 +11011,7 @@
       </p:pic>
       <p:pic>
         <p:nvPicPr>
-          <p:cNvPr id="151" name="Picture 21" descr=""/>
+          <p:cNvPr id="144" name="Picture 21" descr=""/>
           <p:cNvPicPr/>
           <p:nvPr/>
         </p:nvPicPr>
@@ -11462,7 +11022,7 @@
         <p:spPr>
           <a:xfrm>
             <a:off x="3939120" y="3753000"/>
-            <a:ext cx="1615320" cy="1615320"/>
+            <a:ext cx="1614240" cy="1614240"/>
           </a:xfrm>
           <a:prstGeom prst="rect">
             <a:avLst/>
@@ -11474,7 +11034,7 @@
       </p:pic>
       <p:pic>
         <p:nvPicPr>
-          <p:cNvPr id="152" name="Picture 22" descr=""/>
+          <p:cNvPr id="145" name="Picture 22" descr=""/>
           <p:cNvPicPr/>
           <p:nvPr/>
         </p:nvPicPr>
@@ -11485,7 +11045,7 @@
         <p:spPr>
           <a:xfrm>
             <a:off x="6626160" y="5228280"/>
-            <a:ext cx="1615320" cy="1615320"/>
+            <a:ext cx="1614240" cy="1614240"/>
           </a:xfrm>
           <a:prstGeom prst="rect">
             <a:avLst/>
@@ -11497,14 +11057,14 @@
       </p:pic>
       <p:sp>
         <p:nvSpPr>
-          <p:cNvPr id="153" name="TextBox 24"/>
+          <p:cNvPr id="146" name="TextBox 24"/>
           <p:cNvSpPr/>
           <p:nvPr/>
         </p:nvSpPr>
         <p:spPr>
           <a:xfrm>
             <a:off x="8241840" y="2635920"/>
-            <a:ext cx="2694240" cy="516960"/>
+            <a:ext cx="2693160" cy="516240"/>
           </a:xfrm>
           <a:prstGeom prst="rect">
             <a:avLst/>
@@ -11536,6 +11096,7 @@
                   <a:srgbClr val="000000"/>
                 </a:solidFill>
                 <a:latin typeface="Calibri"/>
+                <a:ea typeface="DejaVu Sans"/>
               </a:rPr>
               <a:t>Upload Resume</a:t>
             </a:r>
@@ -11547,14 +11108,14 @@
       </p:sp>
       <p:sp>
         <p:nvSpPr>
-          <p:cNvPr id="154" name="TextBox 25"/>
+          <p:cNvPr id="147" name="TextBox 25"/>
           <p:cNvSpPr/>
           <p:nvPr/>
         </p:nvSpPr>
         <p:spPr>
           <a:xfrm>
             <a:off x="1676520" y="4261680"/>
-            <a:ext cx="2694240" cy="516960"/>
+            <a:ext cx="2693160" cy="516240"/>
           </a:xfrm>
           <a:prstGeom prst="rect">
             <a:avLst/>
@@ -11586,6 +11147,7 @@
                   <a:srgbClr val="000000"/>
                 </a:solidFill>
                 <a:latin typeface="Calibri"/>
+                <a:ea typeface="DejaVu Sans"/>
               </a:rPr>
               <a:t>Find Your Job</a:t>
             </a:r>
@@ -11597,14 +11159,14 @@
       </p:sp>
       <p:sp>
         <p:nvSpPr>
-          <p:cNvPr id="155" name="TextBox 26"/>
+          <p:cNvPr id="148" name="TextBox 26"/>
           <p:cNvSpPr/>
           <p:nvPr/>
         </p:nvSpPr>
         <p:spPr>
           <a:xfrm>
             <a:off x="8340480" y="5822640"/>
-            <a:ext cx="2694240" cy="516960"/>
+            <a:ext cx="2693160" cy="516240"/>
           </a:xfrm>
           <a:prstGeom prst="rect">
             <a:avLst/>
@@ -11636,6 +11198,7 @@
                   <a:srgbClr val="000000"/>
                 </a:solidFill>
                 <a:latin typeface="Calibri"/>
+                <a:ea typeface="DejaVu Sans"/>
               </a:rPr>
               <a:t>Save and Apply</a:t>
             </a:r>
@@ -11647,14 +11210,14 @@
       </p:sp>
       <p:sp>
         <p:nvSpPr>
-          <p:cNvPr id="156" name="TextBox 27"/>
+          <p:cNvPr id="149" name="TextBox 27"/>
           <p:cNvSpPr/>
           <p:nvPr/>
         </p:nvSpPr>
         <p:spPr>
           <a:xfrm>
             <a:off x="1446840" y="1112400"/>
-            <a:ext cx="2694240" cy="516960"/>
+            <a:ext cx="2693160" cy="516240"/>
           </a:xfrm>
           <a:prstGeom prst="rect">
             <a:avLst/>
@@ -11686,6 +11249,7 @@
                   <a:srgbClr val="000000"/>
                 </a:solidFill>
                 <a:latin typeface="Calibri"/>
+                <a:ea typeface="DejaVu Sans"/>
               </a:rPr>
               <a:t>Create Account</a:t>
             </a:r>
@@ -11697,7 +11261,7 @@
       </p:sp>
       <p:pic>
         <p:nvPicPr>
-          <p:cNvPr id="157" name="Picture 23" descr=""/>
+          <p:cNvPr id="150" name="Picture 23" descr=""/>
           <p:cNvPicPr/>
           <p:nvPr/>
         </p:nvPicPr>
@@ -11708,7 +11272,7 @@
         <p:spPr>
           <a:xfrm>
             <a:off x="10836000" y="5515200"/>
-            <a:ext cx="1232640" cy="1150920"/>
+            <a:ext cx="1231560" cy="1149840"/>
           </a:xfrm>
           <a:prstGeom prst="rect">
             <a:avLst/>
@@ -11762,7 +11326,7 @@
                                           </p:stCondLst>
                                         </p:cTn>
                                         <p:tgtEl>
-                                          <p:spTgt spid="148"/>
+                                          <p:spTgt spid="141"/>
                                         </p:tgtEl>
                                         <p:attrNameLst>
                                           <p:attrName>style.visibility</p:attrName>
@@ -11776,7 +11340,7 @@
                                       <p:cBhvr additive="repl">
                                         <p:cTn id="7" dur="500" fill="hold"/>
                                         <p:tgtEl>
-                                          <p:spTgt spid="148"/>
+                                          <p:spTgt spid="141"/>
                                         </p:tgtEl>
                                         <p:attrNameLst>
                                           <p:attrName>ppt_w</p:attrName>
@@ -11799,7 +11363,7 @@
                                       <p:cBhvr additive="repl">
                                         <p:cTn id="8" dur="500" fill="hold"/>
                                         <p:tgtEl>
-                                          <p:spTgt spid="148"/>
+                                          <p:spTgt spid="141"/>
                                         </p:tgtEl>
                                         <p:attrNameLst>
                                           <p:attrName>ppt_h</p:attrName>
@@ -11822,7 +11386,7 @@
                                       <p:cBhvr additive="repl">
                                         <p:cTn id="9" dur="500"/>
                                         <p:tgtEl>
-                                          <p:spTgt spid="148"/>
+                                          <p:spTgt spid="141"/>
                                         </p:tgtEl>
                                       </p:cBhvr>
                                     </p:animEffect>
@@ -11852,7 +11416,7 @@
                                           </p:stCondLst>
                                         </p:cTn>
                                         <p:tgtEl>
-                                          <p:spTgt spid="139"/>
+                                          <p:spTgt spid="132"/>
                                         </p:tgtEl>
                                         <p:attrNameLst>
                                           <p:attrName>style.visibility</p:attrName>
@@ -11866,7 +11430,7 @@
                                       <p:cBhvr additive="repl">
                                         <p:cTn id="13" dur="500"/>
                                         <p:tgtEl>
-                                          <p:spTgt spid="139"/>
+                                          <p:spTgt spid="132"/>
                                         </p:tgtEl>
                                       </p:cBhvr>
                                     </p:animEffect>
@@ -11887,7 +11451,7 @@
                                           </p:stCondLst>
                                         </p:cTn>
                                         <p:tgtEl>
-                                          <p:spTgt spid="147"/>
+                                          <p:spTgt spid="140"/>
                                         </p:tgtEl>
                                         <p:attrNameLst>
                                           <p:attrName>style.visibility</p:attrName>
@@ -11901,7 +11465,7 @@
                                       <p:cBhvr additive="repl">
                                         <p:cTn id="16" dur="500" fill="hold"/>
                                         <p:tgtEl>
-                                          <p:spTgt spid="147"/>
+                                          <p:spTgt spid="140"/>
                                         </p:tgtEl>
                                         <p:attrNameLst>
                                           <p:attrName>ppt_w</p:attrName>
@@ -11924,7 +11488,7 @@
                                       <p:cBhvr additive="repl">
                                         <p:cTn id="17" dur="500" fill="hold"/>
                                         <p:tgtEl>
-                                          <p:spTgt spid="147"/>
+                                          <p:spTgt spid="140"/>
                                         </p:tgtEl>
                                         <p:attrNameLst>
                                           <p:attrName>ppt_h</p:attrName>
@@ -11947,7 +11511,7 @@
                                       <p:cBhvr additive="repl">
                                         <p:cTn id="18" dur="500"/>
                                         <p:tgtEl>
-                                          <p:spTgt spid="147"/>
+                                          <p:spTgt spid="140"/>
                                         </p:tgtEl>
                                       </p:cBhvr>
                                     </p:animEffect>
@@ -11968,7 +11532,7 @@
                                           </p:stCondLst>
                                         </p:cTn>
                                         <p:tgtEl>
-                                          <p:spTgt spid="140"/>
+                                          <p:spTgt spid="133"/>
                                         </p:tgtEl>
                                         <p:attrNameLst>
                                           <p:attrName>style.visibility</p:attrName>
@@ -11982,7 +11546,7 @@
                                       <p:cBhvr additive="repl">
                                         <p:cTn id="21" dur="500" fill="hold"/>
                                         <p:tgtEl>
-                                          <p:spTgt spid="140"/>
+                                          <p:spTgt spid="133"/>
                                         </p:tgtEl>
                                         <p:attrNameLst>
                                           <p:attrName>ppt_w</p:attrName>
@@ -12005,7 +11569,7 @@
                                       <p:cBhvr additive="repl">
                                         <p:cTn id="22" dur="500" fill="hold"/>
                                         <p:tgtEl>
-                                          <p:spTgt spid="140"/>
+                                          <p:spTgt spid="133"/>
                                         </p:tgtEl>
                                         <p:attrNameLst>
                                           <p:attrName>ppt_h</p:attrName>
@@ -12028,7 +11592,7 @@
                                       <p:cBhvr additive="repl">
                                         <p:cTn id="23" dur="500"/>
                                         <p:tgtEl>
-                                          <p:spTgt spid="140"/>
+                                          <p:spTgt spid="133"/>
                                         </p:tgtEl>
                                       </p:cBhvr>
                                     </p:animEffect>
@@ -12058,7 +11622,7 @@
                                           </p:stCondLst>
                                         </p:cTn>
                                         <p:tgtEl>
-                                          <p:spTgt spid="141"/>
+                                          <p:spTgt spid="134"/>
                                         </p:tgtEl>
                                         <p:attrNameLst>
                                           <p:attrName>style.visibility</p:attrName>
@@ -12072,7 +11636,7 @@
                                       <p:cBhvr additive="repl">
                                         <p:cTn id="27" dur="500" fill="hold"/>
                                         <p:tgtEl>
-                                          <p:spTgt spid="141"/>
+                                          <p:spTgt spid="134"/>
                                         </p:tgtEl>
                                         <p:attrNameLst>
                                           <p:attrName>ppt_w</p:attrName>
@@ -12095,7 +11659,7 @@
                                       <p:cBhvr additive="repl">
                                         <p:cTn id="28" dur="500" fill="hold"/>
                                         <p:tgtEl>
-                                          <p:spTgt spid="141"/>
+                                          <p:spTgt spid="134"/>
                                         </p:tgtEl>
                                         <p:attrNameLst>
                                           <p:attrName>ppt_h</p:attrName>
@@ -12118,7 +11682,7 @@
                                       <p:cBhvr additive="repl">
                                         <p:cTn id="29" dur="500"/>
                                         <p:tgtEl>
-                                          <p:spTgt spid="141"/>
+                                          <p:spTgt spid="134"/>
                                         </p:tgtEl>
                                       </p:cBhvr>
                                     </p:animEffect>
@@ -12148,7 +11712,7 @@
                                           </p:stCondLst>
                                         </p:cTn>
                                         <p:tgtEl>
-                                          <p:spTgt spid="142"/>
+                                          <p:spTgt spid="135"/>
                                         </p:tgtEl>
                                         <p:attrNameLst>
                                           <p:attrName>style.visibility</p:attrName>
@@ -12162,7 +11726,7 @@
                                       <p:cBhvr additive="repl">
                                         <p:cTn id="33" dur="500" fill="hold"/>
                                         <p:tgtEl>
-                                          <p:spTgt spid="142"/>
+                                          <p:spTgt spid="135"/>
                                         </p:tgtEl>
                                         <p:attrNameLst>
                                           <p:attrName>ppt_w</p:attrName>
@@ -12185,7 +11749,7 @@
                                       <p:cBhvr additive="repl">
                                         <p:cTn id="34" dur="500" fill="hold"/>
                                         <p:tgtEl>
-                                          <p:spTgt spid="142"/>
+                                          <p:spTgt spid="135"/>
                                         </p:tgtEl>
                                         <p:attrNameLst>
                                           <p:attrName>ppt_h</p:attrName>
@@ -12208,7 +11772,7 @@
                                       <p:cBhvr additive="repl">
                                         <p:cTn id="35" dur="500"/>
                                         <p:tgtEl>
-                                          <p:spTgt spid="142"/>
+                                          <p:spTgt spid="135"/>
                                         </p:tgtEl>
                                       </p:cBhvr>
                                     </p:animEffect>
@@ -12246,7 +11810,7 @@
 </p:sld>
 </file>
 
-<file path=ppt/slides/slide7.xml><?xml version="1.0" encoding="utf-8"?>
+<file path=ppt/slides/slide8.xml><?xml version="1.0" encoding="utf-8"?>
 <p:sld xmlns:a="http://schemas.openxmlformats.org/drawingml/2006/main" xmlns:p="http://schemas.openxmlformats.org/presentationml/2006/main" xmlns:r="http://schemas.openxmlformats.org/officeDocument/2006/relationships" xmlns:p14="http://schemas.microsoft.com/office/powerpoint/2010/main" xmlns:p15="http://schemas.microsoft.com/office/powerpoint/2012/main" xmlns:mc="http://schemas.openxmlformats.org/markup-compatibility/2006">
   <p:cSld>
     <p:spTree>
@@ -12270,14 +11834,14 @@
           <p:nvPr>
             <p:extLst>
               <p:ext uri="{D42A27DB-BD31-4B8C-83A1-F6EECF244321}">
-                <p14:modId xmlns:p14="http://schemas.microsoft.com/office/powerpoint/2010/main" val="59877972"/>
+                <p14:modId xmlns:p14="http://schemas.microsoft.com/office/powerpoint/2010/main" val="2471175697"/>
               </p:ext>
             </p:extLst>
           </p:nvPr>
         </p:nvGraphicFramePr>
         <p:xfrm>
           <a:off x="346680" y="438840"/>
-          <a:ext cx="11486520" cy="6418800"/>
+          <a:ext cx="11485440" cy="6417720"/>
         </p:xfrm>
         <a:graphic>
           <a:graphicData uri="http://schemas.openxmlformats.org/drawingml/2006/diagram">
@@ -12287,7 +11851,7 @@
       </p:graphicFrame>
       <p:pic>
         <p:nvPicPr>
-          <p:cNvPr id="158" name="Picture 2" descr=""/>
+          <p:cNvPr id="151" name="Picture 2" descr=""/>
           <p:cNvPicPr/>
           <p:nvPr/>
         </p:nvPicPr>
@@ -12298,7 +11862,7 @@
         <p:spPr>
           <a:xfrm>
             <a:off x="10836000" y="5515200"/>
-            <a:ext cx="1232640" cy="1150920"/>
+            <a:ext cx="1231560" cy="1149840"/>
           </a:xfrm>
           <a:prstGeom prst="rect">
             <a:avLst/>
@@ -12321,7 +11885,7 @@
 </p:sld>
 </file>
 
-<file path=ppt/slides/slide8.xml><?xml version="1.0" encoding="utf-8"?>
+<file path=ppt/slides/slide9.xml><?xml version="1.0" encoding="utf-8"?>
 <p:sld xmlns:a="http://schemas.openxmlformats.org/drawingml/2006/main" xmlns:p="http://schemas.openxmlformats.org/presentationml/2006/main" xmlns:r="http://schemas.openxmlformats.org/officeDocument/2006/relationships" xmlns:p14="http://schemas.microsoft.com/office/powerpoint/2010/main" xmlns:p15="http://schemas.microsoft.com/office/powerpoint/2012/main" xmlns:mc="http://schemas.openxmlformats.org/markup-compatibility/2006">
   <p:cSld>
     <p:spTree>
@@ -12340,7 +11904,7 @@
       </p:grpSpPr>
       <p:pic>
         <p:nvPicPr>
-          <p:cNvPr id="159" name="Picture 2" descr="Diagram&#10;&#10;Description automatically generated"/>
+          <p:cNvPr id="152" name="Picture 2" descr="Diagram&#10;&#10;Description automatically generated"/>
           <p:cNvPicPr/>
           <p:nvPr/>
         </p:nvPicPr>
@@ -12351,7 +11915,7 @@
         <p:spPr>
           <a:xfrm>
             <a:off x="2500920" y="0"/>
-            <a:ext cx="7189560" cy="6857640"/>
+            <a:ext cx="7188480" cy="6856560"/>
           </a:xfrm>
           <a:prstGeom prst="rect">
             <a:avLst/>
@@ -12363,28 +11927,28 @@
       </p:pic>
       <p:grpSp>
         <p:nvGrpSpPr>
-          <p:cNvPr id="160" name="Group 3"/>
+          <p:cNvPr id="153" name="Group 3"/>
           <p:cNvGrpSpPr/>
           <p:nvPr/>
         </p:nvGrpSpPr>
         <p:grpSpPr>
           <a:xfrm>
             <a:off x="292320" y="198720"/>
-            <a:ext cx="1905840" cy="1143360"/>
+            <a:ext cx="1904760" cy="1142280"/>
             <a:chOff x="292320" y="198720"/>
-            <a:chExt cx="1905840" cy="1143360"/>
+            <a:chExt cx="1904760" cy="1142280"/>
           </a:xfrm>
         </p:grpSpPr>
         <p:sp>
           <p:nvSpPr>
-            <p:cNvPr id="161" name="Rectangle: Rounded Corners 4"/>
+            <p:cNvPr id="154" name="Rectangle: Rounded Corners 4"/>
             <p:cNvSpPr/>
             <p:nvPr/>
           </p:nvSpPr>
           <p:spPr>
             <a:xfrm>
               <a:off x="292320" y="198720"/>
-              <a:ext cx="1905840" cy="1143360"/>
+              <a:ext cx="1904760" cy="1142280"/>
             </a:xfrm>
             <a:prstGeom prst="roundRect">
               <a:avLst>
@@ -12441,14 +12005,14 @@
         </p:sp>
         <p:sp>
           <p:nvSpPr>
-            <p:cNvPr id="162" name="Rectangle: Rounded Corners 4"/>
+            <p:cNvPr id="155" name="Rectangle: Rounded Corners 4"/>
             <p:cNvSpPr/>
             <p:nvPr/>
           </p:nvSpPr>
           <p:spPr>
             <a:xfrm>
               <a:off x="292320" y="198720"/>
-              <a:ext cx="1905840" cy="762120"/>
+              <a:ext cx="1904760" cy="761040"/>
             </a:xfrm>
             <a:prstGeom prst="rect">
               <a:avLst/>
@@ -12486,6 +12050,7 @@
                     <a:srgbClr val="ffffff"/>
                   </a:solidFill>
                   <a:latin typeface="Calibri"/>
+                  <a:ea typeface="DejaVu Sans"/>
                 </a:rPr>
                 <a:t>1</a:t>
               </a:r>
@@ -12495,6 +12060,7 @@
                     <a:srgbClr val="ffffff"/>
                   </a:solidFill>
                   <a:latin typeface="Calibri"/>
+                  <a:ea typeface="DejaVu Sans"/>
                 </a:rPr>
                 <a:t>st</a:t>
               </a:r>
@@ -12504,6 +12070,7 @@
                     <a:srgbClr val="ffffff"/>
                   </a:solidFill>
                   <a:latin typeface="Calibri"/>
+                  <a:ea typeface="DejaVu Sans"/>
                 </a:rPr>
                 <a:t> Round AWS Deployment Architecture</a:t>
               </a:r>
@@ -12514,201 +12081,99 @@
           </p:txBody>
         </p:sp>
       </p:grpSp>
-    </p:spTree>
-  </p:cSld>
-  <mc:AlternateContent>
-    <mc:Choice Requires="p14">
-      <p:transition spd="slow" p14:dur="2000"/>
-    </mc:Choice>
-    <mc:Fallback>
-      <p:transition spd="slow"/>
-    </mc:Fallback>
-  </mc:AlternateContent>
-</p:sld>
-</file>
-
-<file path=ppt/slides/slide9.xml><?xml version="1.0" encoding="utf-8"?>
-<p:sld xmlns:a="http://schemas.openxmlformats.org/drawingml/2006/main" xmlns:p="http://schemas.openxmlformats.org/presentationml/2006/main" xmlns:r="http://schemas.openxmlformats.org/officeDocument/2006/relationships" xmlns:p14="http://schemas.microsoft.com/office/powerpoint/2010/main" xmlns:p15="http://schemas.microsoft.com/office/powerpoint/2012/main" xmlns:mc="http://schemas.openxmlformats.org/markup-compatibility/2006">
-  <p:cSld>
-    <p:spTree>
-      <p:nvGrpSpPr>
-        <p:cNvPr id="1" name=""/>
-        <p:cNvGrpSpPr/>
-        <p:nvPr/>
-      </p:nvGrpSpPr>
-      <p:grpSpPr>
-        <a:xfrm>
-          <a:off x="0" y="0"/>
-          <a:ext cx="0" cy="0"/>
-          <a:chOff x="0" y="0"/>
-          <a:chExt cx="0" cy="0"/>
-        </a:xfrm>
-      </p:grpSpPr>
-      <p:pic>
-        <p:nvPicPr>
-          <p:cNvPr id="163" name="Picture 2" descr="Diagram&#10;&#10;Description automatically generated"/>
-          <p:cNvPicPr/>
+      <p:sp>
+        <p:nvSpPr>
+          <p:cNvPr id="156" name=""/>
+          <p:cNvSpPr/>
           <p:nvPr/>
-        </p:nvPicPr>
-        <p:blipFill>
-          <a:blip r:embed="rId1"/>
-          <a:stretch/>
-        </p:blipFill>
-        <p:spPr>
-          <a:xfrm>
-            <a:off x="2595600" y="0"/>
-            <a:ext cx="8986320" cy="6857640"/>
-          </a:xfrm>
-          <a:prstGeom prst="rect">
-            <a:avLst/>
-          </a:prstGeom>
-          <a:ln w="0">
-            <a:noFill/>
-          </a:ln>
-        </p:spPr>
-      </p:pic>
-      <p:grpSp>
-        <p:nvGrpSpPr>
-          <p:cNvPr id="164" name="Group 3"/>
-          <p:cNvGrpSpPr/>
-          <p:nvPr/>
-        </p:nvGrpSpPr>
-        <p:grpSpPr>
-          <a:xfrm>
-            <a:off x="273960" y="174600"/>
+        </p:nvSpPr>
+        <p:spPr>
+          <a:xfrm>
+            <a:off x="292320" y="198720"/>
             <a:ext cx="1905840" cy="1143360"/>
-            <a:chOff x="273960" y="174600"/>
-            <a:chExt cx="1905840" cy="1143360"/>
-          </a:xfrm>
-        </p:grpSpPr>
-        <p:sp>
-          <p:nvSpPr>
-            <p:cNvPr id="165" name="Rectangle: Rounded Corners 4"/>
-            <p:cNvSpPr/>
-            <p:nvPr/>
-          </p:nvSpPr>
-          <p:spPr>
-            <a:xfrm>
-              <a:off x="273960" y="174600"/>
-              <a:ext cx="1905840" cy="1143360"/>
-            </a:xfrm>
-            <a:prstGeom prst="roundRect">
-              <a:avLst>
-                <a:gd name="adj" fmla="val 10000"/>
-              </a:avLst>
-            </a:prstGeom>
+          </a:xfrm>
+          <a:prstGeom prst="roundRect">
+            <a:avLst>
+              <a:gd name="adj" fmla="val 10000"/>
+            </a:avLst>
+          </a:prstGeom>
+          <a:solidFill>
+            <a:schemeClr val="accent3">
+              <a:hueOff val="0"/>
+              <a:satOff val="0"/>
+              <a:lumOff val="0"/>
+              <a:alphaOff val="0"/>
+            </a:schemeClr>
+          </a:solidFill>
+          <a:ln w="12700">
             <a:solidFill>
-              <a:srgbClr val="5b9bd5"/>
-            </a:solidFill>
-            <a:ln>
-              <a:solidFill>
-                <a:srgbClr val="ffffff"/>
-              </a:solidFill>
-            </a:ln>
-          </p:spPr>
-          <p:style>
-            <a:lnRef idx="2">
-              <a:schemeClr val="lt1">
+              <a:srgbClr val="ffffff">
                 <a:hueOff val="0"/>
                 <a:satOff val="0"/>
                 <a:lumOff val="0"/>
                 <a:alphaOff val="0"/>
-              </a:schemeClr>
-            </a:lnRef>
-            <a:fillRef idx="1">
-              <a:schemeClr val="accent5">
-                <a:hueOff val="0"/>
-                <a:satOff val="0"/>
-                <a:lumOff val="0"/>
-                <a:alphaOff val="0"/>
-              </a:schemeClr>
-            </a:fillRef>
-            <a:effectRef idx="0">
-              <a:schemeClr val="accent5">
-                <a:hueOff val="0"/>
-                <a:satOff val="0"/>
-                <a:lumOff val="0"/>
-                <a:alphaOff val="0"/>
-              </a:schemeClr>
-            </a:effectRef>
-            <a:fontRef idx="minor"/>
-          </p:style>
-        </p:sp>
-        <p:sp>
-          <p:nvSpPr>
-            <p:cNvPr id="166" name="Rectangle: Rounded Corners 4"/>
-            <p:cNvSpPr/>
-            <p:nvPr/>
-          </p:nvSpPr>
-          <p:spPr>
-            <a:xfrm>
-              <a:off x="273960" y="174600"/>
-              <a:ext cx="1905840" cy="762120"/>
-            </a:xfrm>
-            <a:prstGeom prst="rect">
-              <a:avLst/>
-            </a:prstGeom>
-            <a:noFill/>
-            <a:ln w="0">
-              <a:noFill/>
-            </a:ln>
-          </p:spPr>
-          <p:style>
-            <a:lnRef idx="0"/>
-            <a:fillRef idx="0"/>
-            <a:effectRef idx="0"/>
-            <a:fontRef idx="minor"/>
-          </p:style>
-          <p:txBody>
-            <a:bodyPr lIns="128160" rIns="128160" tIns="128160" bIns="68760">
-              <a:noAutofit/>
-            </a:bodyPr>
-            <a:p>
-              <a:pPr>
-                <a:lnSpc>
-                  <a:spcPct val="90000"/>
-                </a:lnSpc>
-                <a:spcAft>
-                  <a:spcPts val="629"/>
-                </a:spcAft>
-                <a:tabLst>
-                  <a:tab algn="l" pos="0"/>
-                </a:tabLst>
-              </a:pPr>
-              <a:r>
-                <a:rPr b="0" lang="en-US" sz="1800" spc="-1" strike="noStrike">
-                  <a:solidFill>
-                    <a:srgbClr val="ffffff"/>
-                  </a:solidFill>
-                  <a:latin typeface="Calibri"/>
-                </a:rPr>
-                <a:t>2</a:t>
-              </a:r>
-              <a:r>
-                <a:rPr b="0" lang="en-US" sz="1800" spc="-1" strike="noStrike" baseline="30000">
-                  <a:solidFill>
-                    <a:srgbClr val="ffffff"/>
-                  </a:solidFill>
-                  <a:latin typeface="Calibri"/>
-                </a:rPr>
-                <a:t>nd</a:t>
-              </a:r>
-              <a:r>
-                <a:rPr b="0" lang="en-US" sz="1800" spc="-1" strike="noStrike">
-                  <a:solidFill>
-                    <a:srgbClr val="ffffff"/>
-                  </a:solidFill>
-                  <a:latin typeface="Calibri"/>
-                </a:rPr>
-                <a:t> Round AWS Deployment Architecture </a:t>
-              </a:r>
-              <a:endParaRPr b="0" lang="en-IN" sz="1800" spc="-1" strike="noStrike">
+              </a:srgbClr>
+            </a:solidFill>
+          </a:ln>
+        </p:spPr>
+        <p:style>
+          <a:lnRef idx="2"/>
+          <a:fillRef idx="0"/>
+          <a:effectRef idx="0"/>
+          <a:fontRef idx="minor"/>
+        </p:style>
+        <p:txBody>
+          <a:bodyPr lIns="128160" rIns="128160" tIns="128160" bIns="450000">
+            <a:noAutofit/>
+          </a:bodyPr>
+          <a:p>
+            <a:pPr>
+              <a:lnSpc>
+                <a:spcPct val="90000"/>
+              </a:lnSpc>
+              <a:spcAft>
+                <a:spcPts val="629"/>
+              </a:spcAft>
+              <a:tabLst>
+                <a:tab algn="l" pos="0"/>
+              </a:tabLst>
+            </a:pPr>
+            <a:r>
+              <a:rPr b="0" lang="en-US" sz="1800" spc="-1" strike="noStrike">
+                <a:solidFill>
+                  <a:srgbClr val="ffffff"/>
+                </a:solidFill>
                 <a:latin typeface="Arial"/>
-              </a:endParaRPr>
-            </a:p>
-          </p:txBody>
-        </p:sp>
-      </p:grpSp>
+                <a:ea typeface="DejaVu Sans"/>
+              </a:rPr>
+              <a:t>1</a:t>
+            </a:r>
+            <a:r>
+              <a:rPr b="0" lang="en-US" sz="1800" spc="-1" strike="noStrike" baseline="30000">
+                <a:solidFill>
+                  <a:srgbClr val="ffffff"/>
+                </a:solidFill>
+                <a:latin typeface="Arial"/>
+                <a:ea typeface="DejaVu Sans"/>
+              </a:rPr>
+              <a:t>st</a:t>
+            </a:r>
+            <a:r>
+              <a:rPr b="0" lang="en-US" sz="1800" spc="-1" strike="noStrike">
+                <a:solidFill>
+                  <a:srgbClr val="ffffff"/>
+                </a:solidFill>
+                <a:latin typeface="Arial"/>
+                <a:ea typeface="DejaVu Sans"/>
+              </a:rPr>
+              <a:t> Round AWS Deployment Architecture</a:t>
+            </a:r>
+            <a:endParaRPr b="0" lang="en-IN" sz="1800" spc="-1" strike="noStrike">
+              <a:latin typeface="Arial"/>
+            </a:endParaRPr>
+          </a:p>
+        </p:txBody>
+      </p:sp>
     </p:spTree>
   </p:cSld>
   <mc:AlternateContent>
